--- a/leere_ppt.pptx
+++ b/leere_ppt.pptx
@@ -1927,7 +1927,7 @@
         <p:spPr>
           <a:xfrm>
             <a:off x="889000" y="4367276"/>
-            <a:ext cx="5724525" cy="640080"/>
+            <a:ext cx="5724525" cy="648895"/>
           </a:xfrm>
           <a:prstGeom prst="rect">
             <a:avLst/>
@@ -2031,7 +2031,7 @@
               </a:rPr>
               <a:t>AG:</a:t>
             </a:r>
-            <a:endParaRPr sz="1200">
+            <a:endParaRPr sz="1200" dirty="0">
               <a:latin typeface="Arial"/>
               <a:cs typeface="Arial"/>
             </a:endParaRPr>
@@ -2047,6 +2047,9 @@
             </a:pPr>
             <a:r>
               <a:rPr sz="1200" b="1" spc="15" dirty="0">
+                <a:solidFill>
+                  <a:srgbClr val="FF0000"/>
+                </a:solidFill>
                 <a:latin typeface="Arial"/>
                 <a:cs typeface="Arial"/>
               </a:rPr>
@@ -2054,6 +2057,9 @@
             </a:r>
             <a:r>
               <a:rPr sz="1200" b="1" spc="-75" dirty="0">
+                <a:solidFill>
+                  <a:srgbClr val="FF0000"/>
+                </a:solidFill>
                 <a:latin typeface="Arial"/>
                 <a:cs typeface="Arial"/>
               </a:rPr>
@@ -2061,6 +2067,9 @@
             </a:r>
             <a:r>
               <a:rPr sz="1200" b="1" spc="-160" dirty="0">
+                <a:solidFill>
+                  <a:srgbClr val="FF0000"/>
+                </a:solidFill>
                 <a:latin typeface="Arial"/>
                 <a:cs typeface="Arial"/>
               </a:rPr>
@@ -2068,6 +2077,9 @@
             </a:r>
             <a:r>
               <a:rPr sz="1200" b="1" spc="10" dirty="0">
+                <a:solidFill>
+                  <a:srgbClr val="FF0000"/>
+                </a:solidFill>
                 <a:latin typeface="Arial"/>
                 <a:cs typeface="Arial"/>
               </a:rPr>
@@ -2075,6 +2087,9 @@
             </a:r>
             <a:r>
               <a:rPr sz="1200" b="1" spc="-105" dirty="0">
+                <a:solidFill>
+                  <a:srgbClr val="FF0000"/>
+                </a:solidFill>
                 <a:latin typeface="Arial"/>
                 <a:cs typeface="Arial"/>
               </a:rPr>
@@ -2082,12 +2097,18 @@
             </a:r>
             <a:r>
               <a:rPr sz="1200" b="1" spc="-75" dirty="0">
+                <a:solidFill>
+                  <a:srgbClr val="FF0000"/>
+                </a:solidFill>
                 <a:latin typeface="Arial"/>
                 <a:cs typeface="Arial"/>
               </a:rPr>
               <a:t>Limousine</a:t>
             </a:r>
-            <a:endParaRPr sz="1200">
+            <a:endParaRPr sz="1200" dirty="0">
+              <a:solidFill>
+                <a:srgbClr val="FF0000"/>
+              </a:solidFill>
               <a:latin typeface="Arial"/>
               <a:cs typeface="Arial"/>
             </a:endParaRPr>

--- a/leere_ppt.pptx
+++ b/leere_ppt.pptx
@@ -2186,7 +2186,7 @@
               </a:rPr>
               <a:t>Zeit:</a:t>
             </a:r>
-            <a:endParaRPr sz="1200">
+            <a:endParaRPr sz="1200" dirty="0">
               <a:latin typeface="Arial"/>
               <a:cs typeface="Arial"/>
             </a:endParaRPr>
@@ -2199,6 +2199,9 @@
             </a:pPr>
             <a:r>
               <a:rPr sz="1200" b="1" spc="-75" dirty="0">
+                <a:solidFill>
+                  <a:srgbClr val="FF0000"/>
+                </a:solidFill>
                 <a:latin typeface="Arial"/>
                 <a:cs typeface="Arial"/>
               </a:rPr>
@@ -2206,6 +2209,9 @@
             </a:r>
             <a:r>
               <a:rPr sz="1200" b="1" spc="-55" dirty="0">
+                <a:solidFill>
+                  <a:srgbClr val="FF0000"/>
+                </a:solidFill>
                 <a:latin typeface="Arial"/>
                 <a:cs typeface="Arial"/>
               </a:rPr>
@@ -2213,6 +2219,9 @@
             </a:r>
             <a:r>
               <a:rPr sz="1200" b="1" spc="-65" dirty="0">
+                <a:solidFill>
+                  <a:srgbClr val="FF0000"/>
+                </a:solidFill>
                 <a:latin typeface="Arial"/>
                 <a:cs typeface="Arial"/>
               </a:rPr>
@@ -2220,6 +2229,9 @@
             </a:r>
             <a:r>
               <a:rPr sz="1200" b="1" spc="-70" dirty="0">
+                <a:solidFill>
+                  <a:srgbClr val="FF0000"/>
+                </a:solidFill>
                 <a:latin typeface="Arial"/>
                 <a:cs typeface="Arial"/>
               </a:rPr>
@@ -2227,6 +2239,9 @@
             </a:r>
             <a:r>
               <a:rPr sz="1200" b="1" spc="85" dirty="0">
+                <a:solidFill>
+                  <a:srgbClr val="FF0000"/>
+                </a:solidFill>
                 <a:latin typeface="Arial"/>
                 <a:cs typeface="Arial"/>
               </a:rPr>
@@ -2234,12 +2249,18 @@
             </a:r>
             <a:r>
               <a:rPr sz="1200" b="1" spc="-40" dirty="0">
+                <a:solidFill>
+                  <a:srgbClr val="FF0000"/>
+                </a:solidFill>
                 <a:latin typeface="Arial"/>
                 <a:cs typeface="Arial"/>
               </a:rPr>
               <a:t>Herstellerwerk</a:t>
             </a:r>
-            <a:endParaRPr sz="1200">
+            <a:endParaRPr sz="1200" dirty="0">
+              <a:solidFill>
+                <a:srgbClr val="FF0000"/>
+              </a:solidFill>
               <a:latin typeface="Arial"/>
               <a:cs typeface="Arial"/>
             </a:endParaRPr>

--- a/leere_ppt.pptx
+++ b/leere_ppt.pptx
@@ -2165,7 +2165,7 @@
               </a:rPr>
               <a:t>Zeit:</a:t>
             </a:r>
-            <a:endParaRPr sz="1200">
+            <a:endParaRPr sz="1200" dirty="0">
               <a:latin typeface="Arial"/>
               <a:cs typeface="Arial"/>
             </a:endParaRPr>
@@ -2177,48 +2177,48 @@
               </a:lnSpc>
             </a:pPr>
             <a:r>
-              <a:rPr sz="1200" b="1" spc="-75" dirty="0">
+              <a:rPr sz="1200" b="1" i="1" u="sng" spc="-75" dirty="0">
                 <a:latin typeface="Arial"/>
                 <a:cs typeface="Arial"/>
               </a:rPr>
               <a:t>Fahrzeug </a:t>
             </a:r>
             <a:r>
-              <a:rPr sz="1200" b="1" spc="-55" dirty="0">
+              <a:rPr sz="1200" b="1" i="1" u="sng" spc="-55" dirty="0">
                 <a:latin typeface="Arial"/>
                 <a:cs typeface="Arial"/>
               </a:rPr>
               <a:t>in </a:t>
             </a:r>
             <a:r>
-              <a:rPr sz="1200" b="1" spc="-65" dirty="0">
+              <a:rPr sz="1200" b="1" i="1" u="sng" spc="-65" dirty="0">
                 <a:latin typeface="Arial"/>
                 <a:cs typeface="Arial"/>
               </a:rPr>
               <a:t>Grundausstattung </a:t>
             </a:r>
             <a:r>
-              <a:rPr sz="1200" b="1" spc="-70" dirty="0">
+              <a:rPr sz="1200" b="1" i="1" u="sng" spc="-70" dirty="0">
                 <a:latin typeface="Arial"/>
                 <a:cs typeface="Arial"/>
               </a:rPr>
               <a:t>ab</a:t>
             </a:r>
             <a:r>
-              <a:rPr sz="1200" b="1" spc="85" dirty="0">
-                <a:latin typeface="Arial"/>
-                <a:cs typeface="Arial"/>
-              </a:rPr>
-              <a:t> </a:t>
-            </a:r>
-            <a:r>
-              <a:rPr sz="1200" b="1" spc="-40" dirty="0">
+              <a:rPr sz="1200" b="1" i="1" u="sng" spc="85" dirty="0">
+                <a:latin typeface="Arial"/>
+                <a:cs typeface="Arial"/>
+              </a:rPr>
+              <a:t> </a:t>
+            </a:r>
+            <a:r>
+              <a:rPr sz="1200" b="1" i="1" u="sng" spc="-40" dirty="0">
                 <a:latin typeface="Arial"/>
                 <a:cs typeface="Arial"/>
               </a:rPr>
               <a:t>Herstellerwerk</a:t>
             </a:r>
-            <a:endParaRPr sz="1200">
+            <a:endParaRPr sz="1200" i="1" u="sng" dirty="0">
               <a:latin typeface="Arial"/>
               <a:cs typeface="Arial"/>
             </a:endParaRPr>

--- a/leere_ppt.pptx
+++ b/leere_ppt.pptx
@@ -2596,6 +2596,9 @@
             </a:pPr>
             <a:r>
               <a:rPr sz="1200" spc="-110" dirty="0">
+                <a:solidFill>
+                  <a:srgbClr val="FF0000"/>
+                </a:solidFill>
                 <a:latin typeface="Arial"/>
                 <a:cs typeface="Arial"/>
               </a:rPr>
@@ -2603,6 +2606,9 @@
             </a:r>
             <a:r>
               <a:rPr sz="1200" spc="-75" dirty="0">
+                <a:solidFill>
+                  <a:srgbClr val="FF0000"/>
+                </a:solidFill>
                 <a:latin typeface="Arial"/>
                 <a:cs typeface="Arial"/>
               </a:rPr>
@@ -2610,6 +2616,9 @@
             </a:r>
             <a:r>
               <a:rPr sz="1200" spc="-65" dirty="0">
+                <a:solidFill>
+                  <a:srgbClr val="FF0000"/>
+                </a:solidFill>
                 <a:latin typeface="Arial"/>
                 <a:cs typeface="Arial"/>
               </a:rPr>
@@ -2617,6 +2626,9 @@
             </a:r>
             <a:r>
               <a:rPr sz="1200" spc="-45" dirty="0">
+                <a:solidFill>
+                  <a:srgbClr val="FF0000"/>
+                </a:solidFill>
                 <a:latin typeface="Arial"/>
                 <a:cs typeface="Arial"/>
               </a:rPr>
@@ -2624,6 +2636,9 @@
             </a:r>
             <a:r>
               <a:rPr sz="1200" spc="-85" dirty="0">
+                <a:solidFill>
+                  <a:srgbClr val="FF0000"/>
+                </a:solidFill>
                 <a:latin typeface="Arial"/>
                 <a:cs typeface="Arial"/>
               </a:rPr>
@@ -2631,6 +2646,9 @@
             </a:r>
             <a:r>
               <a:rPr sz="1200" spc="-55" dirty="0">
+                <a:solidFill>
+                  <a:srgbClr val="FF0000"/>
+                </a:solidFill>
                 <a:latin typeface="Arial"/>
                 <a:cs typeface="Arial"/>
               </a:rPr>
@@ -2638,6 +2656,9 @@
             </a:r>
             <a:r>
               <a:rPr sz="1200" spc="-75" dirty="0">
+                <a:solidFill>
+                  <a:srgbClr val="FF0000"/>
+                </a:solidFill>
                 <a:latin typeface="Arial"/>
                 <a:cs typeface="Arial"/>
               </a:rPr>
@@ -2645,6 +2666,9 @@
             </a:r>
             <a:r>
               <a:rPr sz="1200" spc="-30" dirty="0">
+                <a:solidFill>
+                  <a:srgbClr val="FF0000"/>
+                </a:solidFill>
                 <a:latin typeface="Arial"/>
                 <a:cs typeface="Arial"/>
               </a:rPr>
@@ -2652,12 +2676,18 @@
             </a:r>
             <a:r>
               <a:rPr sz="1200" spc="-65" dirty="0">
+                <a:solidFill>
+                  <a:srgbClr val="FF0000"/>
+                </a:solidFill>
                 <a:latin typeface="Arial"/>
                 <a:cs typeface="Arial"/>
               </a:rPr>
               <a:t>Antrieb</a:t>
             </a:r>
-            <a:endParaRPr sz="1200">
+            <a:endParaRPr sz="1200" dirty="0">
+              <a:solidFill>
+                <a:srgbClr val="FF0000"/>
+              </a:solidFill>
               <a:latin typeface="Arial"/>
               <a:cs typeface="Arial"/>
             </a:endParaRPr>
@@ -2673,6 +2703,9 @@
             </a:pPr>
             <a:r>
               <a:rPr sz="1200" spc="-180" dirty="0">
+                <a:solidFill>
+                  <a:srgbClr val="FF0000"/>
+                </a:solidFill>
                 <a:latin typeface="Arial"/>
                 <a:cs typeface="Arial"/>
               </a:rPr>
@@ -2680,6 +2713,9 @@
             </a:r>
             <a:r>
               <a:rPr sz="1200" spc="-140" dirty="0">
+                <a:solidFill>
+                  <a:srgbClr val="FF0000"/>
+                </a:solidFill>
                 <a:latin typeface="Arial"/>
                 <a:cs typeface="Arial"/>
               </a:rPr>
@@ -2687,6 +2723,9 @@
             </a:r>
             <a:r>
               <a:rPr sz="1200" spc="-85" dirty="0">
+                <a:solidFill>
+                  <a:srgbClr val="FF0000"/>
+                </a:solidFill>
                 <a:latin typeface="Arial"/>
                 <a:cs typeface="Arial"/>
               </a:rPr>
@@ -2694,6 +2733,9 @@
             </a:r>
             <a:r>
               <a:rPr sz="1200" spc="-155" dirty="0">
+                <a:solidFill>
+                  <a:srgbClr val="FF0000"/>
+                </a:solidFill>
                 <a:latin typeface="Arial"/>
                 <a:cs typeface="Arial"/>
               </a:rPr>
@@ -2701,6 +2743,9 @@
             </a:r>
             <a:r>
               <a:rPr sz="1200" spc="-145" dirty="0">
+                <a:solidFill>
+                  <a:srgbClr val="FF0000"/>
+                </a:solidFill>
                 <a:latin typeface="Arial"/>
                 <a:cs typeface="Arial"/>
               </a:rPr>
@@ -2708,6 +2753,9 @@
             </a:r>
             <a:r>
               <a:rPr sz="1200" spc="-85" dirty="0">
+                <a:solidFill>
+                  <a:srgbClr val="FF0000"/>
+                </a:solidFill>
                 <a:latin typeface="Arial"/>
                 <a:cs typeface="Arial"/>
               </a:rPr>
@@ -2715,6 +2763,9 @@
             </a:r>
             <a:r>
               <a:rPr sz="1200" spc="-175" dirty="0">
+                <a:solidFill>
+                  <a:srgbClr val="FF0000"/>
+                </a:solidFill>
                 <a:latin typeface="Arial"/>
                 <a:cs typeface="Arial"/>
               </a:rPr>
@@ -2722,12 +2773,18 @@
             </a:r>
             <a:r>
               <a:rPr sz="1200" spc="-100" dirty="0">
+                <a:solidFill>
+                  <a:srgbClr val="FF0000"/>
+                </a:solidFill>
                 <a:latin typeface="Arial"/>
                 <a:cs typeface="Arial"/>
               </a:rPr>
               <a:t>Premium</a:t>
             </a:r>
-            <a:endParaRPr sz="1200">
+            <a:endParaRPr sz="1200" dirty="0">
+              <a:solidFill>
+                <a:srgbClr val="FF0000"/>
+              </a:solidFill>
               <a:latin typeface="Arial"/>
               <a:cs typeface="Arial"/>
             </a:endParaRPr>
@@ -2743,6 +2800,9 @@
             </a:pPr>
             <a:r>
               <a:rPr sz="1200" spc="-185" dirty="0">
+                <a:solidFill>
+                  <a:srgbClr val="FF0000"/>
+                </a:solidFill>
                 <a:latin typeface="Arial"/>
                 <a:cs typeface="Arial"/>
               </a:rPr>
@@ -2750,6 +2810,9 @@
             </a:r>
             <a:r>
               <a:rPr sz="1200" spc="-140" dirty="0">
+                <a:solidFill>
+                  <a:srgbClr val="FF0000"/>
+                </a:solidFill>
                 <a:latin typeface="Arial"/>
                 <a:cs typeface="Arial"/>
               </a:rPr>
@@ -2757,6 +2820,9 @@
             </a:r>
             <a:r>
               <a:rPr sz="1200" spc="-80" dirty="0">
+                <a:solidFill>
+                  <a:srgbClr val="FF0000"/>
+                </a:solidFill>
                 <a:latin typeface="Arial"/>
                 <a:cs typeface="Arial"/>
               </a:rPr>
@@ -2764,6 +2830,9 @@
             </a:r>
             <a:r>
               <a:rPr sz="1200" spc="-160" dirty="0">
+                <a:solidFill>
+                  <a:srgbClr val="FF0000"/>
+                </a:solidFill>
                 <a:latin typeface="Arial"/>
                 <a:cs typeface="Arial"/>
               </a:rPr>
@@ -2771,12 +2840,18 @@
             </a:r>
             <a:r>
               <a:rPr sz="1200" spc="-100" dirty="0">
+                <a:solidFill>
+                  <a:srgbClr val="FF0000"/>
+                </a:solidFill>
                 <a:latin typeface="Arial"/>
                 <a:cs typeface="Arial"/>
               </a:rPr>
               <a:t>Premium</a:t>
             </a:r>
-            <a:endParaRPr sz="1200">
+            <a:endParaRPr sz="1200" dirty="0">
+              <a:solidFill>
+                <a:srgbClr val="FF0000"/>
+              </a:solidFill>
               <a:latin typeface="Arial"/>
               <a:cs typeface="Arial"/>
             </a:endParaRPr>

--- a/leere_ppt.pptx
+++ b/leere_ppt.pptx
@@ -262,7 +262,7 @@
           <a:p>
             <a:fld id="{1D8BD707-D9CF-40AE-B4C6-C98DA3205C09}" type="datetimeFigureOut">
               <a:rPr lang="en-US"/>
-              <a:t>1/26/2024</a:t>
+              <a:t>2/10/2024</a:t>
             </a:fld>
             <a:endParaRPr lang="en-US"/>
           </a:p>
@@ -455,7 +455,7 @@
           <a:p>
             <a:fld id="{1D8BD707-D9CF-40AE-B4C6-C98DA3205C09}" type="datetimeFigureOut">
               <a:rPr lang="en-US"/>
-              <a:t>1/26/2024</a:t>
+              <a:t>2/10/2024</a:t>
             </a:fld>
             <a:endParaRPr lang="en-US"/>
           </a:p>
@@ -691,7 +691,7 @@
           <a:p>
             <a:fld id="{1D8BD707-D9CF-40AE-B4C6-C98DA3205C09}" type="datetimeFigureOut">
               <a:rPr lang="en-US"/>
-              <a:t>1/26/2024</a:t>
+              <a:t>2/10/2024</a:t>
             </a:fld>
             <a:endParaRPr lang="en-US"/>
           </a:p>
@@ -861,7 +861,7 @@
           <a:p>
             <a:fld id="{1D8BD707-D9CF-40AE-B4C6-C98DA3205C09}" type="datetimeFigureOut">
               <a:rPr lang="en-US"/>
-              <a:t>1/26/2024</a:t>
+              <a:t>2/10/2024</a:t>
             </a:fld>
             <a:endParaRPr lang="en-US"/>
           </a:p>
@@ -1008,7 +1008,7 @@
           <a:p>
             <a:fld id="{1D8BD707-D9CF-40AE-B4C6-C98DA3205C09}" type="datetimeFigureOut">
               <a:rPr lang="en-US"/>
-              <a:t>1/26/2024</a:t>
+              <a:t>2/10/2024</a:t>
             </a:fld>
             <a:endParaRPr lang="en-US"/>
           </a:p>
@@ -1249,7 +1249,7 @@
           <a:p>
             <a:fld id="{1D8BD707-D9CF-40AE-B4C6-C98DA3205C09}" type="datetimeFigureOut">
               <a:rPr lang="en-US"/>
-              <a:t>1/26/2024</a:t>
+              <a:t>2/10/2024</a:t>
             </a:fld>
             <a:endParaRPr lang="en-US"/>
           </a:p>
@@ -1879,7 +1879,7 @@
         <p:spPr>
           <a:xfrm>
             <a:off x="5054600" y="3111500"/>
-            <a:ext cx="1739900" cy="381000"/>
+            <a:ext cx="1739900" cy="167354"/>
           </a:xfrm>
           <a:prstGeom prst="rect">
             <a:avLst/>
@@ -1906,12 +1906,18 @@
             </a:pPr>
             <a:r>
               <a:rPr sz="1000" spc="-70" dirty="0">
+                <a:highlight>
+                  <a:srgbClr val="FFFF00"/>
+                </a:highlight>
                 <a:latin typeface="Arial"/>
                 <a:cs typeface="Arial"/>
               </a:rPr>
               <a:t>Auftragsnummer:</a:t>
             </a:r>
             <a:endParaRPr sz="1000">
+              <a:highlight>
+                <a:srgbClr val="FFFF00"/>
+              </a:highlight>
               <a:latin typeface="Arial"/>
               <a:cs typeface="Arial"/>
             </a:endParaRPr>

--- a/leere_ppt.pptx
+++ b/leere_ppt.pptx
@@ -262,7 +262,7 @@
           <a:p>
             <a:fld id="{1D8BD707-D9CF-40AE-B4C6-C98DA3205C09}" type="datetimeFigureOut">
               <a:rPr lang="en-US"/>
-              <a:t>1/26/2024</a:t>
+              <a:t>2/14/2024</a:t>
             </a:fld>
             <a:endParaRPr lang="en-US"/>
           </a:p>
@@ -455,7 +455,7 @@
           <a:p>
             <a:fld id="{1D8BD707-D9CF-40AE-B4C6-C98DA3205C09}" type="datetimeFigureOut">
               <a:rPr lang="en-US"/>
-              <a:t>1/26/2024</a:t>
+              <a:t>2/14/2024</a:t>
             </a:fld>
             <a:endParaRPr lang="en-US"/>
           </a:p>
@@ -691,7 +691,7 @@
           <a:p>
             <a:fld id="{1D8BD707-D9CF-40AE-B4C6-C98DA3205C09}" type="datetimeFigureOut">
               <a:rPr lang="en-US"/>
-              <a:t>1/26/2024</a:t>
+              <a:t>2/14/2024</a:t>
             </a:fld>
             <a:endParaRPr lang="en-US"/>
           </a:p>
@@ -861,7 +861,7 @@
           <a:p>
             <a:fld id="{1D8BD707-D9CF-40AE-B4C6-C98DA3205C09}" type="datetimeFigureOut">
               <a:rPr lang="en-US"/>
-              <a:t>1/26/2024</a:t>
+              <a:t>2/14/2024</a:t>
             </a:fld>
             <a:endParaRPr lang="en-US"/>
           </a:p>
@@ -1008,7 +1008,7 @@
           <a:p>
             <a:fld id="{1D8BD707-D9CF-40AE-B4C6-C98DA3205C09}" type="datetimeFigureOut">
               <a:rPr lang="en-US"/>
-              <a:t>1/26/2024</a:t>
+              <a:t>2/14/2024</a:t>
             </a:fld>
             <a:endParaRPr lang="en-US"/>
           </a:p>
@@ -1249,7 +1249,7 @@
           <a:p>
             <a:fld id="{1D8BD707-D9CF-40AE-B4C6-C98DA3205C09}" type="datetimeFigureOut">
               <a:rPr lang="en-US"/>
-              <a:t>1/26/2024</a:t>
+              <a:t>2/14/2024</a:t>
             </a:fld>
             <a:endParaRPr lang="en-US"/>
           </a:p>
@@ -1879,7 +1879,7 @@
         <p:spPr>
           <a:xfrm>
             <a:off x="5054600" y="3111500"/>
-            <a:ext cx="1739900" cy="381000"/>
+            <a:ext cx="1739900" cy="167354"/>
           </a:xfrm>
           <a:prstGeom prst="rect">
             <a:avLst/>
@@ -1906,12 +1906,24 @@
             </a:pPr>
             <a:r>
               <a:rPr sz="1000" spc="-70" dirty="0">
+                <a:solidFill>
+                  <a:schemeClr val="accent6">
+                    <a:lumMod val="60000"/>
+                    <a:lumOff val="40000"/>
+                  </a:schemeClr>
+                </a:solidFill>
                 <a:latin typeface="Arial"/>
                 <a:cs typeface="Arial"/>
               </a:rPr>
               <a:t>Auftragsnummer:</a:t>
             </a:r>
             <a:endParaRPr sz="1000">
+              <a:solidFill>
+                <a:schemeClr val="accent6">
+                  <a:lumMod val="60000"/>
+                  <a:lumOff val="40000"/>
+                </a:schemeClr>
+              </a:solidFill>
               <a:latin typeface="Arial"/>
               <a:cs typeface="Arial"/>
             </a:endParaRPr>
@@ -1927,7 +1939,7 @@
         <p:spPr>
           <a:xfrm>
             <a:off x="889000" y="4367276"/>
-            <a:ext cx="5724525" cy="640080"/>
+            <a:ext cx="5724525" cy="648895"/>
           </a:xfrm>
           <a:prstGeom prst="rect">
             <a:avLst/>
@@ -1949,6 +1961,12 @@
             </a:pPr>
             <a:r>
               <a:rPr sz="1200" spc="-70" dirty="0">
+                <a:solidFill>
+                  <a:schemeClr val="accent6">
+                    <a:lumMod val="60000"/>
+                    <a:lumOff val="40000"/>
+                  </a:schemeClr>
+                </a:solidFill>
                 <a:latin typeface="Arial"/>
                 <a:cs typeface="Arial"/>
               </a:rPr>
@@ -1956,6 +1974,12 @@
             </a:r>
             <a:r>
               <a:rPr sz="1200" spc="-90" dirty="0">
+                <a:solidFill>
+                  <a:schemeClr val="accent6">
+                    <a:lumMod val="60000"/>
+                    <a:lumOff val="40000"/>
+                  </a:schemeClr>
+                </a:solidFill>
                 <a:latin typeface="Arial"/>
                 <a:cs typeface="Arial"/>
               </a:rPr>
@@ -1963,6 +1987,12 @@
             </a:r>
             <a:r>
               <a:rPr sz="1200" spc="-70" dirty="0">
+                <a:solidFill>
+                  <a:schemeClr val="accent6">
+                    <a:lumMod val="60000"/>
+                    <a:lumOff val="40000"/>
+                  </a:schemeClr>
+                </a:solidFill>
                 <a:latin typeface="Arial"/>
                 <a:cs typeface="Arial"/>
               </a:rPr>
@@ -1970,6 +2000,12 @@
             </a:r>
             <a:r>
               <a:rPr sz="1200" spc="-80" dirty="0">
+                <a:solidFill>
+                  <a:schemeClr val="accent6">
+                    <a:lumMod val="60000"/>
+                    <a:lumOff val="40000"/>
+                  </a:schemeClr>
+                </a:solidFill>
                 <a:latin typeface="Arial"/>
                 <a:cs typeface="Arial"/>
               </a:rPr>
@@ -1977,6 +2013,12 @@
             </a:r>
             <a:r>
               <a:rPr sz="1200" b="1" spc="-65" dirty="0">
+                <a:solidFill>
+                  <a:schemeClr val="accent6">
+                    <a:lumMod val="60000"/>
+                    <a:lumOff val="40000"/>
+                  </a:schemeClr>
+                </a:solidFill>
                 <a:latin typeface="Arial"/>
                 <a:cs typeface="Arial"/>
               </a:rPr>
@@ -1984,6 +2026,12 @@
             </a:r>
             <a:r>
               <a:rPr sz="1200" spc="-50" dirty="0">
+                <a:solidFill>
+                  <a:schemeClr val="accent6">
+                    <a:lumMod val="60000"/>
+                    <a:lumOff val="40000"/>
+                  </a:schemeClr>
+                </a:solidFill>
                 <a:latin typeface="Arial"/>
                 <a:cs typeface="Arial"/>
               </a:rPr>
@@ -1991,6 +2039,12 @@
             </a:r>
             <a:r>
               <a:rPr sz="1200" spc="-70" dirty="0">
+                <a:solidFill>
+                  <a:schemeClr val="accent6">
+                    <a:lumMod val="60000"/>
+                    <a:lumOff val="40000"/>
+                  </a:schemeClr>
+                </a:solidFill>
                 <a:latin typeface="Arial"/>
                 <a:cs typeface="Arial"/>
               </a:rPr>
@@ -1998,6 +2052,12 @@
             </a:r>
             <a:r>
               <a:rPr sz="1200" spc="-90" dirty="0">
+                <a:solidFill>
+                  <a:schemeClr val="accent6">
+                    <a:lumMod val="60000"/>
+                    <a:lumOff val="40000"/>
+                  </a:schemeClr>
+                </a:solidFill>
                 <a:latin typeface="Arial"/>
                 <a:cs typeface="Arial"/>
               </a:rPr>
@@ -2005,6 +2065,12 @@
             </a:r>
             <a:r>
               <a:rPr sz="1200" spc="-70" dirty="0">
+                <a:solidFill>
+                  <a:schemeClr val="accent6">
+                    <a:lumMod val="60000"/>
+                    <a:lumOff val="40000"/>
+                  </a:schemeClr>
+                </a:solidFill>
                 <a:latin typeface="Arial"/>
                 <a:cs typeface="Arial"/>
               </a:rPr>
@@ -2012,6 +2078,12 @@
             </a:r>
             <a:r>
               <a:rPr sz="1200" spc="-95" dirty="0">
+                <a:solidFill>
+                  <a:schemeClr val="accent6">
+                    <a:lumMod val="60000"/>
+                    <a:lumOff val="40000"/>
+                  </a:schemeClr>
+                </a:solidFill>
                 <a:latin typeface="Arial"/>
                 <a:cs typeface="Arial"/>
               </a:rPr>
@@ -2019,6 +2091,12 @@
             </a:r>
             <a:r>
               <a:rPr sz="1200" spc="25" dirty="0">
+                <a:solidFill>
+                  <a:schemeClr val="accent6">
+                    <a:lumMod val="60000"/>
+                    <a:lumOff val="40000"/>
+                  </a:schemeClr>
+                </a:solidFill>
                 <a:latin typeface="Arial"/>
                 <a:cs typeface="Arial"/>
               </a:rPr>
@@ -2026,12 +2104,24 @@
             </a:r>
             <a:r>
               <a:rPr sz="1200" spc="-125" dirty="0">
+                <a:solidFill>
+                  <a:schemeClr val="accent6">
+                    <a:lumMod val="60000"/>
+                    <a:lumOff val="40000"/>
+                  </a:schemeClr>
+                </a:solidFill>
                 <a:latin typeface="Arial"/>
                 <a:cs typeface="Arial"/>
               </a:rPr>
               <a:t>AG:</a:t>
             </a:r>
             <a:endParaRPr sz="1200">
+              <a:solidFill>
+                <a:schemeClr val="accent6">
+                  <a:lumMod val="60000"/>
+                  <a:lumOff val="40000"/>
+                </a:schemeClr>
+              </a:solidFill>
               <a:latin typeface="Arial"/>
               <a:cs typeface="Arial"/>
             </a:endParaRPr>
@@ -2047,6 +2137,12 @@
             </a:pPr>
             <a:r>
               <a:rPr sz="1200" b="1" spc="15" dirty="0">
+                <a:solidFill>
+                  <a:schemeClr val="accent6">
+                    <a:lumMod val="60000"/>
+                    <a:lumOff val="40000"/>
+                  </a:schemeClr>
+                </a:solidFill>
                 <a:latin typeface="Arial"/>
                 <a:cs typeface="Arial"/>
               </a:rPr>
@@ -2054,6 +2150,12 @@
             </a:r>
             <a:r>
               <a:rPr sz="1200" b="1" spc="-75" dirty="0">
+                <a:solidFill>
+                  <a:schemeClr val="accent6">
+                    <a:lumMod val="60000"/>
+                    <a:lumOff val="40000"/>
+                  </a:schemeClr>
+                </a:solidFill>
                 <a:latin typeface="Arial"/>
                 <a:cs typeface="Arial"/>
               </a:rPr>
@@ -2061,6 +2163,12 @@
             </a:r>
             <a:r>
               <a:rPr sz="1200" b="1" spc="-160" dirty="0">
+                <a:solidFill>
+                  <a:schemeClr val="accent6">
+                    <a:lumMod val="60000"/>
+                    <a:lumOff val="40000"/>
+                  </a:schemeClr>
+                </a:solidFill>
                 <a:latin typeface="Arial"/>
                 <a:cs typeface="Arial"/>
               </a:rPr>
@@ -2068,6 +2176,12 @@
             </a:r>
             <a:r>
               <a:rPr sz="1200" b="1" spc="10" dirty="0">
+                <a:solidFill>
+                  <a:schemeClr val="accent6">
+                    <a:lumMod val="60000"/>
+                    <a:lumOff val="40000"/>
+                  </a:schemeClr>
+                </a:solidFill>
                 <a:latin typeface="Arial"/>
                 <a:cs typeface="Arial"/>
               </a:rPr>
@@ -2075,6 +2189,12 @@
             </a:r>
             <a:r>
               <a:rPr sz="1200" b="1" spc="-105" dirty="0">
+                <a:solidFill>
+                  <a:schemeClr val="accent6">
+                    <a:lumMod val="60000"/>
+                    <a:lumOff val="40000"/>
+                  </a:schemeClr>
+                </a:solidFill>
                 <a:latin typeface="Arial"/>
                 <a:cs typeface="Arial"/>
               </a:rPr>
@@ -2082,12 +2202,24 @@
             </a:r>
             <a:r>
               <a:rPr sz="1200" b="1" spc="-75" dirty="0">
+                <a:solidFill>
+                  <a:schemeClr val="accent6">
+                    <a:lumMod val="60000"/>
+                    <a:lumOff val="40000"/>
+                  </a:schemeClr>
+                </a:solidFill>
                 <a:latin typeface="Arial"/>
                 <a:cs typeface="Arial"/>
               </a:rPr>
               <a:t>Limousine</a:t>
             </a:r>
             <a:endParaRPr sz="1200">
+              <a:solidFill>
+                <a:schemeClr val="accent6">
+                  <a:lumMod val="60000"/>
+                  <a:lumOff val="40000"/>
+                </a:schemeClr>
+              </a:solidFill>
               <a:latin typeface="Arial"/>
               <a:cs typeface="Arial"/>
             </a:endParaRPr>
@@ -2125,6 +2257,12 @@
             </a:pPr>
             <a:r>
               <a:rPr sz="1200" spc="-70" dirty="0">
+                <a:solidFill>
+                  <a:schemeClr val="accent6">
+                    <a:lumMod val="60000"/>
+                    <a:lumOff val="40000"/>
+                  </a:schemeClr>
+                </a:solidFill>
                 <a:latin typeface="Arial"/>
                 <a:cs typeface="Arial"/>
               </a:rPr>
@@ -2132,6 +2270,12 @@
             </a:r>
             <a:r>
               <a:rPr sz="1200" spc="-90" dirty="0">
+                <a:solidFill>
+                  <a:schemeClr val="accent6">
+                    <a:lumMod val="60000"/>
+                    <a:lumOff val="40000"/>
+                  </a:schemeClr>
+                </a:solidFill>
                 <a:latin typeface="Arial"/>
                 <a:cs typeface="Arial"/>
               </a:rPr>
@@ -2139,6 +2283,12 @@
             </a:r>
             <a:r>
               <a:rPr sz="1200" spc="-85" dirty="0">
+                <a:solidFill>
+                  <a:schemeClr val="accent6">
+                    <a:lumMod val="60000"/>
+                    <a:lumOff val="40000"/>
+                  </a:schemeClr>
+                </a:solidFill>
                 <a:latin typeface="Arial"/>
                 <a:cs typeface="Arial"/>
               </a:rPr>
@@ -2146,6 +2296,12 @@
             </a:r>
             <a:r>
               <a:rPr sz="1200" spc="-90" dirty="0">
+                <a:solidFill>
+                  <a:schemeClr val="accent6">
+                    <a:lumMod val="60000"/>
+                    <a:lumOff val="40000"/>
+                  </a:schemeClr>
+                </a:solidFill>
                 <a:latin typeface="Arial"/>
                 <a:cs typeface="Arial"/>
               </a:rPr>
@@ -2153,6 +2309,12 @@
             </a:r>
             <a:r>
               <a:rPr sz="1200" spc="105" dirty="0">
+                <a:solidFill>
+                  <a:schemeClr val="accent6">
+                    <a:lumMod val="60000"/>
+                    <a:lumOff val="40000"/>
+                  </a:schemeClr>
+                </a:solidFill>
                 <a:latin typeface="Arial"/>
                 <a:cs typeface="Arial"/>
               </a:rPr>
@@ -2160,12 +2322,24 @@
             </a:r>
             <a:r>
               <a:rPr sz="1200" spc="-60" dirty="0">
+                <a:solidFill>
+                  <a:schemeClr val="accent6">
+                    <a:lumMod val="60000"/>
+                    <a:lumOff val="40000"/>
+                  </a:schemeClr>
+                </a:solidFill>
                 <a:latin typeface="Arial"/>
                 <a:cs typeface="Arial"/>
               </a:rPr>
               <a:t>Zeit:</a:t>
             </a:r>
-            <a:endParaRPr sz="1200">
+            <a:endParaRPr sz="1200" dirty="0">
+              <a:solidFill>
+                <a:schemeClr val="accent6">
+                  <a:lumMod val="60000"/>
+                  <a:lumOff val="40000"/>
+                </a:schemeClr>
+              </a:solidFill>
               <a:latin typeface="Arial"/>
               <a:cs typeface="Arial"/>
             </a:endParaRPr>
@@ -2178,6 +2352,12 @@
             </a:pPr>
             <a:r>
               <a:rPr sz="1200" b="1" spc="-75" dirty="0">
+                <a:solidFill>
+                  <a:schemeClr val="accent6">
+                    <a:lumMod val="60000"/>
+                    <a:lumOff val="40000"/>
+                  </a:schemeClr>
+                </a:solidFill>
                 <a:latin typeface="Arial"/>
                 <a:cs typeface="Arial"/>
               </a:rPr>
@@ -2185,6 +2365,12 @@
             </a:r>
             <a:r>
               <a:rPr sz="1200" b="1" spc="-55" dirty="0">
+                <a:solidFill>
+                  <a:schemeClr val="accent6">
+                    <a:lumMod val="60000"/>
+                    <a:lumOff val="40000"/>
+                  </a:schemeClr>
+                </a:solidFill>
                 <a:latin typeface="Arial"/>
                 <a:cs typeface="Arial"/>
               </a:rPr>
@@ -2192,6 +2378,12 @@
             </a:r>
             <a:r>
               <a:rPr sz="1200" b="1" spc="-65" dirty="0">
+                <a:solidFill>
+                  <a:schemeClr val="accent6">
+                    <a:lumMod val="60000"/>
+                    <a:lumOff val="40000"/>
+                  </a:schemeClr>
+                </a:solidFill>
                 <a:latin typeface="Arial"/>
                 <a:cs typeface="Arial"/>
               </a:rPr>
@@ -2199,6 +2391,12 @@
             </a:r>
             <a:r>
               <a:rPr sz="1200" b="1" spc="-70" dirty="0">
+                <a:solidFill>
+                  <a:schemeClr val="accent6">
+                    <a:lumMod val="60000"/>
+                    <a:lumOff val="40000"/>
+                  </a:schemeClr>
+                </a:solidFill>
                 <a:latin typeface="Arial"/>
                 <a:cs typeface="Arial"/>
               </a:rPr>
@@ -2206,6 +2404,12 @@
             </a:r>
             <a:r>
               <a:rPr sz="1200" b="1" spc="85" dirty="0">
+                <a:solidFill>
+                  <a:schemeClr val="accent6">
+                    <a:lumMod val="60000"/>
+                    <a:lumOff val="40000"/>
+                  </a:schemeClr>
+                </a:solidFill>
                 <a:latin typeface="Arial"/>
                 <a:cs typeface="Arial"/>
               </a:rPr>
@@ -2213,12 +2417,24 @@
             </a:r>
             <a:r>
               <a:rPr sz="1200" b="1" spc="-40" dirty="0">
+                <a:solidFill>
+                  <a:schemeClr val="accent6">
+                    <a:lumMod val="60000"/>
+                    <a:lumOff val="40000"/>
+                  </a:schemeClr>
+                </a:solidFill>
                 <a:latin typeface="Arial"/>
                 <a:cs typeface="Arial"/>
               </a:rPr>
               <a:t>Herstellerwerk</a:t>
             </a:r>
-            <a:endParaRPr sz="1200">
+            <a:endParaRPr sz="1200" dirty="0">
+              <a:solidFill>
+                <a:schemeClr val="accent6">
+                  <a:lumMod val="60000"/>
+                  <a:lumOff val="40000"/>
+                </a:schemeClr>
+              </a:solidFill>
               <a:latin typeface="Arial"/>
               <a:cs typeface="Arial"/>
             </a:endParaRPr>
@@ -2256,6 +2472,12 @@
             </a:pPr>
             <a:r>
               <a:rPr sz="1200" spc="-70" dirty="0">
+                <a:solidFill>
+                  <a:schemeClr val="accent6">
+                    <a:lumMod val="60000"/>
+                    <a:lumOff val="40000"/>
+                  </a:schemeClr>
+                </a:solidFill>
                 <a:latin typeface="Arial"/>
                 <a:cs typeface="Arial"/>
               </a:rPr>
@@ -2263,12 +2485,24 @@
             </a:r>
             <a:r>
               <a:rPr sz="1200" spc="-80" dirty="0">
+                <a:solidFill>
+                  <a:schemeClr val="accent6">
+                    <a:lumMod val="60000"/>
+                    <a:lumOff val="40000"/>
+                  </a:schemeClr>
+                </a:solidFill>
                 <a:latin typeface="Arial"/>
                 <a:cs typeface="Arial"/>
               </a:rPr>
               <a:t>Polsterung:</a:t>
             </a:r>
             <a:endParaRPr sz="1200">
+              <a:solidFill>
+                <a:schemeClr val="accent6">
+                  <a:lumMod val="60000"/>
+                  <a:lumOff val="40000"/>
+                </a:schemeClr>
+              </a:solidFill>
               <a:latin typeface="Arial"/>
               <a:cs typeface="Arial"/>
             </a:endParaRPr>
@@ -2284,7 +2518,7 @@
         <p:spPr>
           <a:xfrm>
             <a:off x="2387600" y="5497576"/>
-            <a:ext cx="1688464" cy="360680"/>
+            <a:ext cx="1688464" cy="346249"/>
           </a:xfrm>
           <a:prstGeom prst="rect">
             <a:avLst/>
@@ -2309,6 +2543,12 @@
             </a:pPr>
             <a:r>
               <a:rPr sz="1200" spc="-45" dirty="0">
+                <a:solidFill>
+                  <a:schemeClr val="accent6">
+                    <a:lumMod val="60000"/>
+                    <a:lumOff val="40000"/>
+                  </a:schemeClr>
+                </a:solidFill>
                 <a:latin typeface="Arial"/>
                 <a:cs typeface="Arial"/>
               </a:rPr>
@@ -2316,12 +2556,24 @@
             </a:r>
             <a:r>
               <a:rPr sz="1200" spc="-95" dirty="0">
+                <a:solidFill>
+                  <a:schemeClr val="accent6">
+                    <a:lumMod val="60000"/>
+                    <a:lumOff val="40000"/>
+                  </a:schemeClr>
+                </a:solidFill>
                 <a:latin typeface="Arial"/>
                 <a:cs typeface="Arial"/>
               </a:rPr>
               <a:t>schwarz</a:t>
             </a:r>
             <a:endParaRPr sz="1200">
+              <a:solidFill>
+                <a:schemeClr val="accent6">
+                  <a:lumMod val="60000"/>
+                  <a:lumOff val="40000"/>
+                </a:schemeClr>
+              </a:solidFill>
               <a:latin typeface="Arial"/>
               <a:cs typeface="Arial"/>
             </a:endParaRPr>
@@ -2337,6 +2589,12 @@
             </a:pPr>
             <a:r>
               <a:rPr sz="1200" spc="-45" dirty="0">
+                <a:solidFill>
+                  <a:schemeClr val="accent6">
+                    <a:lumMod val="60000"/>
+                    <a:lumOff val="40000"/>
+                  </a:schemeClr>
+                </a:solidFill>
                 <a:latin typeface="Arial"/>
                 <a:cs typeface="Arial"/>
               </a:rPr>
@@ -2344,6 +2602,12 @@
             </a:r>
             <a:r>
               <a:rPr sz="1200" spc="-90" dirty="0">
+                <a:solidFill>
+                  <a:schemeClr val="accent6">
+                    <a:lumMod val="60000"/>
+                    <a:lumOff val="40000"/>
+                  </a:schemeClr>
+                </a:solidFill>
                 <a:latin typeface="Arial"/>
                 <a:cs typeface="Arial"/>
               </a:rPr>
@@ -2351,6 +2615,12 @@
             </a:r>
             <a:r>
               <a:rPr sz="1200" spc="-105" dirty="0">
+                <a:solidFill>
+                  <a:schemeClr val="accent6">
+                    <a:lumMod val="60000"/>
+                    <a:lumOff val="40000"/>
+                  </a:schemeClr>
+                </a:solidFill>
                 <a:latin typeface="Arial"/>
                 <a:cs typeface="Arial"/>
               </a:rPr>
@@ -2358,6 +2628,12 @@
             </a:r>
             <a:r>
               <a:rPr sz="1200" spc="-10" dirty="0">
+                <a:solidFill>
+                  <a:schemeClr val="accent6">
+                    <a:lumMod val="60000"/>
+                    <a:lumOff val="40000"/>
+                  </a:schemeClr>
+                </a:solidFill>
                 <a:latin typeface="Arial"/>
                 <a:cs typeface="Arial"/>
               </a:rPr>
@@ -2365,12 +2641,24 @@
             </a:r>
             <a:r>
               <a:rPr sz="1200" spc="-95" dirty="0">
+                <a:solidFill>
+                  <a:schemeClr val="accent6">
+                    <a:lumMod val="60000"/>
+                    <a:lumOff val="40000"/>
+                  </a:schemeClr>
+                </a:solidFill>
                 <a:latin typeface="Arial"/>
                 <a:cs typeface="Arial"/>
               </a:rPr>
               <a:t>schwarz</a:t>
             </a:r>
             <a:endParaRPr sz="1200">
+              <a:solidFill>
+                <a:schemeClr val="accent6">
+                  <a:lumMod val="60000"/>
+                  <a:lumOff val="40000"/>
+                </a:schemeClr>
+              </a:solidFill>
               <a:latin typeface="Arial"/>
               <a:cs typeface="Arial"/>
             </a:endParaRPr>
@@ -2408,12 +2696,24 @@
             </a:pPr>
             <a:r>
               <a:rPr sz="1200" spc="-190" dirty="0">
+                <a:solidFill>
+                  <a:schemeClr val="accent6">
+                    <a:lumMod val="60000"/>
+                    <a:lumOff val="40000"/>
+                  </a:schemeClr>
+                </a:solidFill>
                 <a:latin typeface="Arial"/>
                 <a:cs typeface="Arial"/>
               </a:rPr>
               <a:t>EUR</a:t>
             </a:r>
             <a:endParaRPr sz="1200">
+              <a:solidFill>
+                <a:schemeClr val="accent6">
+                  <a:lumMod val="60000"/>
+                  <a:lumOff val="40000"/>
+                </a:schemeClr>
+              </a:solidFill>
               <a:latin typeface="Arial"/>
               <a:cs typeface="Arial"/>
             </a:endParaRPr>
@@ -2426,12 +2726,24 @@
             </a:pPr>
             <a:r>
               <a:rPr sz="1200" b="1" dirty="0">
+                <a:solidFill>
+                  <a:schemeClr val="accent6">
+                    <a:lumMod val="60000"/>
+                    <a:lumOff val="40000"/>
+                  </a:schemeClr>
+                </a:solidFill>
                 <a:latin typeface="Arial"/>
                 <a:cs typeface="Arial"/>
               </a:rPr>
               <a:t>52.100,00</a:t>
             </a:r>
             <a:endParaRPr sz="1200">
+              <a:solidFill>
+                <a:schemeClr val="accent6">
+                  <a:lumMod val="60000"/>
+                  <a:lumOff val="40000"/>
+                </a:schemeClr>
+              </a:solidFill>
               <a:latin typeface="Arial"/>
               <a:cs typeface="Arial"/>
             </a:endParaRPr>
@@ -2447,12 +2759,24 @@
             </a:pPr>
             <a:r>
               <a:rPr sz="1200" spc="-50" dirty="0">
+                <a:solidFill>
+                  <a:schemeClr val="accent6">
+                    <a:lumMod val="60000"/>
+                    <a:lumOff val="40000"/>
+                  </a:schemeClr>
+                </a:solidFill>
                 <a:latin typeface="Arial"/>
                 <a:cs typeface="Arial"/>
               </a:rPr>
               <a:t>0,00</a:t>
             </a:r>
             <a:endParaRPr sz="1200">
+              <a:solidFill>
+                <a:schemeClr val="accent6">
+                  <a:lumMod val="60000"/>
+                  <a:lumOff val="40000"/>
+                </a:schemeClr>
+              </a:solidFill>
               <a:latin typeface="Arial"/>
               <a:cs typeface="Arial"/>
             </a:endParaRPr>
@@ -2465,12 +2789,24 @@
             </a:pPr>
             <a:r>
               <a:rPr sz="1200" spc="-45" dirty="0">
+                <a:solidFill>
+                  <a:schemeClr val="accent6">
+                    <a:lumMod val="60000"/>
+                    <a:lumOff val="40000"/>
+                  </a:schemeClr>
+                </a:solidFill>
                 <a:latin typeface="Arial"/>
                 <a:cs typeface="Arial"/>
               </a:rPr>
               <a:t>1.000,00</a:t>
             </a:r>
             <a:endParaRPr sz="1200">
+              <a:solidFill>
+                <a:schemeClr val="accent6">
+                  <a:lumMod val="60000"/>
+                  <a:lumOff val="40000"/>
+                </a:schemeClr>
+              </a:solidFill>
               <a:latin typeface="Arial"/>
               <a:cs typeface="Arial"/>
             </a:endParaRPr>
@@ -2486,7 +2822,7 @@
         <p:spPr>
           <a:xfrm>
             <a:off x="889000" y="6005576"/>
-            <a:ext cx="1000760" cy="208279"/>
+            <a:ext cx="1000760" cy="197490"/>
           </a:xfrm>
           <a:prstGeom prst="rect">
             <a:avLst/>
@@ -2508,12 +2844,24 @@
             </a:pPr>
             <a:r>
               <a:rPr sz="1200" b="1" spc="-60" dirty="0">
+                <a:solidFill>
+                  <a:schemeClr val="accent6">
+                    <a:lumMod val="60000"/>
+                    <a:lumOff val="40000"/>
+                  </a:schemeClr>
+                </a:solidFill>
                 <a:latin typeface="Arial"/>
                 <a:cs typeface="Arial"/>
               </a:rPr>
               <a:t>Ausstattungen</a:t>
             </a:r>
             <a:endParaRPr sz="1200">
+              <a:solidFill>
+                <a:schemeClr val="accent6">
+                  <a:lumMod val="60000"/>
+                  <a:lumOff val="40000"/>
+                </a:schemeClr>
+              </a:solidFill>
               <a:latin typeface="Arial"/>
               <a:cs typeface="Arial"/>
             </a:endParaRPr>
@@ -2554,6 +2902,12 @@
             </a:pPr>
             <a:r>
               <a:rPr sz="1200" spc="-110" dirty="0">
+                <a:solidFill>
+                  <a:schemeClr val="accent6">
+                    <a:lumMod val="60000"/>
+                    <a:lumOff val="40000"/>
+                  </a:schemeClr>
+                </a:solidFill>
                 <a:latin typeface="Arial"/>
                 <a:cs typeface="Arial"/>
               </a:rPr>
@@ -2561,6 +2915,12 @@
             </a:r>
             <a:r>
               <a:rPr sz="1200" spc="-75" dirty="0">
+                <a:solidFill>
+                  <a:schemeClr val="accent6">
+                    <a:lumMod val="60000"/>
+                    <a:lumOff val="40000"/>
+                  </a:schemeClr>
+                </a:solidFill>
                 <a:latin typeface="Arial"/>
                 <a:cs typeface="Arial"/>
               </a:rPr>
@@ -2568,6 +2928,12 @@
             </a:r>
             <a:r>
               <a:rPr sz="1200" spc="-65" dirty="0">
+                <a:solidFill>
+                  <a:schemeClr val="accent6">
+                    <a:lumMod val="60000"/>
+                    <a:lumOff val="40000"/>
+                  </a:schemeClr>
+                </a:solidFill>
                 <a:latin typeface="Arial"/>
                 <a:cs typeface="Arial"/>
               </a:rPr>
@@ -2575,6 +2941,12 @@
             </a:r>
             <a:r>
               <a:rPr sz="1200" spc="-45" dirty="0">
+                <a:solidFill>
+                  <a:schemeClr val="accent6">
+                    <a:lumMod val="60000"/>
+                    <a:lumOff val="40000"/>
+                  </a:schemeClr>
+                </a:solidFill>
                 <a:latin typeface="Arial"/>
                 <a:cs typeface="Arial"/>
               </a:rPr>
@@ -2582,6 +2954,12 @@
             </a:r>
             <a:r>
               <a:rPr sz="1200" spc="-85" dirty="0">
+                <a:solidFill>
+                  <a:schemeClr val="accent6">
+                    <a:lumMod val="60000"/>
+                    <a:lumOff val="40000"/>
+                  </a:schemeClr>
+                </a:solidFill>
                 <a:latin typeface="Arial"/>
                 <a:cs typeface="Arial"/>
               </a:rPr>
@@ -2589,6 +2967,12 @@
             </a:r>
             <a:r>
               <a:rPr sz="1200" spc="-55" dirty="0">
+                <a:solidFill>
+                  <a:schemeClr val="accent6">
+                    <a:lumMod val="60000"/>
+                    <a:lumOff val="40000"/>
+                  </a:schemeClr>
+                </a:solidFill>
                 <a:latin typeface="Arial"/>
                 <a:cs typeface="Arial"/>
               </a:rPr>
@@ -2596,6 +2980,12 @@
             </a:r>
             <a:r>
               <a:rPr sz="1200" spc="-75" dirty="0">
+                <a:solidFill>
+                  <a:schemeClr val="accent6">
+                    <a:lumMod val="60000"/>
+                    <a:lumOff val="40000"/>
+                  </a:schemeClr>
+                </a:solidFill>
                 <a:latin typeface="Arial"/>
                 <a:cs typeface="Arial"/>
               </a:rPr>
@@ -2603,6 +2993,12 @@
             </a:r>
             <a:r>
               <a:rPr sz="1200" spc="-30" dirty="0">
+                <a:solidFill>
+                  <a:schemeClr val="accent6">
+                    <a:lumMod val="60000"/>
+                    <a:lumOff val="40000"/>
+                  </a:schemeClr>
+                </a:solidFill>
                 <a:latin typeface="Arial"/>
                 <a:cs typeface="Arial"/>
               </a:rPr>
@@ -2610,12 +3006,24 @@
             </a:r>
             <a:r>
               <a:rPr sz="1200" spc="-65" dirty="0">
+                <a:solidFill>
+                  <a:schemeClr val="accent6">
+                    <a:lumMod val="60000"/>
+                    <a:lumOff val="40000"/>
+                  </a:schemeClr>
+                </a:solidFill>
                 <a:latin typeface="Arial"/>
                 <a:cs typeface="Arial"/>
               </a:rPr>
               <a:t>Antrieb</a:t>
             </a:r>
             <a:endParaRPr sz="1200">
+              <a:solidFill>
+                <a:schemeClr val="accent6">
+                  <a:lumMod val="60000"/>
+                  <a:lumOff val="40000"/>
+                </a:schemeClr>
+              </a:solidFill>
               <a:latin typeface="Arial"/>
               <a:cs typeface="Arial"/>
             </a:endParaRPr>
@@ -2631,6 +3039,12 @@
             </a:pPr>
             <a:r>
               <a:rPr sz="1200" spc="-180" dirty="0">
+                <a:solidFill>
+                  <a:schemeClr val="accent6">
+                    <a:lumMod val="60000"/>
+                    <a:lumOff val="40000"/>
+                  </a:schemeClr>
+                </a:solidFill>
                 <a:latin typeface="Arial"/>
                 <a:cs typeface="Arial"/>
               </a:rPr>
@@ -2638,6 +3052,12 @@
             </a:r>
             <a:r>
               <a:rPr sz="1200" spc="-140" dirty="0">
+                <a:solidFill>
+                  <a:schemeClr val="accent6">
+                    <a:lumMod val="60000"/>
+                    <a:lumOff val="40000"/>
+                  </a:schemeClr>
+                </a:solidFill>
                 <a:latin typeface="Arial"/>
                 <a:cs typeface="Arial"/>
               </a:rPr>
@@ -2645,6 +3065,12 @@
             </a:r>
             <a:r>
               <a:rPr sz="1200" spc="-85" dirty="0">
+                <a:solidFill>
+                  <a:schemeClr val="accent6">
+                    <a:lumMod val="60000"/>
+                    <a:lumOff val="40000"/>
+                  </a:schemeClr>
+                </a:solidFill>
                 <a:latin typeface="Arial"/>
                 <a:cs typeface="Arial"/>
               </a:rPr>
@@ -2652,6 +3078,12 @@
             </a:r>
             <a:r>
               <a:rPr sz="1200" spc="-155" dirty="0">
+                <a:solidFill>
+                  <a:schemeClr val="accent6">
+                    <a:lumMod val="60000"/>
+                    <a:lumOff val="40000"/>
+                  </a:schemeClr>
+                </a:solidFill>
                 <a:latin typeface="Arial"/>
                 <a:cs typeface="Arial"/>
               </a:rPr>
@@ -2659,6 +3091,12 @@
             </a:r>
             <a:r>
               <a:rPr sz="1200" spc="-145" dirty="0">
+                <a:solidFill>
+                  <a:schemeClr val="accent6">
+                    <a:lumMod val="60000"/>
+                    <a:lumOff val="40000"/>
+                  </a:schemeClr>
+                </a:solidFill>
                 <a:latin typeface="Arial"/>
                 <a:cs typeface="Arial"/>
               </a:rPr>
@@ -2666,6 +3104,12 @@
             </a:r>
             <a:r>
               <a:rPr sz="1200" spc="-85" dirty="0">
+                <a:solidFill>
+                  <a:schemeClr val="accent6">
+                    <a:lumMod val="60000"/>
+                    <a:lumOff val="40000"/>
+                  </a:schemeClr>
+                </a:solidFill>
                 <a:latin typeface="Arial"/>
                 <a:cs typeface="Arial"/>
               </a:rPr>
@@ -2673,6 +3117,12 @@
             </a:r>
             <a:r>
               <a:rPr sz="1200" spc="-175" dirty="0">
+                <a:solidFill>
+                  <a:schemeClr val="accent6">
+                    <a:lumMod val="60000"/>
+                    <a:lumOff val="40000"/>
+                  </a:schemeClr>
+                </a:solidFill>
                 <a:latin typeface="Arial"/>
                 <a:cs typeface="Arial"/>
               </a:rPr>
@@ -2680,12 +3130,24 @@
             </a:r>
             <a:r>
               <a:rPr sz="1200" spc="-100" dirty="0">
+                <a:solidFill>
+                  <a:schemeClr val="accent6">
+                    <a:lumMod val="60000"/>
+                    <a:lumOff val="40000"/>
+                  </a:schemeClr>
+                </a:solidFill>
                 <a:latin typeface="Arial"/>
                 <a:cs typeface="Arial"/>
               </a:rPr>
               <a:t>Premium</a:t>
             </a:r>
             <a:endParaRPr sz="1200">
+              <a:solidFill>
+                <a:schemeClr val="accent6">
+                  <a:lumMod val="60000"/>
+                  <a:lumOff val="40000"/>
+                </a:schemeClr>
+              </a:solidFill>
               <a:latin typeface="Arial"/>
               <a:cs typeface="Arial"/>
             </a:endParaRPr>
@@ -2701,6 +3163,12 @@
             </a:pPr>
             <a:r>
               <a:rPr sz="1200" spc="-185" dirty="0">
+                <a:solidFill>
+                  <a:schemeClr val="accent6">
+                    <a:lumMod val="60000"/>
+                    <a:lumOff val="40000"/>
+                  </a:schemeClr>
+                </a:solidFill>
                 <a:latin typeface="Arial"/>
                 <a:cs typeface="Arial"/>
               </a:rPr>
@@ -2708,6 +3176,12 @@
             </a:r>
             <a:r>
               <a:rPr sz="1200" spc="-140" dirty="0">
+                <a:solidFill>
+                  <a:schemeClr val="accent6">
+                    <a:lumMod val="60000"/>
+                    <a:lumOff val="40000"/>
+                  </a:schemeClr>
+                </a:solidFill>
                 <a:latin typeface="Arial"/>
                 <a:cs typeface="Arial"/>
               </a:rPr>
@@ -2715,6 +3189,12 @@
             </a:r>
             <a:r>
               <a:rPr sz="1200" spc="-80" dirty="0">
+                <a:solidFill>
+                  <a:schemeClr val="accent6">
+                    <a:lumMod val="60000"/>
+                    <a:lumOff val="40000"/>
+                  </a:schemeClr>
+                </a:solidFill>
                 <a:latin typeface="Arial"/>
                 <a:cs typeface="Arial"/>
               </a:rPr>
@@ -2722,6 +3202,12 @@
             </a:r>
             <a:r>
               <a:rPr sz="1200" spc="-160" dirty="0">
+                <a:solidFill>
+                  <a:schemeClr val="accent6">
+                    <a:lumMod val="60000"/>
+                    <a:lumOff val="40000"/>
+                  </a:schemeClr>
+                </a:solidFill>
                 <a:latin typeface="Arial"/>
                 <a:cs typeface="Arial"/>
               </a:rPr>
@@ -2729,12 +3215,24 @@
             </a:r>
             <a:r>
               <a:rPr sz="1200" spc="-100" dirty="0">
+                <a:solidFill>
+                  <a:schemeClr val="accent6">
+                    <a:lumMod val="60000"/>
+                    <a:lumOff val="40000"/>
+                  </a:schemeClr>
+                </a:solidFill>
                 <a:latin typeface="Arial"/>
                 <a:cs typeface="Arial"/>
               </a:rPr>
               <a:t>Premium</a:t>
             </a:r>
             <a:endParaRPr sz="1200">
+              <a:solidFill>
+                <a:schemeClr val="accent6">
+                  <a:lumMod val="60000"/>
+                  <a:lumOff val="40000"/>
+                </a:schemeClr>
+              </a:solidFill>
               <a:latin typeface="Arial"/>
               <a:cs typeface="Arial"/>
             </a:endParaRPr>
@@ -2775,6 +3273,12 @@
             </a:pPr>
             <a:r>
               <a:rPr sz="1200" spc="-75" dirty="0">
+                <a:solidFill>
+                  <a:schemeClr val="accent6">
+                    <a:lumMod val="60000"/>
+                    <a:lumOff val="40000"/>
+                  </a:schemeClr>
+                </a:solidFill>
                 <a:latin typeface="Arial"/>
                 <a:cs typeface="Arial"/>
               </a:rPr>
@@ -2782,6 +3286,12 @@
             </a:r>
             <a:r>
               <a:rPr sz="1200" spc="-80" dirty="0">
+                <a:solidFill>
+                  <a:schemeClr val="accent6">
+                    <a:lumMod val="60000"/>
+                    <a:lumOff val="40000"/>
+                  </a:schemeClr>
+                </a:solidFill>
                 <a:latin typeface="Arial"/>
                 <a:cs typeface="Arial"/>
               </a:rPr>
@@ -2789,6 +3299,12 @@
             </a:r>
             <a:r>
               <a:rPr sz="1200" spc="-50" dirty="0">
+                <a:solidFill>
+                  <a:schemeClr val="accent6">
+                    <a:lumMod val="60000"/>
+                    <a:lumOff val="40000"/>
+                  </a:schemeClr>
+                </a:solidFill>
                 <a:latin typeface="Arial"/>
                 <a:cs typeface="Arial"/>
               </a:rPr>
@@ -2796,6 +3312,12 @@
             </a:r>
             <a:r>
               <a:rPr sz="1200" dirty="0">
+                <a:solidFill>
+                  <a:schemeClr val="accent6">
+                    <a:lumMod val="60000"/>
+                    <a:lumOff val="40000"/>
+                  </a:schemeClr>
+                </a:solidFill>
                 <a:latin typeface="Arial"/>
                 <a:cs typeface="Arial"/>
               </a:rPr>
@@ -2803,12 +3325,24 @@
             </a:r>
             <a:r>
               <a:rPr sz="1200" spc="-75" dirty="0">
+                <a:solidFill>
+                  <a:schemeClr val="accent6">
+                    <a:lumMod val="60000"/>
+                    <a:lumOff val="40000"/>
+                  </a:schemeClr>
+                </a:solidFill>
                 <a:latin typeface="Arial"/>
                 <a:cs typeface="Arial"/>
               </a:rPr>
               <a:t>Navigationsdienste</a:t>
             </a:r>
             <a:endParaRPr sz="1200">
+              <a:solidFill>
+                <a:schemeClr val="accent6">
+                  <a:lumMod val="60000"/>
+                  <a:lumOff val="40000"/>
+                </a:schemeClr>
+              </a:solidFill>
               <a:latin typeface="Arial"/>
               <a:cs typeface="Arial"/>
             </a:endParaRPr>
@@ -2824,6 +3358,12 @@
             </a:pPr>
             <a:r>
               <a:rPr sz="1200" spc="-45" dirty="0">
+                <a:solidFill>
+                  <a:schemeClr val="accent6">
+                    <a:lumMod val="60000"/>
+                    <a:lumOff val="40000"/>
+                  </a:schemeClr>
+                </a:solidFill>
                 <a:latin typeface="Arial"/>
                 <a:cs typeface="Arial"/>
               </a:rPr>
@@ -2831,6 +3371,12 @@
             </a:r>
             <a:r>
               <a:rPr sz="1200" spc="-80" dirty="0">
+                <a:solidFill>
+                  <a:schemeClr val="accent6">
+                    <a:lumMod val="60000"/>
+                    <a:lumOff val="40000"/>
+                  </a:schemeClr>
+                </a:solidFill>
                 <a:latin typeface="Arial"/>
                 <a:cs typeface="Arial"/>
               </a:rPr>
@@ -2838,6 +3384,12 @@
             </a:r>
             <a:r>
               <a:rPr sz="1200" spc="-50" dirty="0">
+                <a:solidFill>
+                  <a:schemeClr val="accent6">
+                    <a:lumMod val="60000"/>
+                    <a:lumOff val="40000"/>
+                  </a:schemeClr>
+                </a:solidFill>
                 <a:latin typeface="Arial"/>
                 <a:cs typeface="Arial"/>
               </a:rPr>
@@ -2845,6 +3397,12 @@
             </a:r>
             <a:r>
               <a:rPr sz="1200" spc="-90" dirty="0">
+                <a:solidFill>
+                  <a:schemeClr val="accent6">
+                    <a:lumMod val="60000"/>
+                    <a:lumOff val="40000"/>
+                  </a:schemeClr>
+                </a:solidFill>
                 <a:latin typeface="Arial"/>
                 <a:cs typeface="Arial"/>
               </a:rPr>
@@ -2852,6 +3410,12 @@
             </a:r>
             <a:r>
               <a:rPr sz="1200" spc="-65" dirty="0">
+                <a:solidFill>
+                  <a:schemeClr val="accent6">
+                    <a:lumMod val="60000"/>
+                    <a:lumOff val="40000"/>
+                  </a:schemeClr>
+                </a:solidFill>
                 <a:latin typeface="Arial"/>
                 <a:cs typeface="Arial"/>
               </a:rPr>
@@ -2859,6 +3423,12 @@
             </a:r>
             <a:r>
               <a:rPr sz="1200" spc="80" dirty="0">
+                <a:solidFill>
+                  <a:schemeClr val="accent6">
+                    <a:lumMod val="60000"/>
+                    <a:lumOff val="40000"/>
+                  </a:schemeClr>
+                </a:solidFill>
                 <a:latin typeface="Arial"/>
                 <a:cs typeface="Arial"/>
               </a:rPr>
@@ -2866,12 +3436,24 @@
             </a:r>
             <a:r>
               <a:rPr sz="1200" spc="-65" dirty="0">
+                <a:solidFill>
+                  <a:schemeClr val="accent6">
+                    <a:lumMod val="60000"/>
+                    <a:lumOff val="40000"/>
+                  </a:schemeClr>
+                </a:solidFill>
                 <a:latin typeface="Arial"/>
                 <a:cs typeface="Arial"/>
               </a:rPr>
               <a:t>Information</a:t>
             </a:r>
             <a:endParaRPr sz="1200">
+              <a:solidFill>
+                <a:schemeClr val="accent6">
+                  <a:lumMod val="60000"/>
+                  <a:lumOff val="40000"/>
+                </a:schemeClr>
+              </a:solidFill>
               <a:latin typeface="Arial"/>
               <a:cs typeface="Arial"/>
             </a:endParaRPr>
@@ -2912,6 +3494,12 @@
             </a:pPr>
             <a:r>
               <a:rPr sz="1200" spc="-90" dirty="0">
+                <a:solidFill>
+                  <a:schemeClr val="accent6">
+                    <a:lumMod val="60000"/>
+                    <a:lumOff val="40000"/>
+                  </a:schemeClr>
+                </a:solidFill>
                 <a:latin typeface="Arial"/>
                 <a:cs typeface="Arial"/>
               </a:rPr>
@@ -2919,6 +3507,12 @@
             </a:r>
             <a:r>
               <a:rPr sz="1200" spc="-80" dirty="0">
+                <a:solidFill>
+                  <a:schemeClr val="accent6">
+                    <a:lumMod val="60000"/>
+                    <a:lumOff val="40000"/>
+                  </a:schemeClr>
+                </a:solidFill>
                 <a:latin typeface="Arial"/>
                 <a:cs typeface="Arial"/>
               </a:rPr>
@@ -2926,6 +3520,12 @@
             </a:r>
             <a:r>
               <a:rPr sz="1200" dirty="0">
+                <a:solidFill>
+                  <a:schemeClr val="accent6">
+                    <a:lumMod val="60000"/>
+                    <a:lumOff val="40000"/>
+                  </a:schemeClr>
+                </a:solidFill>
                 <a:latin typeface="Arial"/>
                 <a:cs typeface="Arial"/>
               </a:rPr>
@@ -2933,6 +3533,12 @@
             </a:r>
             <a:r>
               <a:rPr sz="1200" spc="-145" dirty="0">
+                <a:solidFill>
+                  <a:schemeClr val="accent6">
+                    <a:lumMod val="60000"/>
+                    <a:lumOff val="40000"/>
+                  </a:schemeClr>
+                </a:solidFill>
                 <a:latin typeface="Arial"/>
                 <a:cs typeface="Arial"/>
               </a:rPr>
@@ -2940,12 +3546,24 @@
             </a:r>
             <a:r>
               <a:rPr sz="1200" spc="-100" dirty="0">
+                <a:solidFill>
+                  <a:schemeClr val="accent6">
+                    <a:lumMod val="60000"/>
+                    <a:lumOff val="40000"/>
+                  </a:schemeClr>
+                </a:solidFill>
                 <a:latin typeface="Arial"/>
                 <a:cs typeface="Arial"/>
               </a:rPr>
               <a:t>P17</a:t>
             </a:r>
             <a:endParaRPr sz="1200">
+              <a:solidFill>
+                <a:schemeClr val="accent6">
+                  <a:lumMod val="60000"/>
+                  <a:lumOff val="40000"/>
+                </a:schemeClr>
+              </a:solidFill>
               <a:latin typeface="Arial"/>
               <a:cs typeface="Arial"/>
             </a:endParaRPr>
@@ -2958,12 +3576,24 @@
             </a:pPr>
             <a:r>
               <a:rPr sz="1200" spc="-85" dirty="0">
+                <a:solidFill>
+                  <a:schemeClr val="accent6">
+                    <a:lumMod val="60000"/>
+                    <a:lumOff val="40000"/>
+                  </a:schemeClr>
+                </a:solidFill>
                 <a:latin typeface="Arial"/>
                 <a:cs typeface="Arial"/>
               </a:rPr>
               <a:t>P35  P47</a:t>
             </a:r>
             <a:endParaRPr sz="1200">
+              <a:solidFill>
+                <a:schemeClr val="accent6">
+                  <a:lumMod val="60000"/>
+                  <a:lumOff val="40000"/>
+                </a:schemeClr>
+              </a:solidFill>
               <a:latin typeface="Arial"/>
               <a:cs typeface="Arial"/>
             </a:endParaRPr>
@@ -3001,6 +3631,12 @@
             </a:pPr>
             <a:r>
               <a:rPr sz="1200" spc="-170" dirty="0">
+                <a:solidFill>
+                  <a:schemeClr val="accent6">
+                    <a:lumMod val="60000"/>
+                    <a:lumOff val="40000"/>
+                  </a:schemeClr>
+                </a:solidFill>
                 <a:latin typeface="Arial"/>
                 <a:cs typeface="Arial"/>
               </a:rPr>
@@ -3008,6 +3644,12 @@
             </a:r>
             <a:r>
               <a:rPr sz="1200" spc="-75" dirty="0">
+                <a:solidFill>
+                  <a:schemeClr val="accent6">
+                    <a:lumMod val="60000"/>
+                    <a:lumOff val="40000"/>
+                  </a:schemeClr>
+                </a:solidFill>
                 <a:latin typeface="Arial"/>
                 <a:cs typeface="Arial"/>
               </a:rPr>
@@ -3015,6 +3657,12 @@
             </a:r>
             <a:r>
               <a:rPr sz="1200" spc="-130" dirty="0">
+                <a:solidFill>
+                  <a:schemeClr val="accent6">
+                    <a:lumMod val="60000"/>
+                    <a:lumOff val="40000"/>
+                  </a:schemeClr>
+                </a:solidFill>
                 <a:latin typeface="Arial"/>
                 <a:cs typeface="Arial"/>
               </a:rPr>
@@ -3022,6 +3670,12 @@
             </a:r>
             <a:r>
               <a:rPr sz="1200" spc="-40" dirty="0">
+                <a:solidFill>
+                  <a:schemeClr val="accent6">
+                    <a:lumMod val="60000"/>
+                    <a:lumOff val="40000"/>
+                  </a:schemeClr>
+                </a:solidFill>
                 <a:latin typeface="Arial"/>
                 <a:cs typeface="Arial"/>
               </a:rPr>
@@ -3029,12 +3683,24 @@
             </a:r>
             <a:r>
               <a:rPr sz="1200" spc="-145" dirty="0">
+                <a:solidFill>
+                  <a:schemeClr val="accent6">
+                    <a:lumMod val="60000"/>
+                    <a:lumOff val="40000"/>
+                  </a:schemeClr>
+                </a:solidFill>
                 <a:latin typeface="Arial"/>
                 <a:cs typeface="Arial"/>
               </a:rPr>
               <a:t>LIGHT</a:t>
             </a:r>
             <a:endParaRPr sz="1200">
+              <a:solidFill>
+                <a:schemeClr val="accent6">
+                  <a:lumMod val="60000"/>
+                  <a:lumOff val="40000"/>
+                </a:schemeClr>
+              </a:solidFill>
               <a:latin typeface="Arial"/>
               <a:cs typeface="Arial"/>
             </a:endParaRPr>
@@ -3047,6 +3713,12 @@
             </a:pPr>
             <a:r>
               <a:rPr sz="1200" spc="-90" dirty="0">
+                <a:solidFill>
+                  <a:schemeClr val="accent6">
+                    <a:lumMod val="60000"/>
+                    <a:lumOff val="40000"/>
+                  </a:schemeClr>
+                </a:solidFill>
                 <a:latin typeface="Arial"/>
                 <a:cs typeface="Arial"/>
               </a:rPr>
@@ -3054,6 +3726,12 @@
             </a:r>
             <a:r>
               <a:rPr sz="1200" spc="-40" dirty="0">
+                <a:solidFill>
+                  <a:schemeClr val="accent6">
+                    <a:lumMod val="60000"/>
+                    <a:lumOff val="40000"/>
+                  </a:schemeClr>
+                </a:solidFill>
                 <a:latin typeface="Arial"/>
                 <a:cs typeface="Arial"/>
               </a:rPr>
@@ -3061,6 +3739,12 @@
             </a:r>
             <a:r>
               <a:rPr sz="1200" spc="10" dirty="0">
+                <a:solidFill>
+                  <a:schemeClr val="accent6">
+                    <a:lumMod val="60000"/>
+                    <a:lumOff val="40000"/>
+                  </a:schemeClr>
+                </a:solidFill>
                 <a:latin typeface="Arial"/>
                 <a:cs typeface="Arial"/>
               </a:rPr>
@@ -3068,12 +3752,24 @@
             </a:r>
             <a:r>
               <a:rPr sz="1200" spc="-65" dirty="0">
+                <a:solidFill>
+                  <a:schemeClr val="accent6">
+                    <a:lumMod val="60000"/>
+                    <a:lumOff val="40000"/>
+                  </a:schemeClr>
+                </a:solidFill>
                 <a:latin typeface="Arial"/>
                 <a:cs typeface="Arial"/>
               </a:rPr>
               <a:t>360°-Kamera</a:t>
             </a:r>
             <a:endParaRPr sz="1200">
+              <a:solidFill>
+                <a:schemeClr val="accent6">
+                  <a:lumMod val="60000"/>
+                  <a:lumOff val="40000"/>
+                </a:schemeClr>
+              </a:solidFill>
               <a:latin typeface="Arial"/>
               <a:cs typeface="Arial"/>
             </a:endParaRPr>
@@ -3093,6 +3789,12 @@
             </a:pPr>
             <a:r>
               <a:rPr sz="1200" spc="-45" dirty="0">
+                <a:solidFill>
+                  <a:schemeClr val="accent6">
+                    <a:lumMod val="60000"/>
+                    <a:lumOff val="40000"/>
+                  </a:schemeClr>
+                </a:solidFill>
                 <a:latin typeface="Arial"/>
                 <a:cs typeface="Arial"/>
               </a:rPr>
@@ -3100,6 +3802,12 @@
             </a:r>
             <a:r>
               <a:rPr sz="1200" spc="-65" dirty="0">
+                <a:solidFill>
+                  <a:schemeClr val="accent6">
+                    <a:lumMod val="60000"/>
+                    <a:lumOff val="40000"/>
+                  </a:schemeClr>
+                </a:solidFill>
                 <a:latin typeface="Arial"/>
                 <a:cs typeface="Arial"/>
               </a:rPr>
@@ -3107,6 +3815,12 @@
             </a:r>
             <a:r>
               <a:rPr sz="1200" spc="-80" dirty="0">
+                <a:solidFill>
+                  <a:schemeClr val="accent6">
+                    <a:lumMod val="60000"/>
+                    <a:lumOff val="40000"/>
+                  </a:schemeClr>
+                </a:solidFill>
                 <a:latin typeface="Arial"/>
                 <a:cs typeface="Arial"/>
               </a:rPr>
@@ -3114,6 +3828,12 @@
             </a:r>
             <a:r>
               <a:rPr sz="1200" spc="-40" dirty="0">
+                <a:solidFill>
+                  <a:schemeClr val="accent6">
+                    <a:lumMod val="60000"/>
+                    <a:lumOff val="40000"/>
+                  </a:schemeClr>
+                </a:solidFill>
                 <a:latin typeface="Arial"/>
                 <a:cs typeface="Arial"/>
               </a:rPr>
@@ -3121,6 +3841,12 @@
             </a:r>
             <a:r>
               <a:rPr sz="1200" spc="-165" dirty="0">
+                <a:solidFill>
+                  <a:schemeClr val="accent6">
+                    <a:lumMod val="60000"/>
+                    <a:lumOff val="40000"/>
+                  </a:schemeClr>
+                </a:solidFill>
                 <a:latin typeface="Arial"/>
                 <a:cs typeface="Arial"/>
               </a:rPr>
@@ -3128,6 +3854,12 @@
             </a:r>
             <a:r>
               <a:rPr sz="1200" spc="-75" dirty="0">
+                <a:solidFill>
+                  <a:schemeClr val="accent6">
+                    <a:lumMod val="60000"/>
+                    <a:lumOff val="40000"/>
+                  </a:schemeClr>
+                </a:solidFill>
                 <a:latin typeface="Arial"/>
                 <a:cs typeface="Arial"/>
               </a:rPr>
@@ -3135,6 +3867,12 @@
             </a:r>
             <a:r>
               <a:rPr sz="1200" spc="-85" dirty="0">
+                <a:solidFill>
+                  <a:schemeClr val="accent6">
+                    <a:lumMod val="60000"/>
+                    <a:lumOff val="40000"/>
+                  </a:schemeClr>
+                </a:solidFill>
                 <a:latin typeface="Arial"/>
                 <a:cs typeface="Arial"/>
               </a:rPr>
@@ -3142,6 +3880,12 @@
             </a:r>
             <a:r>
               <a:rPr sz="1200" spc="-40" dirty="0">
+                <a:solidFill>
+                  <a:schemeClr val="accent6">
+                    <a:lumMod val="60000"/>
+                    <a:lumOff val="40000"/>
+                  </a:schemeClr>
+                </a:solidFill>
                 <a:latin typeface="Arial"/>
                 <a:cs typeface="Arial"/>
               </a:rPr>
@@ -3149,12 +3893,24 @@
             </a:r>
             <a:r>
               <a:rPr sz="1200" spc="-60" dirty="0">
+                <a:solidFill>
+                  <a:schemeClr val="accent6">
+                    <a:lumMod val="60000"/>
+                    <a:lumOff val="40000"/>
+                  </a:schemeClr>
+                </a:solidFill>
                 <a:latin typeface="Arial"/>
                 <a:cs typeface="Arial"/>
               </a:rPr>
               <a:t>Integration</a:t>
             </a:r>
             <a:endParaRPr sz="1200">
+              <a:solidFill>
+                <a:schemeClr val="accent6">
+                  <a:lumMod val="60000"/>
+                  <a:lumOff val="40000"/>
+                </a:schemeClr>
+              </a:solidFill>
               <a:latin typeface="Arial"/>
               <a:cs typeface="Arial"/>
             </a:endParaRPr>
@@ -3170,6 +3926,12 @@
             </a:pPr>
             <a:r>
               <a:rPr sz="1200" spc="-75" dirty="0">
+                <a:solidFill>
+                  <a:schemeClr val="accent6">
+                    <a:lumMod val="60000"/>
+                    <a:lumOff val="40000"/>
+                  </a:schemeClr>
+                </a:solidFill>
                 <a:latin typeface="Arial"/>
                 <a:cs typeface="Arial"/>
               </a:rPr>
@@ -3177,6 +3939,12 @@
             </a:r>
             <a:r>
               <a:rPr sz="1200" spc="-80" dirty="0">
+                <a:solidFill>
+                  <a:schemeClr val="accent6">
+                    <a:lumMod val="60000"/>
+                    <a:lumOff val="40000"/>
+                  </a:schemeClr>
+                </a:solidFill>
                 <a:latin typeface="Arial"/>
                 <a:cs typeface="Arial"/>
               </a:rPr>
@@ -3184,6 +3952,12 @@
             </a:r>
             <a:r>
               <a:rPr sz="1200" spc="-50" dirty="0">
+                <a:solidFill>
+                  <a:schemeClr val="accent6">
+                    <a:lumMod val="60000"/>
+                    <a:lumOff val="40000"/>
+                  </a:schemeClr>
+                </a:solidFill>
                 <a:latin typeface="Arial"/>
                 <a:cs typeface="Arial"/>
               </a:rPr>
@@ -3191,6 +3965,12 @@
             </a:r>
             <a:r>
               <a:rPr sz="1200" spc="-60" dirty="0">
+                <a:solidFill>
+                  <a:schemeClr val="accent6">
+                    <a:lumMod val="60000"/>
+                    <a:lumOff val="40000"/>
+                  </a:schemeClr>
+                </a:solidFill>
                 <a:latin typeface="Arial"/>
                 <a:cs typeface="Arial"/>
               </a:rPr>
@@ -3198,6 +3978,12 @@
             </a:r>
             <a:r>
               <a:rPr sz="1200" spc="50" dirty="0">
+                <a:solidFill>
+                  <a:schemeClr val="accent6">
+                    <a:lumMod val="60000"/>
+                    <a:lumOff val="40000"/>
+                  </a:schemeClr>
+                </a:solidFill>
                 <a:latin typeface="Arial"/>
                 <a:cs typeface="Arial"/>
               </a:rPr>
@@ -3205,12 +3991,24 @@
             </a:r>
             <a:r>
               <a:rPr sz="1200" spc="-90" dirty="0">
+                <a:solidFill>
+                  <a:schemeClr val="accent6">
+                    <a:lumMod val="60000"/>
+                    <a:lumOff val="40000"/>
+                  </a:schemeClr>
+                </a:solidFill>
                 <a:latin typeface="Arial"/>
                 <a:cs typeface="Arial"/>
               </a:rPr>
               <a:t>Schlüsselübergabe</a:t>
             </a:r>
             <a:endParaRPr sz="1200">
+              <a:solidFill>
+                <a:schemeClr val="accent6">
+                  <a:lumMod val="60000"/>
+                  <a:lumOff val="40000"/>
+                </a:schemeClr>
+              </a:solidFill>
               <a:latin typeface="Arial"/>
               <a:cs typeface="Arial"/>
             </a:endParaRPr>
@@ -3226,6 +4024,12 @@
             </a:pPr>
             <a:r>
               <a:rPr sz="1200" spc="-45" dirty="0">
+                <a:solidFill>
+                  <a:schemeClr val="accent6">
+                    <a:lumMod val="60000"/>
+                    <a:lumOff val="40000"/>
+                  </a:schemeClr>
+                </a:solidFill>
                 <a:latin typeface="Arial"/>
                 <a:cs typeface="Arial"/>
               </a:rPr>
@@ -3233,12 +4037,24 @@
             </a:r>
             <a:r>
               <a:rPr sz="1200" spc="-90" dirty="0">
+                <a:solidFill>
+                  <a:schemeClr val="accent6">
+                    <a:lumMod val="60000"/>
+                    <a:lumOff val="40000"/>
+                  </a:schemeClr>
+                </a:solidFill>
                 <a:latin typeface="Arial"/>
                 <a:cs typeface="Arial"/>
               </a:rPr>
               <a:t>Memory-Paket</a:t>
             </a:r>
             <a:endParaRPr sz="1200">
+              <a:solidFill>
+                <a:schemeClr val="accent6">
+                  <a:lumMod val="60000"/>
+                  <a:lumOff val="40000"/>
+                </a:schemeClr>
+              </a:solidFill>
               <a:latin typeface="Arial"/>
               <a:cs typeface="Arial"/>
             </a:endParaRPr>
@@ -3254,6 +4070,12 @@
             </a:pPr>
             <a:r>
               <a:rPr sz="1200" spc="-45" dirty="0">
+                <a:solidFill>
+                  <a:schemeClr val="accent6">
+                    <a:lumMod val="60000"/>
+                    <a:lumOff val="40000"/>
+                  </a:schemeClr>
+                </a:solidFill>
                 <a:latin typeface="Arial"/>
                 <a:cs typeface="Arial"/>
               </a:rPr>
@@ -3261,6 +4083,12 @@
             </a:r>
             <a:r>
               <a:rPr sz="1200" spc="-80" dirty="0">
+                <a:solidFill>
+                  <a:schemeClr val="accent6">
+                    <a:lumMod val="60000"/>
+                    <a:lumOff val="40000"/>
+                  </a:schemeClr>
+                </a:solidFill>
                 <a:latin typeface="Arial"/>
                 <a:cs typeface="Arial"/>
               </a:rPr>
@@ -3268,6 +4096,12 @@
             </a:r>
             <a:r>
               <a:rPr sz="1200" spc="-70" dirty="0">
+                <a:solidFill>
+                  <a:schemeClr val="accent6">
+                    <a:lumMod val="60000"/>
+                    <a:lumOff val="40000"/>
+                  </a:schemeClr>
+                </a:solidFill>
                 <a:latin typeface="Arial"/>
                 <a:cs typeface="Arial"/>
               </a:rPr>
@@ -3275,6 +4109,12 @@
             </a:r>
             <a:r>
               <a:rPr sz="1200" spc="-105" dirty="0">
+                <a:solidFill>
+                  <a:schemeClr val="accent6">
+                    <a:lumMod val="60000"/>
+                    <a:lumOff val="40000"/>
+                  </a:schemeClr>
+                </a:solidFill>
                 <a:latin typeface="Arial"/>
                 <a:cs typeface="Arial"/>
               </a:rPr>
@@ -3282,6 +4122,12 @@
             </a:r>
             <a:r>
               <a:rPr sz="1200" spc="40" dirty="0">
+                <a:solidFill>
+                  <a:schemeClr val="accent6">
+                    <a:lumMod val="60000"/>
+                    <a:lumOff val="40000"/>
+                  </a:schemeClr>
+                </a:solidFill>
                 <a:latin typeface="Arial"/>
                 <a:cs typeface="Arial"/>
               </a:rPr>
@@ -3289,12 +4135,24 @@
             </a:r>
             <a:r>
               <a:rPr sz="1200" spc="-75" dirty="0">
+                <a:solidFill>
+                  <a:schemeClr val="accent6">
+                    <a:lumMod val="60000"/>
+                    <a:lumOff val="40000"/>
+                  </a:schemeClr>
+                </a:solidFill>
                 <a:latin typeface="Arial"/>
                 <a:cs typeface="Arial"/>
               </a:rPr>
               <a:t>klappbar</a:t>
             </a:r>
             <a:endParaRPr sz="1200">
+              <a:solidFill>
+                <a:schemeClr val="accent6">
+                  <a:lumMod val="60000"/>
+                  <a:lumOff val="40000"/>
+                </a:schemeClr>
+              </a:solidFill>
               <a:latin typeface="Arial"/>
               <a:cs typeface="Arial"/>
             </a:endParaRPr>
@@ -3310,6 +4168,12 @@
             </a:pPr>
             <a:r>
               <a:rPr sz="1200" spc="-45" dirty="0">
+                <a:solidFill>
+                  <a:schemeClr val="accent6">
+                    <a:lumMod val="60000"/>
+                    <a:lumOff val="40000"/>
+                  </a:schemeClr>
+                </a:solidFill>
                 <a:latin typeface="Arial"/>
                 <a:cs typeface="Arial"/>
               </a:rPr>
@@ -3317,6 +4181,12 @@
             </a:r>
             <a:r>
               <a:rPr sz="1200" spc="-65" dirty="0">
+                <a:solidFill>
+                  <a:schemeClr val="accent6">
+                    <a:lumMod val="60000"/>
+                    <a:lumOff val="40000"/>
+                  </a:schemeClr>
+                </a:solidFill>
                 <a:latin typeface="Arial"/>
                 <a:cs typeface="Arial"/>
               </a:rPr>
@@ -3324,6 +4194,12 @@
             </a:r>
             <a:r>
               <a:rPr sz="1200" spc="-50" dirty="0">
+                <a:solidFill>
+                  <a:schemeClr val="accent6">
+                    <a:lumMod val="60000"/>
+                    <a:lumOff val="40000"/>
+                  </a:schemeClr>
+                </a:solidFill>
                 <a:latin typeface="Arial"/>
                 <a:cs typeface="Arial"/>
               </a:rPr>
@@ -3331,6 +4207,12 @@
             </a:r>
             <a:r>
               <a:rPr sz="1200" spc="-90" dirty="0">
+                <a:solidFill>
+                  <a:schemeClr val="accent6">
+                    <a:lumMod val="60000"/>
+                    <a:lumOff val="40000"/>
+                  </a:schemeClr>
+                </a:solidFill>
                 <a:latin typeface="Arial"/>
                 <a:cs typeface="Arial"/>
               </a:rPr>
@@ -3338,6 +4220,12 @@
             </a:r>
             <a:r>
               <a:rPr sz="1200" spc="10" dirty="0">
+                <a:solidFill>
+                  <a:schemeClr val="accent6">
+                    <a:lumMod val="60000"/>
+                    <a:lumOff val="40000"/>
+                  </a:schemeClr>
+                </a:solidFill>
                 <a:latin typeface="Arial"/>
                 <a:cs typeface="Arial"/>
               </a:rPr>
@@ -3345,12 +4233,24 @@
             </a:r>
             <a:r>
               <a:rPr sz="1200" spc="-75" dirty="0">
+                <a:solidFill>
+                  <a:schemeClr val="accent6">
+                    <a:lumMod val="60000"/>
+                    <a:lumOff val="40000"/>
+                  </a:schemeClr>
+                </a:solidFill>
                 <a:latin typeface="Arial"/>
                 <a:cs typeface="Arial"/>
               </a:rPr>
               <a:t>Beifahrer</a:t>
             </a:r>
             <a:endParaRPr sz="1200">
+              <a:solidFill>
+                <a:schemeClr val="accent6">
+                  <a:lumMod val="60000"/>
+                  <a:lumOff val="40000"/>
+                </a:schemeClr>
+              </a:solidFill>
               <a:latin typeface="Arial"/>
               <a:cs typeface="Arial"/>
             </a:endParaRPr>
@@ -3388,6 +4288,12 @@
             </a:pPr>
             <a:r>
               <a:rPr sz="1200" spc="-75" dirty="0">
+                <a:solidFill>
+                  <a:schemeClr val="accent6">
+                    <a:lumMod val="60000"/>
+                    <a:lumOff val="40000"/>
+                  </a:schemeClr>
+                </a:solidFill>
                 <a:latin typeface="Arial"/>
                 <a:cs typeface="Arial"/>
               </a:rPr>
@@ -3395,12 +4301,24 @@
             </a:r>
             <a:r>
               <a:rPr sz="1200" spc="-45" dirty="0">
+                <a:solidFill>
+                  <a:schemeClr val="accent6">
+                    <a:lumMod val="60000"/>
+                    <a:lumOff val="40000"/>
+                  </a:schemeClr>
+                </a:solidFill>
                 <a:latin typeface="Arial"/>
                 <a:cs typeface="Arial"/>
               </a:rPr>
               <a:t>1.490,00</a:t>
             </a:r>
             <a:endParaRPr sz="1200">
+              <a:solidFill>
+                <a:schemeClr val="accent6">
+                  <a:lumMod val="60000"/>
+                  <a:lumOff val="40000"/>
+                </a:schemeClr>
+              </a:solidFill>
               <a:latin typeface="Arial"/>
               <a:cs typeface="Arial"/>
             </a:endParaRPr>
@@ -3413,12 +4331,24 @@
             </a:pPr>
             <a:r>
               <a:rPr sz="1200" spc="-45" dirty="0">
+                <a:solidFill>
+                  <a:schemeClr val="accent6">
+                    <a:lumMod val="60000"/>
+                    <a:lumOff val="40000"/>
+                  </a:schemeClr>
+                </a:solidFill>
                 <a:latin typeface="Arial"/>
                 <a:cs typeface="Arial"/>
               </a:rPr>
               <a:t>10.650,00</a:t>
             </a:r>
             <a:endParaRPr sz="1200">
+              <a:solidFill>
+                <a:schemeClr val="accent6">
+                  <a:lumMod val="60000"/>
+                  <a:lumOff val="40000"/>
+                </a:schemeClr>
+              </a:solidFill>
               <a:latin typeface="Arial"/>
               <a:cs typeface="Arial"/>
             </a:endParaRPr>
@@ -3431,12 +4361,24 @@
             </a:pPr>
             <a:r>
               <a:rPr sz="1200" spc="-50" dirty="0">
+                <a:solidFill>
+                  <a:schemeClr val="accent6">
+                    <a:lumMod val="60000"/>
+                    <a:lumOff val="40000"/>
+                  </a:schemeClr>
+                </a:solidFill>
                 <a:latin typeface="Arial"/>
                 <a:cs typeface="Arial"/>
               </a:rPr>
               <a:t>0,00</a:t>
             </a:r>
             <a:endParaRPr sz="1200">
+              <a:solidFill>
+                <a:schemeClr val="accent6">
+                  <a:lumMod val="60000"/>
+                  <a:lumOff val="40000"/>
+                </a:schemeClr>
+              </a:solidFill>
               <a:latin typeface="Arial"/>
               <a:cs typeface="Arial"/>
             </a:endParaRPr>
@@ -3452,6 +4394,12 @@
             </a:pPr>
             <a:r>
               <a:rPr sz="1200" spc="-75" dirty="0">
+                <a:solidFill>
+                  <a:schemeClr val="accent6">
+                    <a:lumMod val="60000"/>
+                    <a:lumOff val="40000"/>
+                  </a:schemeClr>
+                </a:solidFill>
                 <a:latin typeface="Arial"/>
                 <a:cs typeface="Arial"/>
               </a:rPr>
@@ -3459,12 +4407,24 @@
             </a:r>
             <a:r>
               <a:rPr sz="1200" spc="-50" dirty="0">
+                <a:solidFill>
+                  <a:schemeClr val="accent6">
+                    <a:lumMod val="60000"/>
+                    <a:lumOff val="40000"/>
+                  </a:schemeClr>
+                </a:solidFill>
                 <a:latin typeface="Arial"/>
                 <a:cs typeface="Arial"/>
               </a:rPr>
               <a:t>0,00</a:t>
             </a:r>
             <a:endParaRPr sz="1200">
+              <a:solidFill>
+                <a:schemeClr val="accent6">
+                  <a:lumMod val="60000"/>
+                  <a:lumOff val="40000"/>
+                </a:schemeClr>
+              </a:solidFill>
               <a:latin typeface="Arial"/>
               <a:cs typeface="Arial"/>
             </a:endParaRPr>
@@ -3477,12 +4437,24 @@
             </a:pPr>
             <a:r>
               <a:rPr sz="1200" spc="-50" dirty="0">
+                <a:solidFill>
+                  <a:schemeClr val="accent6">
+                    <a:lumMod val="60000"/>
+                    <a:lumOff val="40000"/>
+                  </a:schemeClr>
+                </a:solidFill>
                 <a:latin typeface="Arial"/>
                 <a:cs typeface="Arial"/>
               </a:rPr>
               <a:t>0,00</a:t>
             </a:r>
             <a:endParaRPr sz="1200">
+              <a:solidFill>
+                <a:schemeClr val="accent6">
+                  <a:lumMod val="60000"/>
+                  <a:lumOff val="40000"/>
+                </a:schemeClr>
+              </a:solidFill>
               <a:latin typeface="Arial"/>
               <a:cs typeface="Arial"/>
             </a:endParaRPr>
@@ -3495,12 +4467,24 @@
             </a:pPr>
             <a:r>
               <a:rPr sz="1200" spc="-50" dirty="0">
+                <a:solidFill>
+                  <a:schemeClr val="accent6">
+                    <a:lumMod val="60000"/>
+                    <a:lumOff val="40000"/>
+                  </a:schemeClr>
+                </a:solidFill>
                 <a:latin typeface="Arial"/>
                 <a:cs typeface="Arial"/>
               </a:rPr>
               <a:t>0,00</a:t>
             </a:r>
             <a:endParaRPr sz="1200">
+              <a:solidFill>
+                <a:schemeClr val="accent6">
+                  <a:lumMod val="60000"/>
+                  <a:lumOff val="40000"/>
+                </a:schemeClr>
+              </a:solidFill>
               <a:latin typeface="Arial"/>
               <a:cs typeface="Arial"/>
             </a:endParaRPr>
@@ -3516,6 +4500,12 @@
             </a:pPr>
             <a:r>
               <a:rPr sz="1200" spc="-75" dirty="0">
+                <a:solidFill>
+                  <a:schemeClr val="accent6">
+                    <a:lumMod val="60000"/>
+                    <a:lumOff val="40000"/>
+                  </a:schemeClr>
+                </a:solidFill>
                 <a:latin typeface="Arial"/>
                 <a:cs typeface="Arial"/>
               </a:rPr>
@@ -3523,12 +4513,24 @@
             </a:r>
             <a:r>
               <a:rPr sz="1200" spc="-50" dirty="0">
+                <a:solidFill>
+                  <a:schemeClr val="accent6">
+                    <a:lumMod val="60000"/>
+                    <a:lumOff val="40000"/>
+                  </a:schemeClr>
+                </a:solidFill>
                 <a:latin typeface="Arial"/>
                 <a:cs typeface="Arial"/>
               </a:rPr>
               <a:t>0,00</a:t>
             </a:r>
             <a:endParaRPr sz="1200">
+              <a:solidFill>
+                <a:schemeClr val="accent6">
+                  <a:lumMod val="60000"/>
+                  <a:lumOff val="40000"/>
+                </a:schemeClr>
+              </a:solidFill>
               <a:latin typeface="Arial"/>
               <a:cs typeface="Arial"/>
             </a:endParaRPr>
@@ -3541,6 +4543,12 @@
             </a:pPr>
             <a:r>
               <a:rPr sz="1200" spc="-75" dirty="0">
+                <a:solidFill>
+                  <a:schemeClr val="accent6">
+                    <a:lumMod val="60000"/>
+                    <a:lumOff val="40000"/>
+                  </a:schemeClr>
+                </a:solidFill>
                 <a:latin typeface="Arial"/>
                 <a:cs typeface="Arial"/>
               </a:rPr>
@@ -3548,12 +4556,24 @@
             </a:r>
             <a:r>
               <a:rPr sz="1200" spc="-50" dirty="0">
+                <a:solidFill>
+                  <a:schemeClr val="accent6">
+                    <a:lumMod val="60000"/>
+                    <a:lumOff val="40000"/>
+                  </a:schemeClr>
+                </a:solidFill>
                 <a:latin typeface="Arial"/>
                 <a:cs typeface="Arial"/>
               </a:rPr>
               <a:t>0,00</a:t>
             </a:r>
             <a:endParaRPr sz="1200">
+              <a:solidFill>
+                <a:schemeClr val="accent6">
+                  <a:lumMod val="60000"/>
+                  <a:lumOff val="40000"/>
+                </a:schemeClr>
+              </a:solidFill>
               <a:latin typeface="Arial"/>
               <a:cs typeface="Arial"/>
             </a:endParaRPr>
@@ -3598,7 +4618,14 @@
           <a:bodyPr wrap="square" lIns="0" tIns="0" rIns="0" bIns="0" rtlCol="0"/>
           <a:lstStyle/>
           <a:p>
-            <a:endParaRPr/>
+            <a:endParaRPr>
+              <a:solidFill>
+                <a:schemeClr val="accent6">
+                  <a:lumMod val="60000"/>
+                  <a:lumOff val="40000"/>
+                </a:schemeClr>
+              </a:solidFill>
+            </a:endParaRPr>
           </a:p>
         </p:txBody>
       </p:sp>
@@ -3627,7 +4654,14 @@
           <a:bodyPr wrap="square" lIns="0" tIns="0" rIns="0" bIns="0" rtlCol="0"/>
           <a:lstStyle/>
           <a:p>
-            <a:endParaRPr/>
+            <a:endParaRPr>
+              <a:solidFill>
+                <a:schemeClr val="accent6">
+                  <a:lumMod val="60000"/>
+                  <a:lumOff val="40000"/>
+                </a:schemeClr>
+              </a:solidFill>
+            </a:endParaRPr>
           </a:p>
         </p:txBody>
       </p:sp>
@@ -3662,6 +4696,12 @@
             </a:pPr>
             <a:r>
               <a:rPr sz="600" spc="-50" dirty="0">
+                <a:solidFill>
+                  <a:schemeClr val="accent6">
+                    <a:lumMod val="60000"/>
+                    <a:lumOff val="40000"/>
+                  </a:schemeClr>
+                </a:solidFill>
                 <a:latin typeface="Arial"/>
                 <a:cs typeface="Arial"/>
               </a:rPr>
@@ -3669,6 +4709,12 @@
             </a:r>
             <a:r>
               <a:rPr sz="600" spc="-70" dirty="0">
+                <a:solidFill>
+                  <a:schemeClr val="accent6">
+                    <a:lumMod val="60000"/>
+                    <a:lumOff val="40000"/>
+                  </a:schemeClr>
+                </a:solidFill>
                 <a:latin typeface="Arial"/>
                 <a:cs typeface="Arial"/>
               </a:rPr>
@@ -3676,6 +4722,12 @@
             </a:r>
             <a:r>
               <a:rPr sz="600" spc="-30" dirty="0">
+                <a:solidFill>
+                  <a:schemeClr val="accent6">
+                    <a:lumMod val="60000"/>
+                    <a:lumOff val="40000"/>
+                  </a:schemeClr>
+                </a:solidFill>
                 <a:latin typeface="Arial"/>
                 <a:cs typeface="Arial"/>
               </a:rPr>
@@ -3683,6 +4735,12 @@
             </a:r>
             <a:r>
               <a:rPr sz="600" spc="-40" dirty="0">
+                <a:solidFill>
+                  <a:schemeClr val="accent6">
+                    <a:lumMod val="60000"/>
+                    <a:lumOff val="40000"/>
+                  </a:schemeClr>
+                </a:solidFill>
                 <a:latin typeface="Arial"/>
                 <a:cs typeface="Arial"/>
               </a:rPr>
@@ -3690,12 +4748,24 @@
             </a:r>
             <a:r>
               <a:rPr sz="600" spc="-60" dirty="0">
+                <a:solidFill>
+                  <a:schemeClr val="accent6">
+                    <a:lumMod val="60000"/>
+                    <a:lumOff val="40000"/>
+                  </a:schemeClr>
+                </a:solidFill>
                 <a:latin typeface="Arial"/>
                 <a:cs typeface="Arial"/>
               </a:rPr>
               <a:t>Germany</a:t>
             </a:r>
             <a:endParaRPr sz="600">
+              <a:solidFill>
+                <a:schemeClr val="accent6">
+                  <a:lumMod val="60000"/>
+                  <a:lumOff val="40000"/>
+                </a:schemeClr>
+              </a:solidFill>
               <a:latin typeface="Arial"/>
               <a:cs typeface="Arial"/>
             </a:endParaRPr>
@@ -3711,6 +4781,12 @@
             </a:pPr>
             <a:r>
               <a:rPr sz="600" spc="-40" dirty="0">
+                <a:solidFill>
+                  <a:schemeClr val="accent6">
+                    <a:lumMod val="60000"/>
+                    <a:lumOff val="40000"/>
+                  </a:schemeClr>
+                </a:solidFill>
                 <a:latin typeface="Arial"/>
                 <a:cs typeface="Arial"/>
               </a:rPr>
@@ -3718,6 +4794,12 @@
             </a:r>
             <a:r>
               <a:rPr sz="600" spc="-45" dirty="0">
+                <a:solidFill>
+                  <a:schemeClr val="accent6">
+                    <a:lumMod val="60000"/>
+                    <a:lumOff val="40000"/>
+                  </a:schemeClr>
+                </a:solidFill>
                 <a:latin typeface="Arial"/>
                 <a:cs typeface="Arial"/>
               </a:rPr>
@@ -3725,6 +4807,12 @@
             </a:r>
             <a:r>
               <a:rPr sz="600" spc="-30" dirty="0">
+                <a:solidFill>
+                  <a:schemeClr val="accent6">
+                    <a:lumMod val="60000"/>
+                    <a:lumOff val="40000"/>
+                  </a:schemeClr>
+                </a:solidFill>
                 <a:latin typeface="Arial"/>
                 <a:cs typeface="Arial"/>
               </a:rPr>
@@ -3732,6 +4820,12 @@
             </a:r>
             <a:r>
               <a:rPr sz="600" spc="-50" dirty="0">
+                <a:solidFill>
+                  <a:schemeClr val="accent6">
+                    <a:lumMod val="60000"/>
+                    <a:lumOff val="40000"/>
+                  </a:schemeClr>
+                </a:solidFill>
                 <a:latin typeface="Arial"/>
                 <a:cs typeface="Arial"/>
               </a:rPr>
@@ -3739,6 +4833,12 @@
             </a:r>
             <a:r>
               <a:rPr sz="600" spc="-40" dirty="0">
+                <a:solidFill>
+                  <a:schemeClr val="accent6">
+                    <a:lumMod val="60000"/>
+                    <a:lumOff val="40000"/>
+                  </a:schemeClr>
+                </a:solidFill>
                 <a:latin typeface="Arial"/>
                 <a:cs typeface="Arial"/>
               </a:rPr>
@@ -3746,6 +4846,12 @@
             </a:r>
             <a:r>
               <a:rPr sz="600" spc="-25" dirty="0">
+                <a:solidFill>
+                  <a:schemeClr val="accent6">
+                    <a:lumMod val="60000"/>
+                    <a:lumOff val="40000"/>
+                  </a:schemeClr>
+                </a:solidFill>
                 <a:latin typeface="Arial"/>
                 <a:cs typeface="Arial"/>
               </a:rPr>
@@ -3753,6 +4859,12 @@
             </a:r>
             <a:r>
               <a:rPr sz="600" spc="-45" dirty="0">
+                <a:solidFill>
+                  <a:schemeClr val="accent6">
+                    <a:lumMod val="60000"/>
+                    <a:lumOff val="40000"/>
+                  </a:schemeClr>
+                </a:solidFill>
                 <a:latin typeface="Arial"/>
                 <a:cs typeface="Arial"/>
               </a:rPr>
@@ -3760,6 +4872,12 @@
             </a:r>
             <a:r>
               <a:rPr sz="600" spc="-30" dirty="0">
+                <a:solidFill>
+                  <a:schemeClr val="accent6">
+                    <a:lumMod val="60000"/>
+                    <a:lumOff val="40000"/>
+                  </a:schemeClr>
+                </a:solidFill>
                 <a:latin typeface="Arial"/>
                 <a:cs typeface="Arial"/>
               </a:rPr>
@@ -3767,6 +4885,12 @@
             </a:r>
             <a:r>
               <a:rPr sz="600" spc="-40" dirty="0">
+                <a:solidFill>
+                  <a:schemeClr val="accent6">
+                    <a:lumMod val="60000"/>
+                    <a:lumOff val="40000"/>
+                  </a:schemeClr>
+                </a:solidFill>
                 <a:latin typeface="Arial"/>
                 <a:cs typeface="Arial"/>
               </a:rPr>
@@ -3774,6 +4898,12 @@
             </a:r>
             <a:r>
               <a:rPr sz="600" spc="-45" dirty="0">
+                <a:solidFill>
+                  <a:schemeClr val="accent6">
+                    <a:lumMod val="60000"/>
+                    <a:lumOff val="40000"/>
+                  </a:schemeClr>
+                </a:solidFill>
                 <a:latin typeface="Arial"/>
                 <a:cs typeface="Arial"/>
               </a:rPr>
@@ -3781,6 +4911,12 @@
             </a:r>
             <a:r>
               <a:rPr sz="600" spc="-35" dirty="0">
+                <a:solidFill>
+                  <a:schemeClr val="accent6">
+                    <a:lumMod val="60000"/>
+                    <a:lumOff val="40000"/>
+                  </a:schemeClr>
+                </a:solidFill>
                 <a:latin typeface="Arial"/>
                 <a:cs typeface="Arial"/>
               </a:rPr>
@@ -3788,6 +4924,12 @@
             </a:r>
             <a:r>
               <a:rPr sz="600" spc="-25" dirty="0">
+                <a:solidFill>
+                  <a:schemeClr val="accent6">
+                    <a:lumMod val="60000"/>
+                    <a:lumOff val="40000"/>
+                  </a:schemeClr>
+                </a:solidFill>
                 <a:latin typeface="Arial"/>
                 <a:cs typeface="Arial"/>
               </a:rPr>
@@ -3795,6 +4937,12 @@
             </a:r>
             <a:r>
               <a:rPr sz="600" spc="-40" dirty="0">
+                <a:solidFill>
+                  <a:schemeClr val="accent6">
+                    <a:lumMod val="60000"/>
+                    <a:lumOff val="40000"/>
+                  </a:schemeClr>
+                </a:solidFill>
                 <a:latin typeface="Arial"/>
                 <a:cs typeface="Arial"/>
               </a:rPr>
@@ -3802,6 +4950,12 @@
             </a:r>
             <a:r>
               <a:rPr sz="600" spc="-50" dirty="0">
+                <a:solidFill>
+                  <a:schemeClr val="accent6">
+                    <a:lumMod val="60000"/>
+                    <a:lumOff val="40000"/>
+                  </a:schemeClr>
+                </a:solidFill>
                 <a:latin typeface="Arial"/>
                 <a:cs typeface="Arial"/>
               </a:rPr>
@@ -3809,6 +4963,12 @@
             </a:r>
             <a:r>
               <a:rPr sz="600" spc="-30" dirty="0">
+                <a:solidFill>
+                  <a:schemeClr val="accent6">
+                    <a:lumMod val="60000"/>
+                    <a:lumOff val="40000"/>
+                  </a:schemeClr>
+                </a:solidFill>
                 <a:latin typeface="Arial"/>
                 <a:cs typeface="Arial"/>
               </a:rPr>
@@ -3816,6 +4976,12 @@
             </a:r>
             <a:r>
               <a:rPr sz="600" spc="-25" dirty="0">
+                <a:solidFill>
+                  <a:schemeClr val="accent6">
+                    <a:lumMod val="60000"/>
+                    <a:lumOff val="40000"/>
+                  </a:schemeClr>
+                </a:solidFill>
                 <a:latin typeface="Arial"/>
                 <a:cs typeface="Arial"/>
               </a:rPr>
@@ -3823,6 +4989,12 @@
             </a:r>
             <a:r>
               <a:rPr sz="600" spc="-30" dirty="0">
+                <a:solidFill>
+                  <a:schemeClr val="accent6">
+                    <a:lumMod val="60000"/>
+                    <a:lumOff val="40000"/>
+                  </a:schemeClr>
+                </a:solidFill>
                 <a:latin typeface="Arial"/>
                 <a:cs typeface="Arial"/>
               </a:rPr>
@@ -3830,6 +5002,12 @@
             </a:r>
             <a:r>
               <a:rPr sz="600" spc="-45" dirty="0">
+                <a:solidFill>
+                  <a:schemeClr val="accent6">
+                    <a:lumMod val="60000"/>
+                    <a:lumOff val="40000"/>
+                  </a:schemeClr>
+                </a:solidFill>
                 <a:latin typeface="Arial"/>
                 <a:cs typeface="Arial"/>
               </a:rPr>
@@ -3837,6 +5015,12 @@
             </a:r>
             <a:r>
               <a:rPr sz="600" spc="-50" dirty="0">
+                <a:solidFill>
+                  <a:schemeClr val="accent6">
+                    <a:lumMod val="60000"/>
+                    <a:lumOff val="40000"/>
+                  </a:schemeClr>
+                </a:solidFill>
                 <a:latin typeface="Arial"/>
                 <a:cs typeface="Arial"/>
               </a:rPr>
@@ -3844,6 +5028,12 @@
             </a:r>
             <a:r>
               <a:rPr sz="600" spc="-15" dirty="0">
+                <a:solidFill>
+                  <a:schemeClr val="accent6">
+                    <a:lumMod val="60000"/>
+                    <a:lumOff val="40000"/>
+                  </a:schemeClr>
+                </a:solidFill>
                 <a:latin typeface="Arial"/>
                 <a:cs typeface="Arial"/>
               </a:rPr>
@@ -3851,12 +5041,24 @@
             </a:r>
             <a:r>
               <a:rPr sz="600" spc="-40" dirty="0">
+                <a:solidFill>
+                  <a:schemeClr val="accent6">
+                    <a:lumMod val="60000"/>
+                    <a:lumOff val="40000"/>
+                  </a:schemeClr>
+                </a:solidFill>
                 <a:latin typeface="Arial"/>
                 <a:cs typeface="Arial"/>
               </a:rPr>
               <a:t>Pischetsrieder</a:t>
             </a:r>
             <a:endParaRPr sz="600">
+              <a:solidFill>
+                <a:schemeClr val="accent6">
+                  <a:lumMod val="60000"/>
+                  <a:lumOff val="40000"/>
+                </a:schemeClr>
+              </a:solidFill>
               <a:latin typeface="Arial"/>
               <a:cs typeface="Arial"/>
             </a:endParaRPr>
@@ -3894,6 +5096,12 @@
             </a:pPr>
             <a:r>
               <a:rPr sz="600" spc="-50" dirty="0">
+                <a:solidFill>
+                  <a:schemeClr val="accent6">
+                    <a:lumMod val="60000"/>
+                    <a:lumOff val="40000"/>
+                  </a:schemeClr>
+                </a:solidFill>
                 <a:latin typeface="Arial"/>
                 <a:cs typeface="Arial"/>
               </a:rPr>
@@ -3901,6 +5109,12 @@
             </a:r>
             <a:r>
               <a:rPr sz="600" spc="-90" dirty="0">
+                <a:solidFill>
+                  <a:schemeClr val="accent6">
+                    <a:lumMod val="60000"/>
+                    <a:lumOff val="40000"/>
+                  </a:schemeClr>
+                </a:solidFill>
                 <a:latin typeface="Arial"/>
                 <a:cs typeface="Arial"/>
               </a:rPr>
@@ -3908,6 +5122,12 @@
             </a:r>
             <a:r>
               <a:rPr sz="600" spc="-25" dirty="0">
+                <a:solidFill>
+                  <a:schemeClr val="accent6">
+                    <a:lumMod val="60000"/>
+                    <a:lumOff val="40000"/>
+                  </a:schemeClr>
+                </a:solidFill>
                 <a:latin typeface="Arial"/>
                 <a:cs typeface="Arial"/>
               </a:rPr>
@@ -3915,12 +5135,24 @@
             </a:r>
             <a:r>
               <a:rPr sz="600" spc="-30" dirty="0">
+                <a:solidFill>
+                  <a:schemeClr val="accent6">
+                    <a:lumMod val="60000"/>
+                    <a:lumOff val="40000"/>
+                  </a:schemeClr>
+                </a:solidFill>
                 <a:latin typeface="Arial"/>
                 <a:cs typeface="Arial"/>
               </a:rPr>
               <a:t> Stuttgart</a:t>
             </a:r>
             <a:endParaRPr sz="600">
+              <a:solidFill>
+                <a:schemeClr val="accent6">
+                  <a:lumMod val="60000"/>
+                  <a:lumOff val="40000"/>
+                </a:schemeClr>
+              </a:solidFill>
               <a:latin typeface="Arial"/>
               <a:cs typeface="Arial"/>
             </a:endParaRPr>
@@ -3933,6 +5165,12 @@
             </a:pPr>
             <a:r>
               <a:rPr sz="600" spc="-35" dirty="0">
+                <a:solidFill>
+                  <a:schemeClr val="accent6">
+                    <a:lumMod val="60000"/>
+                    <a:lumOff val="40000"/>
+                  </a:schemeClr>
+                </a:solidFill>
                 <a:latin typeface="Arial"/>
                 <a:cs typeface="Arial"/>
               </a:rPr>
@@ -3940,6 +5178,12 @@
             </a:r>
             <a:r>
               <a:rPr sz="600" spc="-30" dirty="0">
+                <a:solidFill>
+                  <a:schemeClr val="accent6">
+                    <a:lumMod val="60000"/>
+                    <a:lumOff val="40000"/>
+                  </a:schemeClr>
+                </a:solidFill>
                 <a:latin typeface="Arial"/>
                 <a:cs typeface="Arial"/>
               </a:rPr>
@@ -3947,6 +5191,12 @@
             </a:r>
             <a:r>
               <a:rPr sz="600" spc="-25" dirty="0">
+                <a:solidFill>
+                  <a:schemeClr val="accent6">
+                    <a:lumMod val="60000"/>
+                    <a:lumOff val="40000"/>
+                  </a:schemeClr>
+                </a:solidFill>
                 <a:latin typeface="Arial"/>
                 <a:cs typeface="Arial"/>
               </a:rPr>
@@ -3954,6 +5204,12 @@
             </a:r>
             <a:r>
               <a:rPr sz="600" spc="-30" dirty="0">
+                <a:solidFill>
+                  <a:schemeClr val="accent6">
+                    <a:lumMod val="60000"/>
+                    <a:lumOff val="40000"/>
+                  </a:schemeClr>
+                </a:solidFill>
                 <a:latin typeface="Arial"/>
                 <a:cs typeface="Arial"/>
               </a:rPr>
@@ -3961,12 +5217,24 @@
             </a:r>
             <a:r>
               <a:rPr sz="600" spc="-25" dirty="0">
+                <a:solidFill>
+                  <a:schemeClr val="accent6">
+                    <a:lumMod val="60000"/>
+                    <a:lumOff val="40000"/>
+                  </a:schemeClr>
+                </a:solidFill>
                 <a:latin typeface="Arial"/>
                 <a:cs typeface="Arial"/>
               </a:rPr>
               <a:t>17-0</a:t>
             </a:r>
             <a:endParaRPr sz="600">
+              <a:solidFill>
+                <a:schemeClr val="accent6">
+                  <a:lumMod val="60000"/>
+                  <a:lumOff val="40000"/>
+                </a:schemeClr>
+              </a:solidFill>
               <a:latin typeface="Arial"/>
               <a:cs typeface="Arial"/>
             </a:endParaRPr>
@@ -3982,7 +5250,7 @@
         <p:spPr>
           <a:xfrm>
             <a:off x="889000" y="9846177"/>
-            <a:ext cx="5442585" cy="111760"/>
+            <a:ext cx="5442585" cy="98104"/>
           </a:xfrm>
           <a:prstGeom prst="rect">
             <a:avLst/>
@@ -4004,6 +5272,12 @@
             </a:pPr>
             <a:r>
               <a:rPr sz="600" spc="-30" dirty="0">
+                <a:solidFill>
+                  <a:schemeClr val="accent6">
+                    <a:lumMod val="60000"/>
+                    <a:lumOff val="40000"/>
+                  </a:schemeClr>
+                </a:solidFill>
                 <a:latin typeface="Arial"/>
                 <a:cs typeface="Arial"/>
               </a:rPr>
@@ -4011,6 +5285,12 @@
             </a:r>
             <a:r>
               <a:rPr sz="600" spc="-25" dirty="0">
+                <a:solidFill>
+                  <a:schemeClr val="accent6">
+                    <a:lumMod val="60000"/>
+                    <a:lumOff val="40000"/>
+                  </a:schemeClr>
+                </a:solidFill>
                 <a:latin typeface="Arial"/>
                 <a:cs typeface="Arial"/>
               </a:rPr>
@@ -4018,6 +5298,12 @@
             </a:r>
             <a:r>
               <a:rPr sz="600" spc="-45" dirty="0">
+                <a:solidFill>
+                  <a:schemeClr val="accent6">
+                    <a:lumMod val="60000"/>
+                    <a:lumOff val="40000"/>
+                  </a:schemeClr>
+                </a:solidFill>
                 <a:latin typeface="Arial"/>
                 <a:cs typeface="Arial"/>
               </a:rPr>
@@ -4025,6 +5311,12 @@
             </a:r>
             <a:r>
               <a:rPr sz="600" spc="-55" dirty="0">
+                <a:solidFill>
+                  <a:schemeClr val="accent6">
+                    <a:lumMod val="60000"/>
+                    <a:lumOff val="40000"/>
+                  </a:schemeClr>
+                </a:solidFill>
                 <a:latin typeface="Arial"/>
                 <a:cs typeface="Arial"/>
               </a:rPr>
@@ -4032,6 +5324,12 @@
             </a:r>
             <a:r>
               <a:rPr sz="600" spc="-45" dirty="0">
+                <a:solidFill>
+                  <a:schemeClr val="accent6">
+                    <a:lumMod val="60000"/>
+                    <a:lumOff val="40000"/>
+                  </a:schemeClr>
+                </a:solidFill>
                 <a:latin typeface="Arial"/>
                 <a:cs typeface="Arial"/>
               </a:rPr>
@@ -4039,6 +5337,12 @@
             </a:r>
             <a:r>
               <a:rPr sz="600" spc="-35" dirty="0">
+                <a:solidFill>
+                  <a:schemeClr val="accent6">
+                    <a:lumMod val="60000"/>
+                    <a:lumOff val="40000"/>
+                  </a:schemeClr>
+                </a:solidFill>
                 <a:latin typeface="Arial"/>
                 <a:cs typeface="Arial"/>
               </a:rPr>
@@ -4046,6 +5350,12 @@
             </a:r>
             <a:r>
               <a:rPr sz="600" spc="-65" dirty="0">
+                <a:solidFill>
+                  <a:schemeClr val="accent6">
+                    <a:lumMod val="60000"/>
+                    <a:lumOff val="40000"/>
+                  </a:schemeClr>
+                </a:solidFill>
                 <a:latin typeface="Arial"/>
                 <a:cs typeface="Arial"/>
               </a:rPr>
@@ -4053,6 +5363,12 @@
             </a:r>
             <a:r>
               <a:rPr sz="600" spc="-50" dirty="0">
+                <a:solidFill>
+                  <a:schemeClr val="accent6">
+                    <a:lumMod val="60000"/>
+                    <a:lumOff val="40000"/>
+                  </a:schemeClr>
+                </a:solidFill>
                 <a:latin typeface="Arial"/>
                 <a:cs typeface="Arial"/>
               </a:rPr>
@@ -4060,6 +5376,12 @@
             </a:r>
             <a:r>
               <a:rPr sz="600" spc="-55" dirty="0">
+                <a:solidFill>
+                  <a:schemeClr val="accent6">
+                    <a:lumMod val="60000"/>
+                    <a:lumOff val="40000"/>
+                  </a:schemeClr>
+                </a:solidFill>
                 <a:latin typeface="Arial"/>
                 <a:cs typeface="Arial"/>
               </a:rPr>
@@ -4067,6 +5389,12 @@
             </a:r>
             <a:r>
               <a:rPr sz="600" spc="-70" dirty="0">
+                <a:solidFill>
+                  <a:schemeClr val="accent6">
+                    <a:lumMod val="60000"/>
+                    <a:lumOff val="40000"/>
+                  </a:schemeClr>
+                </a:solidFill>
                 <a:latin typeface="Arial"/>
                 <a:cs typeface="Arial"/>
               </a:rPr>
@@ -4074,6 +5402,12 @@
             </a:r>
             <a:r>
               <a:rPr sz="600" spc="-50" dirty="0">
+                <a:solidFill>
+                  <a:schemeClr val="accent6">
+                    <a:lumMod val="60000"/>
+                    <a:lumOff val="40000"/>
+                  </a:schemeClr>
+                </a:solidFill>
                 <a:latin typeface="Arial"/>
                 <a:cs typeface="Arial"/>
               </a:rPr>
@@ -4081,6 +5415,12 @@
             </a:r>
             <a:r>
               <a:rPr sz="600" spc="-45" dirty="0">
+                <a:solidFill>
+                  <a:schemeClr val="accent6">
+                    <a:lumMod val="60000"/>
+                    <a:lumOff val="40000"/>
+                  </a:schemeClr>
+                </a:solidFill>
                 <a:latin typeface="Arial"/>
                 <a:cs typeface="Arial"/>
               </a:rPr>
@@ -4088,6 +5428,12 @@
             </a:r>
             <a:r>
               <a:rPr sz="600" spc="-40" dirty="0">
+                <a:solidFill>
+                  <a:schemeClr val="accent6">
+                    <a:lumMod val="60000"/>
+                    <a:lumOff val="40000"/>
+                  </a:schemeClr>
+                </a:solidFill>
                 <a:latin typeface="Arial"/>
                 <a:cs typeface="Arial"/>
               </a:rPr>
@@ -4095,6 +5441,12 @@
             </a:r>
             <a:r>
               <a:rPr sz="600" spc="-30" dirty="0">
+                <a:solidFill>
+                  <a:schemeClr val="accent6">
+                    <a:lumMod val="60000"/>
+                    <a:lumOff val="40000"/>
+                  </a:schemeClr>
+                </a:solidFill>
                 <a:latin typeface="Arial"/>
                 <a:cs typeface="Arial"/>
               </a:rPr>
@@ -4102,6 +5454,12 @@
             </a:r>
             <a:r>
               <a:rPr sz="600" spc="-25" dirty="0">
+                <a:solidFill>
+                  <a:schemeClr val="accent6">
+                    <a:lumMod val="60000"/>
+                    <a:lumOff val="40000"/>
+                  </a:schemeClr>
+                </a:solidFill>
                 <a:latin typeface="Arial"/>
                 <a:cs typeface="Arial"/>
               </a:rPr>
@@ -4109,6 +5467,12 @@
             </a:r>
             <a:r>
               <a:rPr sz="600" spc="90" dirty="0">
+                <a:solidFill>
+                  <a:schemeClr val="accent6">
+                    <a:lumMod val="60000"/>
+                    <a:lumOff val="40000"/>
+                  </a:schemeClr>
+                </a:solidFill>
                 <a:latin typeface="Arial"/>
                 <a:cs typeface="Arial"/>
               </a:rPr>
@@ -4116,12 +5480,24 @@
             </a:r>
             <a:r>
               <a:rPr sz="600" spc="-25" dirty="0">
+                <a:solidFill>
+                  <a:schemeClr val="accent6">
+                    <a:lumMod val="60000"/>
+                    <a:lumOff val="40000"/>
+                  </a:schemeClr>
+                </a:solidFill>
                 <a:latin typeface="Arial"/>
                 <a:cs typeface="Arial"/>
               </a:rPr>
               <a:t>44</a:t>
             </a:r>
             <a:endParaRPr sz="600">
+              <a:solidFill>
+                <a:schemeClr val="accent6">
+                  <a:lumMod val="60000"/>
+                  <a:lumOff val="40000"/>
+                </a:schemeClr>
+              </a:solidFill>
               <a:latin typeface="Arial"/>
               <a:cs typeface="Arial"/>
             </a:endParaRPr>
@@ -4137,7 +5513,7 @@
         <p:spPr>
           <a:xfrm>
             <a:off x="889000" y="9932029"/>
-            <a:ext cx="1423035" cy="111760"/>
+            <a:ext cx="1423035" cy="98104"/>
           </a:xfrm>
           <a:prstGeom prst="rect">
             <a:avLst/>
@@ -4159,6 +5535,12 @@
             </a:pPr>
             <a:r>
               <a:rPr sz="600" spc="-30" dirty="0">
+                <a:solidFill>
+                  <a:schemeClr val="accent6">
+                    <a:lumMod val="60000"/>
+                    <a:lumOff val="40000"/>
+                  </a:schemeClr>
+                </a:solidFill>
                 <a:latin typeface="Arial"/>
                 <a:cs typeface="Arial"/>
               </a:rPr>
@@ -4166,6 +5548,12 @@
             </a:r>
             <a:r>
               <a:rPr sz="600" spc="-50" dirty="0">
+                <a:solidFill>
+                  <a:schemeClr val="accent6">
+                    <a:lumMod val="60000"/>
+                    <a:lumOff val="40000"/>
+                  </a:schemeClr>
+                </a:solidFill>
                 <a:latin typeface="Arial"/>
                 <a:cs typeface="Arial"/>
               </a:rPr>
@@ -4173,6 +5561,12 @@
             </a:r>
             <a:r>
               <a:rPr sz="600" spc="-45" dirty="0">
+                <a:solidFill>
+                  <a:schemeClr val="accent6">
+                    <a:lumMod val="60000"/>
+                    <a:lumOff val="40000"/>
+                  </a:schemeClr>
+                </a:solidFill>
                 <a:latin typeface="Arial"/>
                 <a:cs typeface="Arial"/>
               </a:rPr>
@@ -4180,6 +5574,12 @@
             </a:r>
             <a:r>
               <a:rPr sz="600" spc="-50" dirty="0">
+                <a:solidFill>
+                  <a:schemeClr val="accent6">
+                    <a:lumMod val="60000"/>
+                    <a:lumOff val="40000"/>
+                  </a:schemeClr>
+                </a:solidFill>
                 <a:latin typeface="Arial"/>
                 <a:cs typeface="Arial"/>
               </a:rPr>
@@ -4187,6 +5587,12 @@
             </a:r>
             <a:r>
               <a:rPr sz="600" spc="-45" dirty="0">
+                <a:solidFill>
+                  <a:schemeClr val="accent6">
+                    <a:lumMod val="60000"/>
+                    <a:lumOff val="40000"/>
+                  </a:schemeClr>
+                </a:solidFill>
                 <a:latin typeface="Arial"/>
                 <a:cs typeface="Arial"/>
               </a:rPr>
@@ -4194,6 +5600,12 @@
             </a:r>
             <a:r>
               <a:rPr sz="600" spc="-30" dirty="0">
+                <a:solidFill>
+                  <a:schemeClr val="accent6">
+                    <a:lumMod val="60000"/>
+                    <a:lumOff val="40000"/>
+                  </a:schemeClr>
+                </a:solidFill>
                 <a:latin typeface="Arial"/>
                 <a:cs typeface="Arial"/>
               </a:rPr>
@@ -4201,12 +5613,24 @@
             </a:r>
             <a:r>
               <a:rPr sz="600" spc="-50" dirty="0">
+                <a:solidFill>
+                  <a:schemeClr val="accent6">
+                    <a:lumMod val="60000"/>
+                    <a:lumOff val="40000"/>
+                  </a:schemeClr>
+                </a:solidFill>
                 <a:latin typeface="Arial"/>
                 <a:cs typeface="Arial"/>
               </a:rPr>
               <a:t>Wilhelm</a:t>
             </a:r>
             <a:endParaRPr sz="600">
+              <a:solidFill>
+                <a:schemeClr val="accent6">
+                  <a:lumMod val="60000"/>
+                  <a:lumOff val="40000"/>
+                </a:schemeClr>
+              </a:solidFill>
               <a:latin typeface="Arial"/>
               <a:cs typeface="Arial"/>
             </a:endParaRPr>
@@ -4244,14 +5668,32 @@
             </a:pPr>
             <a:r>
               <a:rPr sz="600" spc="-50" dirty="0">
-                <a:latin typeface="Arial"/>
-                <a:cs typeface="Arial"/>
-                <a:hlinkClick r:id="rId5"/>
+                <a:solidFill>
+                  <a:schemeClr val="accent6">
+                    <a:lumMod val="60000"/>
+                    <a:lumOff val="40000"/>
+                  </a:schemeClr>
+                </a:solidFill>
+                <a:latin typeface="Arial"/>
+                <a:cs typeface="Arial"/>
+                <a:hlinkClick r:id="rId5">
+                  <a:extLst>
+                    <a:ext uri="{A12FA001-AC4F-418D-AE19-62706E023703}">
+                      <ahyp:hlinkClr xmlns:ahyp="http://schemas.microsoft.com/office/drawing/2018/hyperlinkcolor" val="tx"/>
+                    </a:ext>
+                  </a:extLst>
+                </a:hlinkClick>
               </a:rPr>
               <a:t>dialog@mercedes-benz.com </a:t>
             </a:r>
             <a:r>
               <a:rPr sz="600" spc="-50" dirty="0">
+                <a:solidFill>
+                  <a:schemeClr val="accent6">
+                    <a:lumMod val="60000"/>
+                    <a:lumOff val="40000"/>
+                  </a:schemeClr>
+                </a:solidFill>
                 <a:latin typeface="Arial"/>
                 <a:cs typeface="Arial"/>
               </a:rPr>
@@ -4259,13 +5701,31 @@
             </a:r>
             <a:r>
               <a:rPr sz="600" spc="-50" dirty="0">
-                <a:latin typeface="Arial"/>
-                <a:cs typeface="Arial"/>
-                <a:hlinkClick r:id="rId6"/>
+                <a:solidFill>
+                  <a:schemeClr val="accent6">
+                    <a:lumMod val="60000"/>
+                    <a:lumOff val="40000"/>
+                  </a:schemeClr>
+                </a:solidFill>
+                <a:latin typeface="Arial"/>
+                <a:cs typeface="Arial"/>
+                <a:hlinkClick r:id="rId6">
+                  <a:extLst>
+                    <a:ext uri="{A12FA001-AC4F-418D-AE19-62706E023703}">
+                      <ahyp:hlinkClr xmlns:ahyp="http://schemas.microsoft.com/office/drawing/2018/hyperlinkcolor" val="tx"/>
+                    </a:ext>
+                  </a:extLst>
+                </a:hlinkClick>
               </a:rPr>
               <a:t>www.mercedes-benz.com</a:t>
             </a:r>
             <a:endParaRPr sz="600">
+              <a:solidFill>
+                <a:schemeClr val="accent6">
+                  <a:lumMod val="60000"/>
+                  <a:lumOff val="40000"/>
+                </a:schemeClr>
+              </a:solidFill>
               <a:latin typeface="Arial"/>
               <a:cs typeface="Arial"/>
             </a:endParaRPr>
@@ -4281,7 +5741,7 @@
         <p:spPr>
           <a:xfrm>
             <a:off x="1041400" y="10185350"/>
-            <a:ext cx="4076700" cy="140335"/>
+            <a:ext cx="4076700" cy="126317"/>
           </a:xfrm>
           <a:prstGeom prst="rect">
             <a:avLst/>
@@ -4303,6 +5763,12 @@
             </a:pPr>
             <a:r>
               <a:rPr sz="800" spc="-55" dirty="0">
+                <a:solidFill>
+                  <a:schemeClr val="accent6">
+                    <a:lumMod val="60000"/>
+                    <a:lumOff val="40000"/>
+                  </a:schemeClr>
+                </a:solidFill>
                 <a:latin typeface="Arial"/>
                 <a:cs typeface="Arial"/>
               </a:rPr>
@@ -4310,6 +5776,12 @@
             </a:r>
             <a:r>
               <a:rPr sz="800" spc="-25" dirty="0">
+                <a:solidFill>
+                  <a:schemeClr val="accent6">
+                    <a:lumMod val="60000"/>
+                    <a:lumOff val="40000"/>
+                  </a:schemeClr>
+                </a:solidFill>
                 <a:latin typeface="Arial"/>
                 <a:cs typeface="Arial"/>
               </a:rPr>
@@ -4317,6 +5789,12 @@
             </a:r>
             <a:r>
               <a:rPr sz="800" spc="-65" dirty="0">
+                <a:solidFill>
+                  <a:schemeClr val="accent6">
+                    <a:lumMod val="60000"/>
+                    <a:lumOff val="40000"/>
+                  </a:schemeClr>
+                </a:solidFill>
                 <a:latin typeface="Arial"/>
                 <a:cs typeface="Arial"/>
               </a:rPr>
@@ -4324,6 +5802,12 @@
             </a:r>
             <a:r>
               <a:rPr sz="800" spc="-20" dirty="0">
+                <a:solidFill>
+                  <a:schemeClr val="accent6">
+                    <a:lumMod val="60000"/>
+                    <a:lumOff val="40000"/>
+                  </a:schemeClr>
+                </a:solidFill>
                 <a:latin typeface="Arial"/>
                 <a:cs typeface="Arial"/>
               </a:rPr>
@@ -4331,6 +5815,12 @@
             </a:r>
             <a:r>
               <a:rPr sz="800" spc="-45" dirty="0">
+                <a:solidFill>
+                  <a:schemeClr val="accent6">
+                    <a:lumMod val="60000"/>
+                    <a:lumOff val="40000"/>
+                  </a:schemeClr>
+                </a:solidFill>
                 <a:latin typeface="Arial"/>
                 <a:cs typeface="Arial"/>
               </a:rPr>
@@ -4338,6 +5828,12 @@
             </a:r>
             <a:r>
               <a:rPr sz="800" spc="-20" dirty="0">
+                <a:solidFill>
+                  <a:schemeClr val="accent6">
+                    <a:lumMod val="60000"/>
+                    <a:lumOff val="40000"/>
+                  </a:schemeClr>
+                </a:solidFill>
                 <a:latin typeface="Arial"/>
                 <a:cs typeface="Arial"/>
               </a:rPr>
@@ -4345,6 +5841,12 @@
             </a:r>
             <a:r>
               <a:rPr sz="800" spc="-50" dirty="0">
+                <a:solidFill>
+                  <a:schemeClr val="accent6">
+                    <a:lumMod val="60000"/>
+                    <a:lumOff val="40000"/>
+                  </a:schemeClr>
+                </a:solidFill>
                 <a:latin typeface="Arial"/>
                 <a:cs typeface="Arial"/>
               </a:rPr>
@@ -4352,6 +5854,12 @@
             </a:r>
             <a:r>
               <a:rPr sz="800" spc="-20" dirty="0">
+                <a:solidFill>
+                  <a:schemeClr val="accent6">
+                    <a:lumMod val="60000"/>
+                    <a:lumOff val="40000"/>
+                  </a:schemeClr>
+                </a:solidFill>
                 <a:latin typeface="Arial"/>
                 <a:cs typeface="Arial"/>
               </a:rPr>
@@ -4359,6 +5867,12 @@
             </a:r>
             <a:r>
               <a:rPr sz="800" spc="-55" dirty="0">
+                <a:solidFill>
+                  <a:schemeClr val="accent6">
+                    <a:lumMod val="60000"/>
+                    <a:lumOff val="40000"/>
+                  </a:schemeClr>
+                </a:solidFill>
                 <a:latin typeface="Arial"/>
                 <a:cs typeface="Arial"/>
               </a:rPr>
@@ -4366,6 +5880,12 @@
             </a:r>
             <a:r>
               <a:rPr sz="800" spc="-20" dirty="0">
+                <a:solidFill>
+                  <a:schemeClr val="accent6">
+                    <a:lumMod val="60000"/>
+                    <a:lumOff val="40000"/>
+                  </a:schemeClr>
+                </a:solidFill>
                 <a:latin typeface="Arial"/>
                 <a:cs typeface="Arial"/>
               </a:rPr>
@@ -4373,6 +5893,12 @@
             </a:r>
             <a:r>
               <a:rPr sz="800" spc="-55" dirty="0">
+                <a:solidFill>
+                  <a:schemeClr val="accent6">
+                    <a:lumMod val="60000"/>
+                    <a:lumOff val="40000"/>
+                  </a:schemeClr>
+                </a:solidFill>
                 <a:latin typeface="Arial"/>
                 <a:cs typeface="Arial"/>
               </a:rPr>
@@ -4380,6 +5906,12 @@
             </a:r>
             <a:r>
               <a:rPr sz="800" spc="-25" dirty="0">
+                <a:solidFill>
+                  <a:schemeClr val="accent6">
+                    <a:lumMod val="60000"/>
+                    <a:lumOff val="40000"/>
+                  </a:schemeClr>
+                </a:solidFill>
                 <a:latin typeface="Arial"/>
                 <a:cs typeface="Arial"/>
               </a:rPr>
@@ -4387,6 +5919,12 @@
             </a:r>
             <a:r>
               <a:rPr sz="800" spc="-50" dirty="0">
+                <a:solidFill>
+                  <a:schemeClr val="accent6">
+                    <a:lumMod val="60000"/>
+                    <a:lumOff val="40000"/>
+                  </a:schemeClr>
+                </a:solidFill>
                 <a:latin typeface="Arial"/>
                 <a:cs typeface="Arial"/>
               </a:rPr>
@@ -4394,6 +5932,12 @@
             </a:r>
             <a:r>
               <a:rPr sz="800" spc="-20" dirty="0">
+                <a:solidFill>
+                  <a:schemeClr val="accent6">
+                    <a:lumMod val="60000"/>
+                    <a:lumOff val="40000"/>
+                  </a:schemeClr>
+                </a:solidFill>
                 <a:latin typeface="Arial"/>
                 <a:cs typeface="Arial"/>
               </a:rPr>
@@ -4401,6 +5945,12 @@
             </a:r>
             <a:r>
               <a:rPr sz="800" spc="-65" dirty="0">
+                <a:solidFill>
+                  <a:schemeClr val="accent6">
+                    <a:lumMod val="60000"/>
+                    <a:lumOff val="40000"/>
+                  </a:schemeClr>
+                </a:solidFill>
                 <a:latin typeface="Arial"/>
                 <a:cs typeface="Arial"/>
               </a:rPr>
@@ -4408,6 +5958,12 @@
             </a:r>
             <a:r>
               <a:rPr sz="800" spc="-20" dirty="0">
+                <a:solidFill>
+                  <a:schemeClr val="accent6">
+                    <a:lumMod val="60000"/>
+                    <a:lumOff val="40000"/>
+                  </a:schemeClr>
+                </a:solidFill>
                 <a:latin typeface="Arial"/>
                 <a:cs typeface="Arial"/>
               </a:rPr>
@@ -4415,6 +5971,12 @@
             </a:r>
             <a:r>
               <a:rPr sz="800" spc="-70" dirty="0">
+                <a:solidFill>
+                  <a:schemeClr val="accent6">
+                    <a:lumMod val="60000"/>
+                    <a:lumOff val="40000"/>
+                  </a:schemeClr>
+                </a:solidFill>
                 <a:latin typeface="Arial"/>
                 <a:cs typeface="Arial"/>
               </a:rPr>
@@ -4422,6 +5984,12 @@
             </a:r>
             <a:r>
               <a:rPr sz="800" spc="-20" dirty="0">
+                <a:solidFill>
+                  <a:schemeClr val="accent6">
+                    <a:lumMod val="60000"/>
+                    <a:lumOff val="40000"/>
+                  </a:schemeClr>
+                </a:solidFill>
                 <a:latin typeface="Arial"/>
                 <a:cs typeface="Arial"/>
               </a:rPr>
@@ -4429,6 +5997,12 @@
             </a:r>
             <a:r>
               <a:rPr sz="800" spc="-90" dirty="0">
+                <a:solidFill>
+                  <a:schemeClr val="accent6">
+                    <a:lumMod val="60000"/>
+                    <a:lumOff val="40000"/>
+                  </a:schemeClr>
+                </a:solidFill>
                 <a:latin typeface="Arial"/>
                 <a:cs typeface="Arial"/>
               </a:rPr>
@@ -4436,6 +6010,12 @@
             </a:r>
             <a:r>
               <a:rPr sz="800" spc="-20" dirty="0">
+                <a:solidFill>
+                  <a:schemeClr val="accent6">
+                    <a:lumMod val="60000"/>
+                    <a:lumOff val="40000"/>
+                  </a:schemeClr>
+                </a:solidFill>
                 <a:latin typeface="Arial"/>
                 <a:cs typeface="Arial"/>
               </a:rPr>
@@ -4443,6 +6023,12 @@
             </a:r>
             <a:r>
               <a:rPr sz="800" spc="-35" dirty="0">
+                <a:solidFill>
+                  <a:schemeClr val="accent6">
+                    <a:lumMod val="60000"/>
+                    <a:lumOff val="40000"/>
+                  </a:schemeClr>
+                </a:solidFill>
                 <a:latin typeface="Arial"/>
                 <a:cs typeface="Arial"/>
               </a:rPr>
@@ -4450,6 +6036,12 @@
             </a:r>
             <a:r>
               <a:rPr sz="800" spc="-25" dirty="0">
+                <a:solidFill>
+                  <a:schemeClr val="accent6">
+                    <a:lumMod val="60000"/>
+                    <a:lumOff val="40000"/>
+                  </a:schemeClr>
+                </a:solidFill>
                 <a:latin typeface="Arial"/>
                 <a:cs typeface="Arial"/>
               </a:rPr>
@@ -4457,12 +6049,24 @@
             </a:r>
             <a:r>
               <a:rPr sz="800" spc="-55" dirty="0">
+                <a:solidFill>
+                  <a:schemeClr val="accent6">
+                    <a:lumMod val="60000"/>
+                    <a:lumOff val="40000"/>
+                  </a:schemeClr>
+                </a:solidFill>
                 <a:latin typeface="Arial"/>
                 <a:cs typeface="Arial"/>
               </a:rPr>
               <a:t>Deutschland</a:t>
             </a:r>
             <a:endParaRPr sz="800">
+              <a:solidFill>
+                <a:schemeClr val="accent6">
+                  <a:lumMod val="60000"/>
+                  <a:lumOff val="40000"/>
+                </a:schemeClr>
+              </a:solidFill>
               <a:latin typeface="Arial"/>
               <a:cs typeface="Arial"/>
             </a:endParaRPr>
@@ -4480,6 +6084,10 @@
           </p:nvPr>
         </p:nvSpPr>
         <p:spPr>
+          <a:xfrm>
+            <a:off x="6210300" y="10411283"/>
+            <a:ext cx="553084" cy="126317"/>
+          </a:xfrm>
           <a:prstGeom prst="rect">
             <a:avLst/>
           </a:prstGeom>
@@ -4499,27 +6107,69 @@
               </a:spcBef>
             </a:pPr>
             <a:r>
-              <a:rPr spc="-45" dirty="0"/>
+              <a:rPr spc="-45" dirty="0">
+                <a:solidFill>
+                  <a:schemeClr val="accent6">
+                    <a:lumMod val="60000"/>
+                    <a:lumOff val="40000"/>
+                  </a:schemeClr>
+                </a:solidFill>
+              </a:rPr>
               <a:t>Seite </a:t>
             </a:r>
             <a:fld id="{81D60167-4931-47E6-BA6A-407CBD079E47}" type="slidenum">
-              <a:rPr spc="-30" dirty="0"/>
+              <a:rPr spc="-30" dirty="0">
+                <a:solidFill>
+                  <a:schemeClr val="accent6">
+                    <a:lumMod val="60000"/>
+                    <a:lumOff val="40000"/>
+                  </a:schemeClr>
+                </a:solidFill>
+              </a:rPr>
               <a:t>1</a:t>
             </a:fld>
             <a:r>
-              <a:rPr spc="-30" dirty="0"/>
+              <a:rPr spc="-30" dirty="0">
+                <a:solidFill>
+                  <a:schemeClr val="accent6">
+                    <a:lumMod val="60000"/>
+                    <a:lumOff val="40000"/>
+                  </a:schemeClr>
+                </a:solidFill>
+              </a:rPr>
               <a:t> </a:t>
             </a:r>
             <a:r>
-              <a:rPr spc="-60" dirty="0"/>
+              <a:rPr spc="-60" dirty="0">
+                <a:solidFill>
+                  <a:schemeClr val="accent6">
+                    <a:lumMod val="60000"/>
+                    <a:lumOff val="40000"/>
+                  </a:schemeClr>
+                </a:solidFill>
+              </a:rPr>
               <a:t>von</a:t>
             </a:r>
             <a:r>
-              <a:rPr spc="-80" dirty="0"/>
+              <a:rPr spc="-80" dirty="0">
+                <a:solidFill>
+                  <a:schemeClr val="accent6">
+                    <a:lumMod val="60000"/>
+                    <a:lumOff val="40000"/>
+                  </a:schemeClr>
+                </a:solidFill>
+              </a:rPr>
               <a:t> </a:t>
             </a:r>
             <a:r>
-              <a:rPr spc="-30" dirty="0"/>
+              <a:rPr spc="-30" dirty="0">
+                <a:solidFill>
+                  <a:schemeClr val="accent6">
+                    <a:lumMod val="60000"/>
+                    <a:lumOff val="40000"/>
+                  </a:schemeClr>
+                </a:solidFill>
+              </a:rPr>
               <a:t>8</a:t>
             </a:r>
           </a:p>

--- a/leere_ppt.pptx
+++ b/leere_ppt.pptx
@@ -262,7 +262,7 @@
           <a:p>
             <a:fld id="{1D8BD707-D9CF-40AE-B4C6-C98DA3205C09}" type="datetimeFigureOut">
               <a:rPr lang="en-US"/>
-              <a:t>1/26/2024</a:t>
+              <a:t>2/14/2024</a:t>
             </a:fld>
             <a:endParaRPr lang="en-US"/>
           </a:p>
@@ -455,7 +455,7 @@
           <a:p>
             <a:fld id="{1D8BD707-D9CF-40AE-B4C6-C98DA3205C09}" type="datetimeFigureOut">
               <a:rPr lang="en-US"/>
-              <a:t>1/26/2024</a:t>
+              <a:t>2/14/2024</a:t>
             </a:fld>
             <a:endParaRPr lang="en-US"/>
           </a:p>
@@ -691,7 +691,7 @@
           <a:p>
             <a:fld id="{1D8BD707-D9CF-40AE-B4C6-C98DA3205C09}" type="datetimeFigureOut">
               <a:rPr lang="en-US"/>
-              <a:t>1/26/2024</a:t>
+              <a:t>2/14/2024</a:t>
             </a:fld>
             <a:endParaRPr lang="en-US"/>
           </a:p>
@@ -861,7 +861,7 @@
           <a:p>
             <a:fld id="{1D8BD707-D9CF-40AE-B4C6-C98DA3205C09}" type="datetimeFigureOut">
               <a:rPr lang="en-US"/>
-              <a:t>1/26/2024</a:t>
+              <a:t>2/14/2024</a:t>
             </a:fld>
             <a:endParaRPr lang="en-US"/>
           </a:p>
@@ -1008,7 +1008,7 @@
           <a:p>
             <a:fld id="{1D8BD707-D9CF-40AE-B4C6-C98DA3205C09}" type="datetimeFigureOut">
               <a:rPr lang="en-US"/>
-              <a:t>1/26/2024</a:t>
+              <a:t>2/14/2024</a:t>
             </a:fld>
             <a:endParaRPr lang="en-US"/>
           </a:p>
@@ -1249,7 +1249,7 @@
           <a:p>
             <a:fld id="{1D8BD707-D9CF-40AE-B4C6-C98DA3205C09}" type="datetimeFigureOut">
               <a:rPr lang="en-US"/>
-              <a:t>1/26/2024</a:t>
+              <a:t>2/14/2024</a:t>
             </a:fld>
             <a:endParaRPr lang="en-US"/>
           </a:p>
@@ -1545,6 +1545,13 @@
               <a:fillRect/>
             </a:stretch>
           </a:blipFill>
+          <a:ln>
+            <a:solidFill>
+              <a:schemeClr val="bg2">
+                <a:lumMod val="90000"/>
+              </a:schemeClr>
+            </a:solidFill>
+          </a:ln>
         </p:spPr>
         <p:txBody>
           <a:bodyPr wrap="square" lIns="0" tIns="0" rIns="0" bIns="0" rtlCol="0"/>
@@ -1568,6 +1575,13 @@
           <a:prstGeom prst="rect">
             <a:avLst/>
           </a:prstGeom>
+          <a:ln>
+            <a:solidFill>
+              <a:schemeClr val="bg2">
+                <a:lumMod val="90000"/>
+              </a:schemeClr>
+            </a:solidFill>
+          </a:ln>
         </p:spPr>
         <p:txBody>
           <a:bodyPr vert="horz" wrap="square" lIns="0" tIns="12700" rIns="0" bIns="0" rtlCol="0">
@@ -1611,6 +1625,13 @@
           <a:prstGeom prst="rect">
             <a:avLst/>
           </a:prstGeom>
+          <a:ln>
+            <a:solidFill>
+              <a:schemeClr val="bg2">
+                <a:lumMod val="90000"/>
+              </a:schemeClr>
+            </a:solidFill>
+          </a:ln>
         </p:spPr>
         <p:txBody>
           <a:bodyPr vert="horz" wrap="square" lIns="0" tIns="26034" rIns="0" bIns="0" rtlCol="0">
@@ -1714,6 +1735,13 @@
           <a:prstGeom prst="rect">
             <a:avLst/>
           </a:prstGeom>
+          <a:ln>
+            <a:solidFill>
+              <a:schemeClr val="bg2">
+                <a:lumMod val="90000"/>
+              </a:schemeClr>
+            </a:solidFill>
+          </a:ln>
         </p:spPr>
         <p:txBody>
           <a:bodyPr vert="horz" wrap="square" lIns="0" tIns="12700" rIns="0" bIns="0" rtlCol="0">
@@ -1757,6 +1785,13 @@
           <a:prstGeom prst="rect">
             <a:avLst/>
           </a:prstGeom>
+          <a:ln>
+            <a:solidFill>
+              <a:schemeClr val="bg2">
+                <a:lumMod val="90000"/>
+              </a:schemeClr>
+            </a:solidFill>
+          </a:ln>
         </p:spPr>
         <p:txBody>
           <a:bodyPr vert="horz" wrap="square" lIns="0" tIns="41275" rIns="0" bIns="0" rtlCol="0">
@@ -1886,7 +1921,9 @@
           </a:prstGeom>
           <a:ln w="12700">
             <a:solidFill>
-              <a:srgbClr val="000000"/>
+              <a:schemeClr val="bg2">
+                <a:lumMod val="90000"/>
+              </a:schemeClr>
             </a:solidFill>
           </a:ln>
         </p:spPr>
@@ -1932,6 +1969,13 @@
           <a:prstGeom prst="rect">
             <a:avLst/>
           </a:prstGeom>
+          <a:ln>
+            <a:solidFill>
+              <a:schemeClr val="bg2">
+                <a:lumMod val="90000"/>
+              </a:schemeClr>
+            </a:solidFill>
+          </a:ln>
         </p:spPr>
         <p:txBody>
           <a:bodyPr vert="horz" wrap="square" lIns="0" tIns="27939" rIns="0" bIns="0" rtlCol="0">
@@ -2108,6 +2152,13 @@
           <a:prstGeom prst="rect">
             <a:avLst/>
           </a:prstGeom>
+          <a:ln>
+            <a:solidFill>
+              <a:schemeClr val="bg2">
+                <a:lumMod val="90000"/>
+              </a:schemeClr>
+            </a:solidFill>
+          </a:ln>
         </p:spPr>
         <p:txBody>
           <a:bodyPr vert="horz" wrap="square" lIns="0" tIns="12700" rIns="0" bIns="0" rtlCol="0">
@@ -2239,6 +2290,13 @@
           <a:prstGeom prst="rect">
             <a:avLst/>
           </a:prstGeom>
+          <a:ln>
+            <a:solidFill>
+              <a:schemeClr val="bg2">
+                <a:lumMod val="90000"/>
+              </a:schemeClr>
+            </a:solidFill>
+          </a:ln>
         </p:spPr>
         <p:txBody>
           <a:bodyPr vert="horz" wrap="square" lIns="0" tIns="43180" rIns="0" bIns="0" rtlCol="0">
@@ -2289,6 +2347,13 @@
           <a:prstGeom prst="rect">
             <a:avLst/>
           </a:prstGeom>
+          <a:ln>
+            <a:solidFill>
+              <a:schemeClr val="bg2">
+                <a:lumMod val="90000"/>
+              </a:schemeClr>
+            </a:solidFill>
+          </a:ln>
         </p:spPr>
         <p:txBody>
           <a:bodyPr vert="horz" wrap="square" lIns="0" tIns="12700" rIns="0" bIns="0" rtlCol="0">
@@ -2391,6 +2456,13 @@
           <a:prstGeom prst="rect">
             <a:avLst/>
           </a:prstGeom>
+          <a:ln>
+            <a:solidFill>
+              <a:schemeClr val="bg2">
+                <a:lumMod val="90000"/>
+              </a:schemeClr>
+            </a:solidFill>
+          </a:ln>
         </p:spPr>
         <p:txBody>
           <a:bodyPr vert="horz" wrap="square" lIns="0" tIns="12700" rIns="0" bIns="0" rtlCol="0">
@@ -2491,6 +2563,13 @@
           <a:prstGeom prst="rect">
             <a:avLst/>
           </a:prstGeom>
+          <a:ln>
+            <a:solidFill>
+              <a:schemeClr val="bg2">
+                <a:lumMod val="90000"/>
+              </a:schemeClr>
+            </a:solidFill>
+          </a:ln>
         </p:spPr>
         <p:txBody>
           <a:bodyPr vert="horz" wrap="square" lIns="0" tIns="12700" rIns="0" bIns="0" rtlCol="0">
@@ -2534,6 +2613,13 @@
           <a:prstGeom prst="rect">
             <a:avLst/>
           </a:prstGeom>
+          <a:ln>
+            <a:solidFill>
+              <a:schemeClr val="bg2">
+                <a:lumMod val="90000"/>
+              </a:schemeClr>
+            </a:solidFill>
+          </a:ln>
         </p:spPr>
         <p:txBody>
           <a:bodyPr vert="horz" wrap="square" lIns="0" tIns="22860" rIns="0" bIns="0" rtlCol="0">
@@ -2755,6 +2841,13 @@
           <a:prstGeom prst="rect">
             <a:avLst/>
           </a:prstGeom>
+          <a:ln>
+            <a:solidFill>
+              <a:schemeClr val="bg2">
+                <a:lumMod val="90000"/>
+              </a:schemeClr>
+            </a:solidFill>
+          </a:ln>
         </p:spPr>
         <p:txBody>
           <a:bodyPr vert="horz" wrap="square" lIns="0" tIns="12700" rIns="0" bIns="0" rtlCol="0">
@@ -2892,6 +2985,13 @@
           <a:prstGeom prst="rect">
             <a:avLst/>
           </a:prstGeom>
+          <a:ln>
+            <a:solidFill>
+              <a:schemeClr val="bg2">
+                <a:lumMod val="90000"/>
+              </a:schemeClr>
+            </a:solidFill>
+          </a:ln>
         </p:spPr>
         <p:txBody>
           <a:bodyPr vert="horz" wrap="square" lIns="0" tIns="22860" rIns="0" bIns="0" rtlCol="0">
@@ -2984,6 +3084,13 @@
           <a:prstGeom prst="rect">
             <a:avLst/>
           </a:prstGeom>
+          <a:ln>
+            <a:solidFill>
+              <a:schemeClr val="bg2">
+                <a:lumMod val="90000"/>
+              </a:schemeClr>
+            </a:solidFill>
+          </a:ln>
         </p:spPr>
         <p:txBody>
           <a:bodyPr vert="horz" wrap="square" lIns="0" tIns="22860" rIns="0" bIns="0" rtlCol="0">
@@ -3371,6 +3478,13 @@
           <a:prstGeom prst="rect">
             <a:avLst/>
           </a:prstGeom>
+          <a:ln>
+            <a:solidFill>
+              <a:schemeClr val="bg2">
+                <a:lumMod val="90000"/>
+              </a:schemeClr>
+            </a:solidFill>
+          </a:ln>
         </p:spPr>
         <p:txBody>
           <a:bodyPr vert="horz" wrap="square" lIns="0" tIns="22860" rIns="0" bIns="0" rtlCol="0">
@@ -3590,7 +3704,9 @@
           </a:custGeom>
           <a:ln w="25400">
             <a:solidFill>
-              <a:srgbClr val="000000"/>
+              <a:schemeClr val="bg2">
+                <a:lumMod val="90000"/>
+              </a:schemeClr>
             </a:solidFill>
           </a:ln>
         </p:spPr>
@@ -3645,6 +3761,13 @@
           <a:prstGeom prst="rect">
             <a:avLst/>
           </a:prstGeom>
+          <a:ln>
+            <a:solidFill>
+              <a:schemeClr val="bg2">
+                <a:lumMod val="90000"/>
+              </a:schemeClr>
+            </a:solidFill>
+          </a:ln>
         </p:spPr>
         <p:txBody>
           <a:bodyPr vert="horz" wrap="square" lIns="0" tIns="5715" rIns="0" bIns="0" rtlCol="0">
@@ -3877,6 +4000,13 @@
           <a:prstGeom prst="rect">
             <a:avLst/>
           </a:prstGeom>
+          <a:ln>
+            <a:solidFill>
+              <a:schemeClr val="bg2">
+                <a:lumMod val="90000"/>
+              </a:schemeClr>
+            </a:solidFill>
+          </a:ln>
         </p:spPr>
         <p:txBody>
           <a:bodyPr vert="horz" wrap="square" lIns="0" tIns="12700" rIns="0" bIns="0" rtlCol="0">
@@ -3987,6 +4117,13 @@
           <a:prstGeom prst="rect">
             <a:avLst/>
           </a:prstGeom>
+          <a:ln>
+            <a:solidFill>
+              <a:schemeClr val="bg2">
+                <a:lumMod val="90000"/>
+              </a:schemeClr>
+            </a:solidFill>
+          </a:ln>
         </p:spPr>
         <p:txBody>
           <a:bodyPr vert="horz" wrap="square" lIns="0" tIns="5715" rIns="0" bIns="0" rtlCol="0">
@@ -4142,6 +4279,13 @@
           <a:prstGeom prst="rect">
             <a:avLst/>
           </a:prstGeom>
+          <a:ln>
+            <a:solidFill>
+              <a:schemeClr val="bg2">
+                <a:lumMod val="90000"/>
+              </a:schemeClr>
+            </a:solidFill>
+          </a:ln>
         </p:spPr>
         <p:txBody>
           <a:bodyPr vert="horz" wrap="square" lIns="0" tIns="5715" rIns="0" bIns="0" rtlCol="0">

--- a/leere_ppt.pptx
+++ b/leere_ppt.pptx
@@ -262,7 +262,7 @@
           <a:p>
             <a:fld id="{1D8BD707-D9CF-40AE-B4C6-C98DA3205C09}" type="datetimeFigureOut">
               <a:rPr lang="en-US"/>
-              <a:t>2/14/2024</a:t>
+              <a:t>4/12/2024</a:t>
             </a:fld>
             <a:endParaRPr lang="en-US"/>
           </a:p>
@@ -455,7 +455,7 @@
           <a:p>
             <a:fld id="{1D8BD707-D9CF-40AE-B4C6-C98DA3205C09}" type="datetimeFigureOut">
               <a:rPr lang="en-US"/>
-              <a:t>2/14/2024</a:t>
+              <a:t>4/12/2024</a:t>
             </a:fld>
             <a:endParaRPr lang="en-US"/>
           </a:p>
@@ -691,7 +691,7 @@
           <a:p>
             <a:fld id="{1D8BD707-D9CF-40AE-B4C6-C98DA3205C09}" type="datetimeFigureOut">
               <a:rPr lang="en-US"/>
-              <a:t>2/14/2024</a:t>
+              <a:t>4/12/2024</a:t>
             </a:fld>
             <a:endParaRPr lang="en-US"/>
           </a:p>
@@ -861,7 +861,7 @@
           <a:p>
             <a:fld id="{1D8BD707-D9CF-40AE-B4C6-C98DA3205C09}" type="datetimeFigureOut">
               <a:rPr lang="en-US"/>
-              <a:t>2/14/2024</a:t>
+              <a:t>4/12/2024</a:t>
             </a:fld>
             <a:endParaRPr lang="en-US"/>
           </a:p>
@@ -1008,7 +1008,7 @@
           <a:p>
             <a:fld id="{1D8BD707-D9CF-40AE-B4C6-C98DA3205C09}" type="datetimeFigureOut">
               <a:rPr lang="en-US"/>
-              <a:t>2/14/2024</a:t>
+              <a:t>4/12/2024</a:t>
             </a:fld>
             <a:endParaRPr lang="en-US"/>
           </a:p>
@@ -1249,7 +1249,7 @@
           <a:p>
             <a:fld id="{1D8BD707-D9CF-40AE-B4C6-C98DA3205C09}" type="datetimeFigureOut">
               <a:rPr lang="en-US"/>
-              <a:t>2/14/2024</a:t>
+              <a:t>4/12/2024</a:t>
             </a:fld>
             <a:endParaRPr lang="en-US"/>
           </a:p>
@@ -2640,6 +2640,9 @@
             </a:pPr>
             <a:r>
               <a:rPr sz="1200" spc="-110" dirty="0">
+                <a:solidFill>
+                  <a:srgbClr val="FF0000"/>
+                </a:solidFill>
                 <a:latin typeface="Arial"/>
                 <a:cs typeface="Arial"/>
               </a:rPr>
@@ -2647,6 +2650,9 @@
             </a:r>
             <a:r>
               <a:rPr sz="1200" spc="-75" dirty="0">
+                <a:solidFill>
+                  <a:srgbClr val="FF0000"/>
+                </a:solidFill>
                 <a:latin typeface="Arial"/>
                 <a:cs typeface="Arial"/>
               </a:rPr>
@@ -2654,6 +2660,9 @@
             </a:r>
             <a:r>
               <a:rPr sz="1200" spc="-65" dirty="0">
+                <a:solidFill>
+                  <a:srgbClr val="FF0000"/>
+                </a:solidFill>
                 <a:latin typeface="Arial"/>
                 <a:cs typeface="Arial"/>
               </a:rPr>
@@ -2661,6 +2670,9 @@
             </a:r>
             <a:r>
               <a:rPr sz="1200" spc="-45" dirty="0">
+                <a:solidFill>
+                  <a:srgbClr val="FF0000"/>
+                </a:solidFill>
                 <a:latin typeface="Arial"/>
                 <a:cs typeface="Arial"/>
               </a:rPr>
@@ -2668,6 +2680,9 @@
             </a:r>
             <a:r>
               <a:rPr sz="1200" spc="-85" dirty="0">
+                <a:solidFill>
+                  <a:srgbClr val="FF0000"/>
+                </a:solidFill>
                 <a:latin typeface="Arial"/>
                 <a:cs typeface="Arial"/>
               </a:rPr>
@@ -2675,6 +2690,9 @@
             </a:r>
             <a:r>
               <a:rPr sz="1200" spc="-55" dirty="0">
+                <a:solidFill>
+                  <a:srgbClr val="FF0000"/>
+                </a:solidFill>
                 <a:latin typeface="Arial"/>
                 <a:cs typeface="Arial"/>
               </a:rPr>
@@ -2682,6 +2700,9 @@
             </a:r>
             <a:r>
               <a:rPr sz="1200" spc="-75" dirty="0">
+                <a:solidFill>
+                  <a:srgbClr val="FF0000"/>
+                </a:solidFill>
                 <a:latin typeface="Arial"/>
                 <a:cs typeface="Arial"/>
               </a:rPr>
@@ -2689,6 +2710,9 @@
             </a:r>
             <a:r>
               <a:rPr sz="1200" spc="-30" dirty="0">
+                <a:solidFill>
+                  <a:srgbClr val="FF0000"/>
+                </a:solidFill>
                 <a:latin typeface="Arial"/>
                 <a:cs typeface="Arial"/>
               </a:rPr>
@@ -2696,12 +2720,18 @@
             </a:r>
             <a:r>
               <a:rPr sz="1200" spc="-65" dirty="0">
+                <a:solidFill>
+                  <a:srgbClr val="FF0000"/>
+                </a:solidFill>
                 <a:latin typeface="Arial"/>
                 <a:cs typeface="Arial"/>
               </a:rPr>
               <a:t>Antrieb</a:t>
             </a:r>
-            <a:endParaRPr sz="1200">
+            <a:endParaRPr sz="1200" dirty="0">
+              <a:solidFill>
+                <a:srgbClr val="FF0000"/>
+              </a:solidFill>
               <a:latin typeface="Arial"/>
               <a:cs typeface="Arial"/>
             </a:endParaRPr>
@@ -2717,6 +2747,9 @@
             </a:pPr>
             <a:r>
               <a:rPr sz="1200" spc="-180" dirty="0">
+                <a:solidFill>
+                  <a:srgbClr val="FF0000"/>
+                </a:solidFill>
                 <a:latin typeface="Arial"/>
                 <a:cs typeface="Arial"/>
               </a:rPr>
@@ -2724,6 +2757,9 @@
             </a:r>
             <a:r>
               <a:rPr sz="1200" spc="-140" dirty="0">
+                <a:solidFill>
+                  <a:srgbClr val="FF0000"/>
+                </a:solidFill>
                 <a:latin typeface="Arial"/>
                 <a:cs typeface="Arial"/>
               </a:rPr>
@@ -2731,6 +2767,9 @@
             </a:r>
             <a:r>
               <a:rPr sz="1200" spc="-85" dirty="0">
+                <a:solidFill>
+                  <a:srgbClr val="FF0000"/>
+                </a:solidFill>
                 <a:latin typeface="Arial"/>
                 <a:cs typeface="Arial"/>
               </a:rPr>
@@ -2738,6 +2777,9 @@
             </a:r>
             <a:r>
               <a:rPr sz="1200" spc="-155" dirty="0">
+                <a:solidFill>
+                  <a:srgbClr val="FF0000"/>
+                </a:solidFill>
                 <a:latin typeface="Arial"/>
                 <a:cs typeface="Arial"/>
               </a:rPr>
@@ -2745,6 +2787,9 @@
             </a:r>
             <a:r>
               <a:rPr sz="1200" spc="-145" dirty="0">
+                <a:solidFill>
+                  <a:srgbClr val="FF0000"/>
+                </a:solidFill>
                 <a:latin typeface="Arial"/>
                 <a:cs typeface="Arial"/>
               </a:rPr>
@@ -2752,6 +2797,9 @@
             </a:r>
             <a:r>
               <a:rPr sz="1200" spc="-85" dirty="0">
+                <a:solidFill>
+                  <a:srgbClr val="FF0000"/>
+                </a:solidFill>
                 <a:latin typeface="Arial"/>
                 <a:cs typeface="Arial"/>
               </a:rPr>
@@ -2759,6 +2807,9 @@
             </a:r>
             <a:r>
               <a:rPr sz="1200" spc="-175" dirty="0">
+                <a:solidFill>
+                  <a:srgbClr val="FF0000"/>
+                </a:solidFill>
                 <a:latin typeface="Arial"/>
                 <a:cs typeface="Arial"/>
               </a:rPr>
@@ -2766,12 +2817,18 @@
             </a:r>
             <a:r>
               <a:rPr sz="1200" spc="-100" dirty="0">
+                <a:solidFill>
+                  <a:srgbClr val="FF0000"/>
+                </a:solidFill>
                 <a:latin typeface="Arial"/>
                 <a:cs typeface="Arial"/>
               </a:rPr>
               <a:t>Premium</a:t>
             </a:r>
-            <a:endParaRPr sz="1200">
+            <a:endParaRPr sz="1200" dirty="0">
+              <a:solidFill>
+                <a:srgbClr val="FF0000"/>
+              </a:solidFill>
               <a:latin typeface="Arial"/>
               <a:cs typeface="Arial"/>
             </a:endParaRPr>
@@ -2787,6 +2844,9 @@
             </a:pPr>
             <a:r>
               <a:rPr sz="1200" spc="-185" dirty="0">
+                <a:solidFill>
+                  <a:srgbClr val="FF0000"/>
+                </a:solidFill>
                 <a:latin typeface="Arial"/>
                 <a:cs typeface="Arial"/>
               </a:rPr>
@@ -2794,6 +2854,9 @@
             </a:r>
             <a:r>
               <a:rPr sz="1200" spc="-140" dirty="0">
+                <a:solidFill>
+                  <a:srgbClr val="FF0000"/>
+                </a:solidFill>
                 <a:latin typeface="Arial"/>
                 <a:cs typeface="Arial"/>
               </a:rPr>
@@ -2801,6 +2864,9 @@
             </a:r>
             <a:r>
               <a:rPr sz="1200" spc="-80" dirty="0">
+                <a:solidFill>
+                  <a:srgbClr val="FF0000"/>
+                </a:solidFill>
                 <a:latin typeface="Arial"/>
                 <a:cs typeface="Arial"/>
               </a:rPr>
@@ -2808,6 +2874,9 @@
             </a:r>
             <a:r>
               <a:rPr sz="1200" spc="-160" dirty="0">
+                <a:solidFill>
+                  <a:srgbClr val="FF0000"/>
+                </a:solidFill>
                 <a:latin typeface="Arial"/>
                 <a:cs typeface="Arial"/>
               </a:rPr>
@@ -2815,12 +2884,18 @@
             </a:r>
             <a:r>
               <a:rPr sz="1200" spc="-100" dirty="0">
+                <a:solidFill>
+                  <a:srgbClr val="FF0000"/>
+                </a:solidFill>
                 <a:latin typeface="Arial"/>
                 <a:cs typeface="Arial"/>
               </a:rPr>
               <a:t>Premium</a:t>
             </a:r>
-            <a:endParaRPr sz="1200">
+            <a:endParaRPr sz="1200" dirty="0">
+              <a:solidFill>
+                <a:srgbClr val="FF0000"/>
+              </a:solidFill>
               <a:latin typeface="Arial"/>
               <a:cs typeface="Arial"/>
             </a:endParaRPr>

--- a/leere_ppt.pptx
+++ b/leere_ppt.pptx
@@ -1521,7 +1521,11 @@
           <a:bodyPr wrap="square" lIns="0" tIns="0" rIns="0" bIns="0" rtlCol="0"/>
           <a:lstStyle/>
           <a:p>
-            <a:endParaRPr/>
+            <a:endParaRPr>
+              <a:highlight>
+                <a:srgbClr val="000000"/>
+              </a:highlight>
+            </a:endParaRPr>
           </a:p>
         </p:txBody>
       </p:sp>
@@ -1557,7 +1561,11 @@
           <a:bodyPr wrap="square" lIns="0" tIns="0" rIns="0" bIns="0" rtlCol="0"/>
           <a:lstStyle/>
           <a:p>
-            <a:endParaRPr/>
+            <a:endParaRPr>
+              <a:highlight>
+                <a:srgbClr val="000000"/>
+              </a:highlight>
+            </a:endParaRPr>
           </a:p>
         </p:txBody>
       </p:sp>
@@ -1570,7 +1578,7 @@
         <p:spPr>
           <a:xfrm>
             <a:off x="889000" y="1841118"/>
-            <a:ext cx="466725" cy="193040"/>
+            <a:ext cx="466725" cy="182101"/>
           </a:xfrm>
           <a:prstGeom prst="rect">
             <a:avLst/>
@@ -1599,12 +1607,18 @@
             </a:pPr>
             <a:r>
               <a:rPr sz="1100" b="1" spc="-60" dirty="0">
+                <a:highlight>
+                  <a:srgbClr val="000000"/>
+                </a:highlight>
                 <a:latin typeface="Arial"/>
                 <a:cs typeface="Arial"/>
               </a:rPr>
               <a:t>Käufer:</a:t>
             </a:r>
             <a:endParaRPr sz="1100">
+              <a:highlight>
+                <a:srgbClr val="000000"/>
+              </a:highlight>
               <a:latin typeface="Arial"/>
               <a:cs typeface="Arial"/>
             </a:endParaRPr>
@@ -1620,7 +1634,7 @@
         <p:spPr>
           <a:xfrm>
             <a:off x="889000" y="2145918"/>
-            <a:ext cx="1014094" cy="508000"/>
+            <a:ext cx="1014094" cy="487953"/>
           </a:xfrm>
           <a:prstGeom prst="rect">
             <a:avLst/>
@@ -1649,6 +1663,9 @@
             </a:pPr>
             <a:r>
               <a:rPr sz="1100" spc="-85" dirty="0">
+                <a:highlight>
+                  <a:srgbClr val="000000"/>
+                </a:highlight>
                 <a:latin typeface="Arial"/>
                 <a:cs typeface="Arial"/>
               </a:rPr>
@@ -1656,6 +1673,9 @@
             </a:r>
             <a:r>
               <a:rPr sz="1100" spc="-125" dirty="0">
+                <a:highlight>
+                  <a:srgbClr val="000000"/>
+                </a:highlight>
                 <a:latin typeface="Arial"/>
                 <a:cs typeface="Arial"/>
               </a:rPr>
@@ -1663,6 +1683,9 @@
             </a:r>
             <a:r>
               <a:rPr sz="1100" spc="-60" dirty="0">
+                <a:highlight>
+                  <a:srgbClr val="000000"/>
+                </a:highlight>
                 <a:latin typeface="Arial"/>
                 <a:cs typeface="Arial"/>
               </a:rPr>
@@ -1670,6 +1693,9 @@
             </a:r>
             <a:r>
               <a:rPr sz="1100" spc="-75" dirty="0">
+                <a:highlight>
+                  <a:srgbClr val="000000"/>
+                </a:highlight>
                 <a:latin typeface="Arial"/>
                 <a:cs typeface="Arial"/>
               </a:rPr>
@@ -1677,12 +1703,18 @@
             </a:r>
             <a:r>
               <a:rPr sz="1100" spc="-40" dirty="0">
+                <a:highlight>
+                  <a:srgbClr val="000000"/>
+                </a:highlight>
                 <a:latin typeface="Arial"/>
                 <a:cs typeface="Arial"/>
               </a:rPr>
               <a:t>140</a:t>
             </a:r>
             <a:endParaRPr sz="1100">
+              <a:highlight>
+                <a:srgbClr val="000000"/>
+              </a:highlight>
               <a:latin typeface="Arial"/>
               <a:cs typeface="Arial"/>
             </a:endParaRPr>
@@ -1695,6 +1727,9 @@
             </a:pPr>
             <a:r>
               <a:rPr sz="1100" spc="-40" dirty="0">
+                <a:highlight>
+                  <a:srgbClr val="000000"/>
+                </a:highlight>
                 <a:latin typeface="Arial"/>
                 <a:cs typeface="Arial"/>
               </a:rPr>
@@ -1702,6 +1737,9 @@
             </a:r>
             <a:r>
               <a:rPr sz="1100" spc="-100" dirty="0">
+                <a:highlight>
+                  <a:srgbClr val="000000"/>
+                </a:highlight>
                 <a:latin typeface="Arial"/>
                 <a:cs typeface="Arial"/>
               </a:rPr>
@@ -1709,12 +1747,18 @@
             </a:r>
             <a:r>
               <a:rPr sz="1100" spc="-80" dirty="0">
+                <a:highlight>
+                  <a:srgbClr val="000000"/>
+                </a:highlight>
                 <a:latin typeface="Arial"/>
                 <a:cs typeface="Arial"/>
               </a:rPr>
               <a:t>Osnabrück</a:t>
             </a:r>
             <a:endParaRPr sz="1100">
+              <a:highlight>
+                <a:srgbClr val="000000"/>
+              </a:highlight>
               <a:latin typeface="Arial"/>
               <a:cs typeface="Arial"/>
             </a:endParaRPr>
@@ -1730,7 +1774,7 @@
         <p:spPr>
           <a:xfrm>
             <a:off x="5041900" y="1838832"/>
-            <a:ext cx="786765" cy="223520"/>
+            <a:ext cx="786765" cy="212879"/>
           </a:xfrm>
           <a:prstGeom prst="rect">
             <a:avLst/>
@@ -1759,12 +1803,18 @@
             </a:pPr>
             <a:r>
               <a:rPr sz="1300" b="1" spc="-70" dirty="0">
+                <a:highlight>
+                  <a:srgbClr val="000000"/>
+                </a:highlight>
                 <a:latin typeface="Arial"/>
                 <a:cs typeface="Arial"/>
               </a:rPr>
               <a:t>Bestellung</a:t>
             </a:r>
             <a:endParaRPr sz="1300">
+              <a:highlight>
+                <a:srgbClr val="000000"/>
+              </a:highlight>
               <a:latin typeface="Arial"/>
               <a:cs typeface="Arial"/>
             </a:endParaRPr>
@@ -1809,12 +1859,18 @@
             </a:pPr>
             <a:r>
               <a:rPr sz="800" b="1" spc="-50" dirty="0">
+                <a:highlight>
+                  <a:srgbClr val="000000"/>
+                </a:highlight>
                 <a:latin typeface="Arial"/>
                 <a:cs typeface="Arial"/>
               </a:rPr>
               <a:t>Fahrzeugtyp</a:t>
             </a:r>
             <a:endParaRPr sz="800">
+              <a:highlight>
+                <a:srgbClr val="000000"/>
+              </a:highlight>
               <a:latin typeface="Arial"/>
               <a:cs typeface="Arial"/>
             </a:endParaRPr>
@@ -1830,6 +1886,9 @@
             </a:pPr>
             <a:r>
               <a:rPr sz="1100" spc="-195" dirty="0">
+                <a:highlight>
+                  <a:srgbClr val="000000"/>
+                </a:highlight>
                 <a:latin typeface="Arial"/>
                 <a:cs typeface="Arial"/>
               </a:rPr>
@@ -1837,6 +1896,9 @@
             </a:r>
             <a:r>
               <a:rPr sz="1100" spc="-40" dirty="0">
+                <a:highlight>
+                  <a:srgbClr val="000000"/>
+                </a:highlight>
                 <a:latin typeface="Arial"/>
                 <a:cs typeface="Arial"/>
               </a:rPr>
@@ -1844,6 +1906,9 @@
             </a:r>
             <a:r>
               <a:rPr sz="1100" spc="-35" dirty="0">
+                <a:highlight>
+                  <a:srgbClr val="000000"/>
+                </a:highlight>
                 <a:latin typeface="Arial"/>
                 <a:cs typeface="Arial"/>
               </a:rPr>
@@ -1851,12 +1916,18 @@
             </a:r>
             <a:r>
               <a:rPr sz="1100" spc="-80" dirty="0">
+                <a:highlight>
+                  <a:srgbClr val="000000"/>
+                </a:highlight>
                 <a:latin typeface="Arial"/>
                 <a:cs typeface="Arial"/>
               </a:rPr>
               <a:t>Limousine</a:t>
             </a:r>
             <a:endParaRPr sz="1100">
+              <a:highlight>
+                <a:srgbClr val="000000"/>
+              </a:highlight>
               <a:latin typeface="Arial"/>
               <a:cs typeface="Arial"/>
             </a:endParaRPr>
@@ -1872,12 +1943,18 @@
             </a:pPr>
             <a:r>
               <a:rPr sz="800" b="1" spc="-40" dirty="0">
+                <a:highlight>
+                  <a:srgbClr val="000000"/>
+                </a:highlight>
                 <a:latin typeface="Arial"/>
                 <a:cs typeface="Arial"/>
               </a:rPr>
               <a:t>Datum</a:t>
             </a:r>
             <a:endParaRPr sz="800">
+              <a:highlight>
+                <a:srgbClr val="000000"/>
+              </a:highlight>
               <a:latin typeface="Arial"/>
               <a:cs typeface="Arial"/>
             </a:endParaRPr>
@@ -1893,12 +1970,18 @@
             </a:pPr>
             <a:r>
               <a:rPr sz="1100" spc="-40" dirty="0">
+                <a:highlight>
+                  <a:srgbClr val="000000"/>
+                </a:highlight>
                 <a:latin typeface="Arial"/>
                 <a:cs typeface="Arial"/>
               </a:rPr>
               <a:t>10.01.2024</a:t>
             </a:r>
             <a:endParaRPr sz="1100">
+              <a:highlight>
+                <a:srgbClr val="000000"/>
+              </a:highlight>
               <a:latin typeface="Arial"/>
               <a:cs typeface="Arial"/>
             </a:endParaRPr>
@@ -1914,7 +1997,7 @@
         <p:spPr>
           <a:xfrm>
             <a:off x="5054600" y="3111500"/>
-            <a:ext cx="1739900" cy="381000"/>
+            <a:ext cx="1739900" cy="167354"/>
           </a:xfrm>
           <a:prstGeom prst="rect">
             <a:avLst/>
@@ -1943,12 +2026,18 @@
             </a:pPr>
             <a:r>
               <a:rPr sz="1000" spc="-70" dirty="0">
+                <a:highlight>
+                  <a:srgbClr val="000000"/>
+                </a:highlight>
                 <a:latin typeface="Arial"/>
                 <a:cs typeface="Arial"/>
               </a:rPr>
               <a:t>Auftragsnummer:</a:t>
             </a:r>
             <a:endParaRPr sz="1000">
+              <a:highlight>
+                <a:srgbClr val="000000"/>
+              </a:highlight>
               <a:latin typeface="Arial"/>
               <a:cs typeface="Arial"/>
             </a:endParaRPr>
@@ -1964,7 +2053,7 @@
         <p:spPr>
           <a:xfrm>
             <a:off x="889000" y="4367276"/>
-            <a:ext cx="5724525" cy="640080"/>
+            <a:ext cx="5724525" cy="648895"/>
           </a:xfrm>
           <a:prstGeom prst="rect">
             <a:avLst/>
@@ -1993,6 +2082,9 @@
             </a:pPr>
             <a:r>
               <a:rPr sz="1200" spc="-70" dirty="0">
+                <a:highlight>
+                  <a:srgbClr val="000000"/>
+                </a:highlight>
                 <a:latin typeface="Arial"/>
                 <a:cs typeface="Arial"/>
               </a:rPr>
@@ -2000,6 +2092,9 @@
             </a:r>
             <a:r>
               <a:rPr sz="1200" spc="-90" dirty="0">
+                <a:highlight>
+                  <a:srgbClr val="000000"/>
+                </a:highlight>
                 <a:latin typeface="Arial"/>
                 <a:cs typeface="Arial"/>
               </a:rPr>
@@ -2007,6 +2102,9 @@
             </a:r>
             <a:r>
               <a:rPr sz="1200" spc="-70" dirty="0">
+                <a:highlight>
+                  <a:srgbClr val="000000"/>
+                </a:highlight>
                 <a:latin typeface="Arial"/>
                 <a:cs typeface="Arial"/>
               </a:rPr>
@@ -2014,6 +2112,9 @@
             </a:r>
             <a:r>
               <a:rPr sz="1200" spc="-80" dirty="0">
+                <a:highlight>
+                  <a:srgbClr val="000000"/>
+                </a:highlight>
                 <a:latin typeface="Arial"/>
                 <a:cs typeface="Arial"/>
               </a:rPr>
@@ -2021,6 +2122,9 @@
             </a:r>
             <a:r>
               <a:rPr sz="1200" b="1" spc="-65" dirty="0">
+                <a:highlight>
+                  <a:srgbClr val="000000"/>
+                </a:highlight>
                 <a:latin typeface="Arial"/>
                 <a:cs typeface="Arial"/>
               </a:rPr>
@@ -2028,6 +2132,9 @@
             </a:r>
             <a:r>
               <a:rPr sz="1200" spc="-50" dirty="0">
+                <a:highlight>
+                  <a:srgbClr val="000000"/>
+                </a:highlight>
                 <a:latin typeface="Arial"/>
                 <a:cs typeface="Arial"/>
               </a:rPr>
@@ -2035,6 +2142,9 @@
             </a:r>
             <a:r>
               <a:rPr sz="1200" spc="-70" dirty="0">
+                <a:highlight>
+                  <a:srgbClr val="000000"/>
+                </a:highlight>
                 <a:latin typeface="Arial"/>
                 <a:cs typeface="Arial"/>
               </a:rPr>
@@ -2042,6 +2152,9 @@
             </a:r>
             <a:r>
               <a:rPr sz="1200" spc="-90" dirty="0">
+                <a:highlight>
+                  <a:srgbClr val="000000"/>
+                </a:highlight>
                 <a:latin typeface="Arial"/>
                 <a:cs typeface="Arial"/>
               </a:rPr>
@@ -2049,6 +2162,9 @@
             </a:r>
             <a:r>
               <a:rPr sz="1200" spc="-70" dirty="0">
+                <a:highlight>
+                  <a:srgbClr val="000000"/>
+                </a:highlight>
                 <a:latin typeface="Arial"/>
                 <a:cs typeface="Arial"/>
               </a:rPr>
@@ -2056,6 +2172,9 @@
             </a:r>
             <a:r>
               <a:rPr sz="1200" spc="-95" dirty="0">
+                <a:highlight>
+                  <a:srgbClr val="000000"/>
+                </a:highlight>
                 <a:latin typeface="Arial"/>
                 <a:cs typeface="Arial"/>
               </a:rPr>
@@ -2063,6 +2182,9 @@
             </a:r>
             <a:r>
               <a:rPr sz="1200" spc="25" dirty="0">
+                <a:highlight>
+                  <a:srgbClr val="000000"/>
+                </a:highlight>
                 <a:latin typeface="Arial"/>
                 <a:cs typeface="Arial"/>
               </a:rPr>
@@ -2070,12 +2192,18 @@
             </a:r>
             <a:r>
               <a:rPr sz="1200" spc="-125" dirty="0">
+                <a:highlight>
+                  <a:srgbClr val="000000"/>
+                </a:highlight>
                 <a:latin typeface="Arial"/>
                 <a:cs typeface="Arial"/>
               </a:rPr>
               <a:t>AG:</a:t>
             </a:r>
-            <a:endParaRPr sz="1200">
+            <a:endParaRPr sz="1200" dirty="0">
+              <a:highlight>
+                <a:srgbClr val="000000"/>
+              </a:highlight>
               <a:latin typeface="Arial"/>
               <a:cs typeface="Arial"/>
             </a:endParaRPr>
@@ -2091,6 +2219,9 @@
             </a:pPr>
             <a:r>
               <a:rPr sz="1200" b="1" spc="15" dirty="0">
+                <a:highlight>
+                  <a:srgbClr val="000000"/>
+                </a:highlight>
                 <a:latin typeface="Arial"/>
                 <a:cs typeface="Arial"/>
               </a:rPr>
@@ -2098,6 +2229,9 @@
             </a:r>
             <a:r>
               <a:rPr sz="1200" b="1" spc="-75" dirty="0">
+                <a:highlight>
+                  <a:srgbClr val="000000"/>
+                </a:highlight>
                 <a:latin typeface="Arial"/>
                 <a:cs typeface="Arial"/>
               </a:rPr>
@@ -2105,6 +2239,9 @@
             </a:r>
             <a:r>
               <a:rPr sz="1200" b="1" spc="-160" dirty="0">
+                <a:highlight>
+                  <a:srgbClr val="000000"/>
+                </a:highlight>
                 <a:latin typeface="Arial"/>
                 <a:cs typeface="Arial"/>
               </a:rPr>
@@ -2112,6 +2249,9 @@
             </a:r>
             <a:r>
               <a:rPr sz="1200" b="1" spc="10" dirty="0">
+                <a:highlight>
+                  <a:srgbClr val="000000"/>
+                </a:highlight>
                 <a:latin typeface="Arial"/>
                 <a:cs typeface="Arial"/>
               </a:rPr>
@@ -2119,6 +2259,9 @@
             </a:r>
             <a:r>
               <a:rPr sz="1200" b="1" spc="-105" dirty="0">
+                <a:highlight>
+                  <a:srgbClr val="000000"/>
+                </a:highlight>
                 <a:latin typeface="Arial"/>
                 <a:cs typeface="Arial"/>
               </a:rPr>
@@ -2126,12 +2269,18 @@
             </a:r>
             <a:r>
               <a:rPr sz="1200" b="1" spc="-75" dirty="0">
+                <a:highlight>
+                  <a:srgbClr val="000000"/>
+                </a:highlight>
                 <a:latin typeface="Arial"/>
                 <a:cs typeface="Arial"/>
               </a:rPr>
               <a:t>Limousine</a:t>
             </a:r>
-            <a:endParaRPr sz="1200">
+            <a:endParaRPr sz="1200" dirty="0">
+              <a:highlight>
+                <a:srgbClr val="000000"/>
+              </a:highlight>
               <a:latin typeface="Arial"/>
               <a:cs typeface="Arial"/>
             </a:endParaRPr>
@@ -2176,6 +2325,9 @@
             </a:pPr>
             <a:r>
               <a:rPr sz="1200" spc="-70" dirty="0">
+                <a:highlight>
+                  <a:srgbClr val="000000"/>
+                </a:highlight>
                 <a:latin typeface="Arial"/>
                 <a:cs typeface="Arial"/>
               </a:rPr>
@@ -2183,6 +2335,9 @@
             </a:r>
             <a:r>
               <a:rPr sz="1200" spc="-90" dirty="0">
+                <a:highlight>
+                  <a:srgbClr val="000000"/>
+                </a:highlight>
                 <a:latin typeface="Arial"/>
                 <a:cs typeface="Arial"/>
               </a:rPr>
@@ -2190,6 +2345,9 @@
             </a:r>
             <a:r>
               <a:rPr sz="1200" spc="-85" dirty="0">
+                <a:highlight>
+                  <a:srgbClr val="000000"/>
+                </a:highlight>
                 <a:latin typeface="Arial"/>
                 <a:cs typeface="Arial"/>
               </a:rPr>
@@ -2197,6 +2355,9 @@
             </a:r>
             <a:r>
               <a:rPr sz="1200" spc="-90" dirty="0">
+                <a:highlight>
+                  <a:srgbClr val="000000"/>
+                </a:highlight>
                 <a:latin typeface="Arial"/>
                 <a:cs typeface="Arial"/>
               </a:rPr>
@@ -2204,6 +2365,9 @@
             </a:r>
             <a:r>
               <a:rPr sz="1200" spc="105" dirty="0">
+                <a:highlight>
+                  <a:srgbClr val="000000"/>
+                </a:highlight>
                 <a:latin typeface="Arial"/>
                 <a:cs typeface="Arial"/>
               </a:rPr>
@@ -2211,12 +2375,18 @@
             </a:r>
             <a:r>
               <a:rPr sz="1200" spc="-60" dirty="0">
+                <a:highlight>
+                  <a:srgbClr val="000000"/>
+                </a:highlight>
                 <a:latin typeface="Arial"/>
                 <a:cs typeface="Arial"/>
               </a:rPr>
               <a:t>Zeit:</a:t>
             </a:r>
-            <a:endParaRPr sz="1200">
+            <a:endParaRPr sz="1200" dirty="0">
+              <a:highlight>
+                <a:srgbClr val="000000"/>
+              </a:highlight>
               <a:latin typeface="Arial"/>
               <a:cs typeface="Arial"/>
             </a:endParaRPr>
@@ -2229,6 +2399,9 @@
             </a:pPr>
             <a:r>
               <a:rPr sz="1200" b="1" spc="-75" dirty="0">
+                <a:highlight>
+                  <a:srgbClr val="000000"/>
+                </a:highlight>
                 <a:latin typeface="Arial"/>
                 <a:cs typeface="Arial"/>
               </a:rPr>
@@ -2236,6 +2409,9 @@
             </a:r>
             <a:r>
               <a:rPr sz="1200" b="1" spc="-55" dirty="0">
+                <a:highlight>
+                  <a:srgbClr val="000000"/>
+                </a:highlight>
                 <a:latin typeface="Arial"/>
                 <a:cs typeface="Arial"/>
               </a:rPr>
@@ -2243,6 +2419,9 @@
             </a:r>
             <a:r>
               <a:rPr sz="1200" b="1" spc="-65" dirty="0">
+                <a:highlight>
+                  <a:srgbClr val="000000"/>
+                </a:highlight>
                 <a:latin typeface="Arial"/>
                 <a:cs typeface="Arial"/>
               </a:rPr>
@@ -2250,6 +2429,9 @@
             </a:r>
             <a:r>
               <a:rPr sz="1200" b="1" spc="-70" dirty="0">
+                <a:highlight>
+                  <a:srgbClr val="000000"/>
+                </a:highlight>
                 <a:latin typeface="Arial"/>
                 <a:cs typeface="Arial"/>
               </a:rPr>
@@ -2257,6 +2439,9 @@
             </a:r>
             <a:r>
               <a:rPr sz="1200" b="1" spc="85" dirty="0">
+                <a:highlight>
+                  <a:srgbClr val="000000"/>
+                </a:highlight>
                 <a:latin typeface="Arial"/>
                 <a:cs typeface="Arial"/>
               </a:rPr>
@@ -2264,12 +2449,18 @@
             </a:r>
             <a:r>
               <a:rPr sz="1200" b="1" spc="-40" dirty="0">
+                <a:highlight>
+                  <a:srgbClr val="000000"/>
+                </a:highlight>
                 <a:latin typeface="Arial"/>
                 <a:cs typeface="Arial"/>
               </a:rPr>
               <a:t>Herstellerwerk</a:t>
             </a:r>
-            <a:endParaRPr sz="1200">
+            <a:endParaRPr sz="1200" dirty="0">
+              <a:highlight>
+                <a:srgbClr val="000000"/>
+              </a:highlight>
               <a:latin typeface="Arial"/>
               <a:cs typeface="Arial"/>
             </a:endParaRPr>
@@ -2314,6 +2505,9 @@
             </a:pPr>
             <a:r>
               <a:rPr sz="1200" spc="-70" dirty="0">
+                <a:highlight>
+                  <a:srgbClr val="000000"/>
+                </a:highlight>
                 <a:latin typeface="Arial"/>
                 <a:cs typeface="Arial"/>
               </a:rPr>
@@ -2321,12 +2515,18 @@
             </a:r>
             <a:r>
               <a:rPr sz="1200" spc="-80" dirty="0">
+                <a:highlight>
+                  <a:srgbClr val="000000"/>
+                </a:highlight>
                 <a:latin typeface="Arial"/>
                 <a:cs typeface="Arial"/>
               </a:rPr>
               <a:t>Polsterung:</a:t>
             </a:r>
             <a:endParaRPr sz="1200">
+              <a:highlight>
+                <a:srgbClr val="000000"/>
+              </a:highlight>
               <a:latin typeface="Arial"/>
               <a:cs typeface="Arial"/>
             </a:endParaRPr>
@@ -2342,7 +2542,7 @@
         <p:spPr>
           <a:xfrm>
             <a:off x="2387600" y="5497576"/>
-            <a:ext cx="1688464" cy="360680"/>
+            <a:ext cx="1688464" cy="346249"/>
           </a:xfrm>
           <a:prstGeom prst="rect">
             <a:avLst/>
@@ -2374,6 +2574,9 @@
             </a:pPr>
             <a:r>
               <a:rPr sz="1200" spc="-45" dirty="0">
+                <a:highlight>
+                  <a:srgbClr val="000000"/>
+                </a:highlight>
                 <a:latin typeface="Arial"/>
                 <a:cs typeface="Arial"/>
               </a:rPr>
@@ -2381,12 +2584,18 @@
             </a:r>
             <a:r>
               <a:rPr sz="1200" spc="-95" dirty="0">
+                <a:highlight>
+                  <a:srgbClr val="000000"/>
+                </a:highlight>
                 <a:latin typeface="Arial"/>
                 <a:cs typeface="Arial"/>
               </a:rPr>
               <a:t>schwarz</a:t>
             </a:r>
             <a:endParaRPr sz="1200">
+              <a:highlight>
+                <a:srgbClr val="000000"/>
+              </a:highlight>
               <a:latin typeface="Arial"/>
               <a:cs typeface="Arial"/>
             </a:endParaRPr>
@@ -2402,6 +2611,9 @@
             </a:pPr>
             <a:r>
               <a:rPr sz="1200" spc="-45" dirty="0">
+                <a:highlight>
+                  <a:srgbClr val="000000"/>
+                </a:highlight>
                 <a:latin typeface="Arial"/>
                 <a:cs typeface="Arial"/>
               </a:rPr>
@@ -2409,6 +2621,9 @@
             </a:r>
             <a:r>
               <a:rPr sz="1200" spc="-90" dirty="0">
+                <a:highlight>
+                  <a:srgbClr val="000000"/>
+                </a:highlight>
                 <a:latin typeface="Arial"/>
                 <a:cs typeface="Arial"/>
               </a:rPr>
@@ -2416,6 +2631,9 @@
             </a:r>
             <a:r>
               <a:rPr sz="1200" spc="-105" dirty="0">
+                <a:highlight>
+                  <a:srgbClr val="000000"/>
+                </a:highlight>
                 <a:latin typeface="Arial"/>
                 <a:cs typeface="Arial"/>
               </a:rPr>
@@ -2423,6 +2641,9 @@
             </a:r>
             <a:r>
               <a:rPr sz="1200" spc="-10" dirty="0">
+                <a:highlight>
+                  <a:srgbClr val="000000"/>
+                </a:highlight>
                 <a:latin typeface="Arial"/>
                 <a:cs typeface="Arial"/>
               </a:rPr>
@@ -2430,12 +2651,18 @@
             </a:r>
             <a:r>
               <a:rPr sz="1200" spc="-95" dirty="0">
+                <a:highlight>
+                  <a:srgbClr val="000000"/>
+                </a:highlight>
                 <a:latin typeface="Arial"/>
                 <a:cs typeface="Arial"/>
               </a:rPr>
               <a:t>schwarz</a:t>
             </a:r>
             <a:endParaRPr sz="1200">
+              <a:highlight>
+                <a:srgbClr val="000000"/>
+              </a:highlight>
               <a:latin typeface="Arial"/>
               <a:cs typeface="Arial"/>
             </a:endParaRPr>
@@ -2480,12 +2707,18 @@
             </a:pPr>
             <a:r>
               <a:rPr sz="1200" spc="-190" dirty="0">
+                <a:highlight>
+                  <a:srgbClr val="000000"/>
+                </a:highlight>
                 <a:latin typeface="Arial"/>
                 <a:cs typeface="Arial"/>
               </a:rPr>
               <a:t>EUR</a:t>
             </a:r>
             <a:endParaRPr sz="1200">
+              <a:highlight>
+                <a:srgbClr val="000000"/>
+              </a:highlight>
               <a:latin typeface="Arial"/>
               <a:cs typeface="Arial"/>
             </a:endParaRPr>
@@ -2498,12 +2731,18 @@
             </a:pPr>
             <a:r>
               <a:rPr sz="1200" b="1" dirty="0">
+                <a:highlight>
+                  <a:srgbClr val="000000"/>
+                </a:highlight>
                 <a:latin typeface="Arial"/>
                 <a:cs typeface="Arial"/>
               </a:rPr>
               <a:t>52.100,00</a:t>
             </a:r>
             <a:endParaRPr sz="1200">
+              <a:highlight>
+                <a:srgbClr val="000000"/>
+              </a:highlight>
               <a:latin typeface="Arial"/>
               <a:cs typeface="Arial"/>
             </a:endParaRPr>
@@ -2519,12 +2758,18 @@
             </a:pPr>
             <a:r>
               <a:rPr sz="1200" spc="-50" dirty="0">
+                <a:highlight>
+                  <a:srgbClr val="000000"/>
+                </a:highlight>
                 <a:latin typeface="Arial"/>
                 <a:cs typeface="Arial"/>
               </a:rPr>
               <a:t>0,00</a:t>
             </a:r>
             <a:endParaRPr sz="1200">
+              <a:highlight>
+                <a:srgbClr val="000000"/>
+              </a:highlight>
               <a:latin typeface="Arial"/>
               <a:cs typeface="Arial"/>
             </a:endParaRPr>
@@ -2537,12 +2782,18 @@
             </a:pPr>
             <a:r>
               <a:rPr sz="1200" spc="-45" dirty="0">
+                <a:highlight>
+                  <a:srgbClr val="000000"/>
+                </a:highlight>
                 <a:latin typeface="Arial"/>
                 <a:cs typeface="Arial"/>
               </a:rPr>
               <a:t>1.000,00</a:t>
             </a:r>
             <a:endParaRPr sz="1200">
+              <a:highlight>
+                <a:srgbClr val="000000"/>
+              </a:highlight>
               <a:latin typeface="Arial"/>
               <a:cs typeface="Arial"/>
             </a:endParaRPr>
@@ -2558,7 +2809,7 @@
         <p:spPr>
           <a:xfrm>
             <a:off x="889000" y="6005576"/>
-            <a:ext cx="1000760" cy="208279"/>
+            <a:ext cx="1000760" cy="197490"/>
           </a:xfrm>
           <a:prstGeom prst="rect">
             <a:avLst/>
@@ -2587,12 +2838,18 @@
             </a:pPr>
             <a:r>
               <a:rPr sz="1200" b="1" spc="-60" dirty="0">
+                <a:highlight>
+                  <a:srgbClr val="000000"/>
+                </a:highlight>
                 <a:latin typeface="Arial"/>
                 <a:cs typeface="Arial"/>
               </a:rPr>
               <a:t>Ausstattungen</a:t>
             </a:r>
             <a:endParaRPr sz="1200">
+              <a:highlight>
+                <a:srgbClr val="000000"/>
+              </a:highlight>
               <a:latin typeface="Arial"/>
               <a:cs typeface="Arial"/>
             </a:endParaRPr>
@@ -2643,6 +2900,9 @@
                 <a:solidFill>
                   <a:srgbClr val="FF0000"/>
                 </a:solidFill>
+                <a:highlight>
+                  <a:srgbClr val="000000"/>
+                </a:highlight>
                 <a:latin typeface="Arial"/>
                 <a:cs typeface="Arial"/>
               </a:rPr>
@@ -2653,6 +2913,9 @@
                 <a:solidFill>
                   <a:srgbClr val="FF0000"/>
                 </a:solidFill>
+                <a:highlight>
+                  <a:srgbClr val="000000"/>
+                </a:highlight>
                 <a:latin typeface="Arial"/>
                 <a:cs typeface="Arial"/>
               </a:rPr>
@@ -2663,6 +2926,9 @@
                 <a:solidFill>
                   <a:srgbClr val="FF0000"/>
                 </a:solidFill>
+                <a:highlight>
+                  <a:srgbClr val="000000"/>
+                </a:highlight>
                 <a:latin typeface="Arial"/>
                 <a:cs typeface="Arial"/>
               </a:rPr>
@@ -2673,6 +2939,9 @@
                 <a:solidFill>
                   <a:srgbClr val="FF0000"/>
                 </a:solidFill>
+                <a:highlight>
+                  <a:srgbClr val="000000"/>
+                </a:highlight>
                 <a:latin typeface="Arial"/>
                 <a:cs typeface="Arial"/>
               </a:rPr>
@@ -2683,6 +2952,9 @@
                 <a:solidFill>
                   <a:srgbClr val="FF0000"/>
                 </a:solidFill>
+                <a:highlight>
+                  <a:srgbClr val="000000"/>
+                </a:highlight>
                 <a:latin typeface="Arial"/>
                 <a:cs typeface="Arial"/>
               </a:rPr>
@@ -2693,6 +2965,9 @@
                 <a:solidFill>
                   <a:srgbClr val="FF0000"/>
                 </a:solidFill>
+                <a:highlight>
+                  <a:srgbClr val="000000"/>
+                </a:highlight>
                 <a:latin typeface="Arial"/>
                 <a:cs typeface="Arial"/>
               </a:rPr>
@@ -2703,6 +2978,9 @@
                 <a:solidFill>
                   <a:srgbClr val="FF0000"/>
                 </a:solidFill>
+                <a:highlight>
+                  <a:srgbClr val="000000"/>
+                </a:highlight>
                 <a:latin typeface="Arial"/>
                 <a:cs typeface="Arial"/>
               </a:rPr>
@@ -2713,6 +2991,9 @@
                 <a:solidFill>
                   <a:srgbClr val="FF0000"/>
                 </a:solidFill>
+                <a:highlight>
+                  <a:srgbClr val="000000"/>
+                </a:highlight>
                 <a:latin typeface="Arial"/>
                 <a:cs typeface="Arial"/>
               </a:rPr>
@@ -2723,6 +3004,9 @@
                 <a:solidFill>
                   <a:srgbClr val="FF0000"/>
                 </a:solidFill>
+                <a:highlight>
+                  <a:srgbClr val="000000"/>
+                </a:highlight>
                 <a:latin typeface="Arial"/>
                 <a:cs typeface="Arial"/>
               </a:rPr>
@@ -2732,6 +3016,9 @@
               <a:solidFill>
                 <a:srgbClr val="FF0000"/>
               </a:solidFill>
+              <a:highlight>
+                <a:srgbClr val="000000"/>
+              </a:highlight>
               <a:latin typeface="Arial"/>
               <a:cs typeface="Arial"/>
             </a:endParaRPr>
@@ -2750,6 +3037,9 @@
                 <a:solidFill>
                   <a:srgbClr val="FF0000"/>
                 </a:solidFill>
+                <a:highlight>
+                  <a:srgbClr val="000000"/>
+                </a:highlight>
                 <a:latin typeface="Arial"/>
                 <a:cs typeface="Arial"/>
               </a:rPr>
@@ -2760,6 +3050,9 @@
                 <a:solidFill>
                   <a:srgbClr val="FF0000"/>
                 </a:solidFill>
+                <a:highlight>
+                  <a:srgbClr val="000000"/>
+                </a:highlight>
                 <a:latin typeface="Arial"/>
                 <a:cs typeface="Arial"/>
               </a:rPr>
@@ -2770,6 +3063,9 @@
                 <a:solidFill>
                   <a:srgbClr val="FF0000"/>
                 </a:solidFill>
+                <a:highlight>
+                  <a:srgbClr val="000000"/>
+                </a:highlight>
                 <a:latin typeface="Arial"/>
                 <a:cs typeface="Arial"/>
               </a:rPr>
@@ -2780,6 +3076,9 @@
                 <a:solidFill>
                   <a:srgbClr val="FF0000"/>
                 </a:solidFill>
+                <a:highlight>
+                  <a:srgbClr val="000000"/>
+                </a:highlight>
                 <a:latin typeface="Arial"/>
                 <a:cs typeface="Arial"/>
               </a:rPr>
@@ -2790,6 +3089,9 @@
                 <a:solidFill>
                   <a:srgbClr val="FF0000"/>
                 </a:solidFill>
+                <a:highlight>
+                  <a:srgbClr val="000000"/>
+                </a:highlight>
                 <a:latin typeface="Arial"/>
                 <a:cs typeface="Arial"/>
               </a:rPr>
@@ -2800,6 +3102,9 @@
                 <a:solidFill>
                   <a:srgbClr val="FF0000"/>
                 </a:solidFill>
+                <a:highlight>
+                  <a:srgbClr val="000000"/>
+                </a:highlight>
                 <a:latin typeface="Arial"/>
                 <a:cs typeface="Arial"/>
               </a:rPr>
@@ -2810,6 +3115,9 @@
                 <a:solidFill>
                   <a:srgbClr val="FF0000"/>
                 </a:solidFill>
+                <a:highlight>
+                  <a:srgbClr val="000000"/>
+                </a:highlight>
                 <a:latin typeface="Arial"/>
                 <a:cs typeface="Arial"/>
               </a:rPr>
@@ -2820,6 +3128,9 @@
                 <a:solidFill>
                   <a:srgbClr val="FF0000"/>
                 </a:solidFill>
+                <a:highlight>
+                  <a:srgbClr val="000000"/>
+                </a:highlight>
                 <a:latin typeface="Arial"/>
                 <a:cs typeface="Arial"/>
               </a:rPr>
@@ -2829,6 +3140,9 @@
               <a:solidFill>
                 <a:srgbClr val="FF0000"/>
               </a:solidFill>
+              <a:highlight>
+                <a:srgbClr val="000000"/>
+              </a:highlight>
               <a:latin typeface="Arial"/>
               <a:cs typeface="Arial"/>
             </a:endParaRPr>
@@ -2847,6 +3161,9 @@
                 <a:solidFill>
                   <a:srgbClr val="FF0000"/>
                 </a:solidFill>
+                <a:highlight>
+                  <a:srgbClr val="000000"/>
+                </a:highlight>
                 <a:latin typeface="Arial"/>
                 <a:cs typeface="Arial"/>
               </a:rPr>
@@ -2857,6 +3174,9 @@
                 <a:solidFill>
                   <a:srgbClr val="FF0000"/>
                 </a:solidFill>
+                <a:highlight>
+                  <a:srgbClr val="000000"/>
+                </a:highlight>
                 <a:latin typeface="Arial"/>
                 <a:cs typeface="Arial"/>
               </a:rPr>
@@ -2867,6 +3187,9 @@
                 <a:solidFill>
                   <a:srgbClr val="FF0000"/>
                 </a:solidFill>
+                <a:highlight>
+                  <a:srgbClr val="000000"/>
+                </a:highlight>
                 <a:latin typeface="Arial"/>
                 <a:cs typeface="Arial"/>
               </a:rPr>
@@ -2877,6 +3200,9 @@
                 <a:solidFill>
                   <a:srgbClr val="FF0000"/>
                 </a:solidFill>
+                <a:highlight>
+                  <a:srgbClr val="000000"/>
+                </a:highlight>
                 <a:latin typeface="Arial"/>
                 <a:cs typeface="Arial"/>
               </a:rPr>
@@ -2887,6 +3213,9 @@
                 <a:solidFill>
                   <a:srgbClr val="FF0000"/>
                 </a:solidFill>
+                <a:highlight>
+                  <a:srgbClr val="000000"/>
+                </a:highlight>
                 <a:latin typeface="Arial"/>
                 <a:cs typeface="Arial"/>
               </a:rPr>
@@ -2896,6 +3225,9 @@
               <a:solidFill>
                 <a:srgbClr val="FF0000"/>
               </a:solidFill>
+              <a:highlight>
+                <a:srgbClr val="000000"/>
+              </a:highlight>
               <a:latin typeface="Arial"/>
               <a:cs typeface="Arial"/>
             </a:endParaRPr>
@@ -2943,6 +3275,9 @@
             </a:pPr>
             <a:r>
               <a:rPr sz="1200" spc="-75" dirty="0">
+                <a:highlight>
+                  <a:srgbClr val="000000"/>
+                </a:highlight>
                 <a:latin typeface="Arial"/>
                 <a:cs typeface="Arial"/>
               </a:rPr>
@@ -2950,6 +3285,9 @@
             </a:r>
             <a:r>
               <a:rPr sz="1200" spc="-80" dirty="0">
+                <a:highlight>
+                  <a:srgbClr val="000000"/>
+                </a:highlight>
                 <a:latin typeface="Arial"/>
                 <a:cs typeface="Arial"/>
               </a:rPr>
@@ -2957,6 +3295,9 @@
             </a:r>
             <a:r>
               <a:rPr sz="1200" spc="-50" dirty="0">
+                <a:highlight>
+                  <a:srgbClr val="000000"/>
+                </a:highlight>
                 <a:latin typeface="Arial"/>
                 <a:cs typeface="Arial"/>
               </a:rPr>
@@ -2964,6 +3305,9 @@
             </a:r>
             <a:r>
               <a:rPr sz="1200" dirty="0">
+                <a:highlight>
+                  <a:srgbClr val="000000"/>
+                </a:highlight>
                 <a:latin typeface="Arial"/>
                 <a:cs typeface="Arial"/>
               </a:rPr>
@@ -2971,12 +3315,18 @@
             </a:r>
             <a:r>
               <a:rPr sz="1200" spc="-75" dirty="0">
+                <a:highlight>
+                  <a:srgbClr val="000000"/>
+                </a:highlight>
                 <a:latin typeface="Arial"/>
                 <a:cs typeface="Arial"/>
               </a:rPr>
               <a:t>Navigationsdienste</a:t>
             </a:r>
             <a:endParaRPr sz="1200">
+              <a:highlight>
+                <a:srgbClr val="000000"/>
+              </a:highlight>
               <a:latin typeface="Arial"/>
               <a:cs typeface="Arial"/>
             </a:endParaRPr>
@@ -2992,6 +3342,9 @@
             </a:pPr>
             <a:r>
               <a:rPr sz="1200" spc="-45" dirty="0">
+                <a:highlight>
+                  <a:srgbClr val="000000"/>
+                </a:highlight>
                 <a:latin typeface="Arial"/>
                 <a:cs typeface="Arial"/>
               </a:rPr>
@@ -2999,6 +3352,9 @@
             </a:r>
             <a:r>
               <a:rPr sz="1200" spc="-80" dirty="0">
+                <a:highlight>
+                  <a:srgbClr val="000000"/>
+                </a:highlight>
                 <a:latin typeface="Arial"/>
                 <a:cs typeface="Arial"/>
               </a:rPr>
@@ -3006,6 +3362,9 @@
             </a:r>
             <a:r>
               <a:rPr sz="1200" spc="-50" dirty="0">
+                <a:highlight>
+                  <a:srgbClr val="000000"/>
+                </a:highlight>
                 <a:latin typeface="Arial"/>
                 <a:cs typeface="Arial"/>
               </a:rPr>
@@ -3013,6 +3372,9 @@
             </a:r>
             <a:r>
               <a:rPr sz="1200" spc="-90" dirty="0">
+                <a:highlight>
+                  <a:srgbClr val="000000"/>
+                </a:highlight>
                 <a:latin typeface="Arial"/>
                 <a:cs typeface="Arial"/>
               </a:rPr>
@@ -3020,6 +3382,9 @@
             </a:r>
             <a:r>
               <a:rPr sz="1200" spc="-65" dirty="0">
+                <a:highlight>
+                  <a:srgbClr val="000000"/>
+                </a:highlight>
                 <a:latin typeface="Arial"/>
                 <a:cs typeface="Arial"/>
               </a:rPr>
@@ -3027,6 +3392,9 @@
             </a:r>
             <a:r>
               <a:rPr sz="1200" spc="80" dirty="0">
+                <a:highlight>
+                  <a:srgbClr val="000000"/>
+                </a:highlight>
                 <a:latin typeface="Arial"/>
                 <a:cs typeface="Arial"/>
               </a:rPr>
@@ -3034,12 +3402,18 @@
             </a:r>
             <a:r>
               <a:rPr sz="1200" spc="-65" dirty="0">
+                <a:highlight>
+                  <a:srgbClr val="000000"/>
+                </a:highlight>
                 <a:latin typeface="Arial"/>
                 <a:cs typeface="Arial"/>
               </a:rPr>
               <a:t>Information</a:t>
             </a:r>
             <a:endParaRPr sz="1200">
+              <a:highlight>
+                <a:srgbClr val="000000"/>
+              </a:highlight>
               <a:latin typeface="Arial"/>
               <a:cs typeface="Arial"/>
             </a:endParaRPr>
@@ -3087,6 +3461,9 @@
             </a:pPr>
             <a:r>
               <a:rPr sz="1200" spc="-90" dirty="0">
+                <a:highlight>
+                  <a:srgbClr val="000000"/>
+                </a:highlight>
                 <a:latin typeface="Arial"/>
                 <a:cs typeface="Arial"/>
               </a:rPr>
@@ -3094,6 +3471,9 @@
             </a:r>
             <a:r>
               <a:rPr sz="1200" spc="-80" dirty="0">
+                <a:highlight>
+                  <a:srgbClr val="000000"/>
+                </a:highlight>
                 <a:latin typeface="Arial"/>
                 <a:cs typeface="Arial"/>
               </a:rPr>
@@ -3101,6 +3481,9 @@
             </a:r>
             <a:r>
               <a:rPr sz="1200" dirty="0">
+                <a:highlight>
+                  <a:srgbClr val="000000"/>
+                </a:highlight>
                 <a:latin typeface="Arial"/>
                 <a:cs typeface="Arial"/>
               </a:rPr>
@@ -3108,6 +3491,9 @@
             </a:r>
             <a:r>
               <a:rPr sz="1200" spc="-145" dirty="0">
+                <a:highlight>
+                  <a:srgbClr val="000000"/>
+                </a:highlight>
                 <a:latin typeface="Arial"/>
                 <a:cs typeface="Arial"/>
               </a:rPr>
@@ -3115,12 +3501,18 @@
             </a:r>
             <a:r>
               <a:rPr sz="1200" spc="-100" dirty="0">
+                <a:highlight>
+                  <a:srgbClr val="000000"/>
+                </a:highlight>
                 <a:latin typeface="Arial"/>
                 <a:cs typeface="Arial"/>
               </a:rPr>
               <a:t>P17</a:t>
             </a:r>
             <a:endParaRPr sz="1200">
+              <a:highlight>
+                <a:srgbClr val="000000"/>
+              </a:highlight>
               <a:latin typeface="Arial"/>
               <a:cs typeface="Arial"/>
             </a:endParaRPr>
@@ -3133,12 +3525,18 @@
             </a:pPr>
             <a:r>
               <a:rPr sz="1200" spc="-85" dirty="0">
+                <a:highlight>
+                  <a:srgbClr val="000000"/>
+                </a:highlight>
                 <a:latin typeface="Arial"/>
                 <a:cs typeface="Arial"/>
               </a:rPr>
               <a:t>P35  P47</a:t>
             </a:r>
             <a:endParaRPr sz="1200">
+              <a:highlight>
+                <a:srgbClr val="000000"/>
+              </a:highlight>
               <a:latin typeface="Arial"/>
               <a:cs typeface="Arial"/>
             </a:endParaRPr>
@@ -3183,6 +3581,9 @@
             </a:pPr>
             <a:r>
               <a:rPr sz="1200" spc="-170" dirty="0">
+                <a:highlight>
+                  <a:srgbClr val="000000"/>
+                </a:highlight>
                 <a:latin typeface="Arial"/>
                 <a:cs typeface="Arial"/>
               </a:rPr>
@@ -3190,6 +3591,9 @@
             </a:r>
             <a:r>
               <a:rPr sz="1200" spc="-75" dirty="0">
+                <a:highlight>
+                  <a:srgbClr val="000000"/>
+                </a:highlight>
                 <a:latin typeface="Arial"/>
                 <a:cs typeface="Arial"/>
               </a:rPr>
@@ -3197,6 +3601,9 @@
             </a:r>
             <a:r>
               <a:rPr sz="1200" spc="-130" dirty="0">
+                <a:highlight>
+                  <a:srgbClr val="000000"/>
+                </a:highlight>
                 <a:latin typeface="Arial"/>
                 <a:cs typeface="Arial"/>
               </a:rPr>
@@ -3204,6 +3611,9 @@
             </a:r>
             <a:r>
               <a:rPr sz="1200" spc="-40" dirty="0">
+                <a:highlight>
+                  <a:srgbClr val="000000"/>
+                </a:highlight>
                 <a:latin typeface="Arial"/>
                 <a:cs typeface="Arial"/>
               </a:rPr>
@@ -3211,12 +3621,18 @@
             </a:r>
             <a:r>
               <a:rPr sz="1200" spc="-145" dirty="0">
+                <a:highlight>
+                  <a:srgbClr val="000000"/>
+                </a:highlight>
                 <a:latin typeface="Arial"/>
                 <a:cs typeface="Arial"/>
               </a:rPr>
               <a:t>LIGHT</a:t>
             </a:r>
             <a:endParaRPr sz="1200">
+              <a:highlight>
+                <a:srgbClr val="000000"/>
+              </a:highlight>
               <a:latin typeface="Arial"/>
               <a:cs typeface="Arial"/>
             </a:endParaRPr>
@@ -3229,6 +3645,9 @@
             </a:pPr>
             <a:r>
               <a:rPr sz="1200" spc="-90" dirty="0">
+                <a:highlight>
+                  <a:srgbClr val="000000"/>
+                </a:highlight>
                 <a:latin typeface="Arial"/>
                 <a:cs typeface="Arial"/>
               </a:rPr>
@@ -3236,6 +3655,9 @@
             </a:r>
             <a:r>
               <a:rPr sz="1200" spc="-40" dirty="0">
+                <a:highlight>
+                  <a:srgbClr val="000000"/>
+                </a:highlight>
                 <a:latin typeface="Arial"/>
                 <a:cs typeface="Arial"/>
               </a:rPr>
@@ -3243,6 +3665,9 @@
             </a:r>
             <a:r>
               <a:rPr sz="1200" spc="10" dirty="0">
+                <a:highlight>
+                  <a:srgbClr val="000000"/>
+                </a:highlight>
                 <a:latin typeface="Arial"/>
                 <a:cs typeface="Arial"/>
               </a:rPr>
@@ -3250,12 +3675,18 @@
             </a:r>
             <a:r>
               <a:rPr sz="1200" spc="-65" dirty="0">
+                <a:highlight>
+                  <a:srgbClr val="000000"/>
+                </a:highlight>
                 <a:latin typeface="Arial"/>
                 <a:cs typeface="Arial"/>
               </a:rPr>
               <a:t>360°-Kamera</a:t>
             </a:r>
             <a:endParaRPr sz="1200">
+              <a:highlight>
+                <a:srgbClr val="000000"/>
+              </a:highlight>
               <a:latin typeface="Arial"/>
               <a:cs typeface="Arial"/>
             </a:endParaRPr>
@@ -3275,6 +3706,9 @@
             </a:pPr>
             <a:r>
               <a:rPr sz="1200" spc="-45" dirty="0">
+                <a:highlight>
+                  <a:srgbClr val="000000"/>
+                </a:highlight>
                 <a:latin typeface="Arial"/>
                 <a:cs typeface="Arial"/>
               </a:rPr>
@@ -3282,6 +3716,9 @@
             </a:r>
             <a:r>
               <a:rPr sz="1200" spc="-65" dirty="0">
+                <a:highlight>
+                  <a:srgbClr val="000000"/>
+                </a:highlight>
                 <a:latin typeface="Arial"/>
                 <a:cs typeface="Arial"/>
               </a:rPr>
@@ -3289,6 +3726,9 @@
             </a:r>
             <a:r>
               <a:rPr sz="1200" spc="-80" dirty="0">
+                <a:highlight>
+                  <a:srgbClr val="000000"/>
+                </a:highlight>
                 <a:latin typeface="Arial"/>
                 <a:cs typeface="Arial"/>
               </a:rPr>
@@ -3296,6 +3736,9 @@
             </a:r>
             <a:r>
               <a:rPr sz="1200" spc="-40" dirty="0">
+                <a:highlight>
+                  <a:srgbClr val="000000"/>
+                </a:highlight>
                 <a:latin typeface="Arial"/>
                 <a:cs typeface="Arial"/>
               </a:rPr>
@@ -3303,6 +3746,9 @@
             </a:r>
             <a:r>
               <a:rPr sz="1200" spc="-165" dirty="0">
+                <a:highlight>
+                  <a:srgbClr val="000000"/>
+                </a:highlight>
                 <a:latin typeface="Arial"/>
                 <a:cs typeface="Arial"/>
               </a:rPr>
@@ -3310,6 +3756,9 @@
             </a:r>
             <a:r>
               <a:rPr sz="1200" spc="-75" dirty="0">
+                <a:highlight>
+                  <a:srgbClr val="000000"/>
+                </a:highlight>
                 <a:latin typeface="Arial"/>
                 <a:cs typeface="Arial"/>
               </a:rPr>
@@ -3317,6 +3766,9 @@
             </a:r>
             <a:r>
               <a:rPr sz="1200" spc="-85" dirty="0">
+                <a:highlight>
+                  <a:srgbClr val="000000"/>
+                </a:highlight>
                 <a:latin typeface="Arial"/>
                 <a:cs typeface="Arial"/>
               </a:rPr>
@@ -3324,6 +3776,9 @@
             </a:r>
             <a:r>
               <a:rPr sz="1200" spc="-40" dirty="0">
+                <a:highlight>
+                  <a:srgbClr val="000000"/>
+                </a:highlight>
                 <a:latin typeface="Arial"/>
                 <a:cs typeface="Arial"/>
               </a:rPr>
@@ -3331,12 +3786,18 @@
             </a:r>
             <a:r>
               <a:rPr sz="1200" spc="-60" dirty="0">
+                <a:highlight>
+                  <a:srgbClr val="000000"/>
+                </a:highlight>
                 <a:latin typeface="Arial"/>
                 <a:cs typeface="Arial"/>
               </a:rPr>
               <a:t>Integration</a:t>
             </a:r>
             <a:endParaRPr sz="1200">
+              <a:highlight>
+                <a:srgbClr val="000000"/>
+              </a:highlight>
               <a:latin typeface="Arial"/>
               <a:cs typeface="Arial"/>
             </a:endParaRPr>
@@ -3352,6 +3813,9 @@
             </a:pPr>
             <a:r>
               <a:rPr sz="1200" spc="-75" dirty="0">
+                <a:highlight>
+                  <a:srgbClr val="000000"/>
+                </a:highlight>
                 <a:latin typeface="Arial"/>
                 <a:cs typeface="Arial"/>
               </a:rPr>
@@ -3359,6 +3823,9 @@
             </a:r>
             <a:r>
               <a:rPr sz="1200" spc="-80" dirty="0">
+                <a:highlight>
+                  <a:srgbClr val="000000"/>
+                </a:highlight>
                 <a:latin typeface="Arial"/>
                 <a:cs typeface="Arial"/>
               </a:rPr>
@@ -3366,6 +3833,9 @@
             </a:r>
             <a:r>
               <a:rPr sz="1200" spc="-50" dirty="0">
+                <a:highlight>
+                  <a:srgbClr val="000000"/>
+                </a:highlight>
                 <a:latin typeface="Arial"/>
                 <a:cs typeface="Arial"/>
               </a:rPr>
@@ -3373,6 +3843,9 @@
             </a:r>
             <a:r>
               <a:rPr sz="1200" spc="-60" dirty="0">
+                <a:highlight>
+                  <a:srgbClr val="000000"/>
+                </a:highlight>
                 <a:latin typeface="Arial"/>
                 <a:cs typeface="Arial"/>
               </a:rPr>
@@ -3380,6 +3853,9 @@
             </a:r>
             <a:r>
               <a:rPr sz="1200" spc="50" dirty="0">
+                <a:highlight>
+                  <a:srgbClr val="000000"/>
+                </a:highlight>
                 <a:latin typeface="Arial"/>
                 <a:cs typeface="Arial"/>
               </a:rPr>
@@ -3387,12 +3863,18 @@
             </a:r>
             <a:r>
               <a:rPr sz="1200" spc="-90" dirty="0">
+                <a:highlight>
+                  <a:srgbClr val="000000"/>
+                </a:highlight>
                 <a:latin typeface="Arial"/>
                 <a:cs typeface="Arial"/>
               </a:rPr>
               <a:t>Schlüsselübergabe</a:t>
             </a:r>
             <a:endParaRPr sz="1200">
+              <a:highlight>
+                <a:srgbClr val="000000"/>
+              </a:highlight>
               <a:latin typeface="Arial"/>
               <a:cs typeface="Arial"/>
             </a:endParaRPr>
@@ -3408,6 +3890,9 @@
             </a:pPr>
             <a:r>
               <a:rPr sz="1200" spc="-45" dirty="0">
+                <a:highlight>
+                  <a:srgbClr val="000000"/>
+                </a:highlight>
                 <a:latin typeface="Arial"/>
                 <a:cs typeface="Arial"/>
               </a:rPr>
@@ -3415,12 +3900,18 @@
             </a:r>
             <a:r>
               <a:rPr sz="1200" spc="-90" dirty="0">
+                <a:highlight>
+                  <a:srgbClr val="000000"/>
+                </a:highlight>
                 <a:latin typeface="Arial"/>
                 <a:cs typeface="Arial"/>
               </a:rPr>
               <a:t>Memory-Paket</a:t>
             </a:r>
             <a:endParaRPr sz="1200">
+              <a:highlight>
+                <a:srgbClr val="000000"/>
+              </a:highlight>
               <a:latin typeface="Arial"/>
               <a:cs typeface="Arial"/>
             </a:endParaRPr>
@@ -3436,6 +3927,9 @@
             </a:pPr>
             <a:r>
               <a:rPr sz="1200" spc="-45" dirty="0">
+                <a:highlight>
+                  <a:srgbClr val="000000"/>
+                </a:highlight>
                 <a:latin typeface="Arial"/>
                 <a:cs typeface="Arial"/>
               </a:rPr>
@@ -3443,6 +3937,9 @@
             </a:r>
             <a:r>
               <a:rPr sz="1200" spc="-80" dirty="0">
+                <a:highlight>
+                  <a:srgbClr val="000000"/>
+                </a:highlight>
                 <a:latin typeface="Arial"/>
                 <a:cs typeface="Arial"/>
               </a:rPr>
@@ -3450,6 +3947,9 @@
             </a:r>
             <a:r>
               <a:rPr sz="1200" spc="-70" dirty="0">
+                <a:highlight>
+                  <a:srgbClr val="000000"/>
+                </a:highlight>
                 <a:latin typeface="Arial"/>
                 <a:cs typeface="Arial"/>
               </a:rPr>
@@ -3457,6 +3957,9 @@
             </a:r>
             <a:r>
               <a:rPr sz="1200" spc="-105" dirty="0">
+                <a:highlight>
+                  <a:srgbClr val="000000"/>
+                </a:highlight>
                 <a:latin typeface="Arial"/>
                 <a:cs typeface="Arial"/>
               </a:rPr>
@@ -3464,6 +3967,9 @@
             </a:r>
             <a:r>
               <a:rPr sz="1200" spc="40" dirty="0">
+                <a:highlight>
+                  <a:srgbClr val="000000"/>
+                </a:highlight>
                 <a:latin typeface="Arial"/>
                 <a:cs typeface="Arial"/>
               </a:rPr>
@@ -3471,12 +3977,18 @@
             </a:r>
             <a:r>
               <a:rPr sz="1200" spc="-75" dirty="0">
+                <a:highlight>
+                  <a:srgbClr val="000000"/>
+                </a:highlight>
                 <a:latin typeface="Arial"/>
                 <a:cs typeface="Arial"/>
               </a:rPr>
               <a:t>klappbar</a:t>
             </a:r>
             <a:endParaRPr sz="1200">
+              <a:highlight>
+                <a:srgbClr val="000000"/>
+              </a:highlight>
               <a:latin typeface="Arial"/>
               <a:cs typeface="Arial"/>
             </a:endParaRPr>
@@ -3492,6 +4004,9 @@
             </a:pPr>
             <a:r>
               <a:rPr sz="1200" spc="-45" dirty="0">
+                <a:highlight>
+                  <a:srgbClr val="000000"/>
+                </a:highlight>
                 <a:latin typeface="Arial"/>
                 <a:cs typeface="Arial"/>
               </a:rPr>
@@ -3499,6 +4014,9 @@
             </a:r>
             <a:r>
               <a:rPr sz="1200" spc="-65" dirty="0">
+                <a:highlight>
+                  <a:srgbClr val="000000"/>
+                </a:highlight>
                 <a:latin typeface="Arial"/>
                 <a:cs typeface="Arial"/>
               </a:rPr>
@@ -3506,6 +4024,9 @@
             </a:r>
             <a:r>
               <a:rPr sz="1200" spc="-50" dirty="0">
+                <a:highlight>
+                  <a:srgbClr val="000000"/>
+                </a:highlight>
                 <a:latin typeface="Arial"/>
                 <a:cs typeface="Arial"/>
               </a:rPr>
@@ -3513,6 +4034,9 @@
             </a:r>
             <a:r>
               <a:rPr sz="1200" spc="-90" dirty="0">
+                <a:highlight>
+                  <a:srgbClr val="000000"/>
+                </a:highlight>
                 <a:latin typeface="Arial"/>
                 <a:cs typeface="Arial"/>
               </a:rPr>
@@ -3520,6 +4044,9 @@
             </a:r>
             <a:r>
               <a:rPr sz="1200" spc="10" dirty="0">
+                <a:highlight>
+                  <a:srgbClr val="000000"/>
+                </a:highlight>
                 <a:latin typeface="Arial"/>
                 <a:cs typeface="Arial"/>
               </a:rPr>
@@ -3527,12 +4054,18 @@
             </a:r>
             <a:r>
               <a:rPr sz="1200" spc="-75" dirty="0">
+                <a:highlight>
+                  <a:srgbClr val="000000"/>
+                </a:highlight>
                 <a:latin typeface="Arial"/>
                 <a:cs typeface="Arial"/>
               </a:rPr>
               <a:t>Beifahrer</a:t>
             </a:r>
             <a:endParaRPr sz="1200">
+              <a:highlight>
+                <a:srgbClr val="000000"/>
+              </a:highlight>
               <a:latin typeface="Arial"/>
               <a:cs typeface="Arial"/>
             </a:endParaRPr>
@@ -3577,6 +4110,9 @@
             </a:pPr>
             <a:r>
               <a:rPr sz="1200" spc="-75" dirty="0">
+                <a:highlight>
+                  <a:srgbClr val="000000"/>
+                </a:highlight>
                 <a:latin typeface="Arial"/>
                 <a:cs typeface="Arial"/>
               </a:rPr>
@@ -3584,12 +4120,18 @@
             </a:r>
             <a:r>
               <a:rPr sz="1200" spc="-45" dirty="0">
+                <a:highlight>
+                  <a:srgbClr val="000000"/>
+                </a:highlight>
                 <a:latin typeface="Arial"/>
                 <a:cs typeface="Arial"/>
               </a:rPr>
               <a:t>1.490,00</a:t>
             </a:r>
             <a:endParaRPr sz="1200">
+              <a:highlight>
+                <a:srgbClr val="000000"/>
+              </a:highlight>
               <a:latin typeface="Arial"/>
               <a:cs typeface="Arial"/>
             </a:endParaRPr>
@@ -3602,12 +4144,18 @@
             </a:pPr>
             <a:r>
               <a:rPr sz="1200" spc="-45" dirty="0">
+                <a:highlight>
+                  <a:srgbClr val="000000"/>
+                </a:highlight>
                 <a:latin typeface="Arial"/>
                 <a:cs typeface="Arial"/>
               </a:rPr>
               <a:t>10.650,00</a:t>
             </a:r>
             <a:endParaRPr sz="1200">
+              <a:highlight>
+                <a:srgbClr val="000000"/>
+              </a:highlight>
               <a:latin typeface="Arial"/>
               <a:cs typeface="Arial"/>
             </a:endParaRPr>
@@ -3620,12 +4168,18 @@
             </a:pPr>
             <a:r>
               <a:rPr sz="1200" spc="-50" dirty="0">
+                <a:highlight>
+                  <a:srgbClr val="000000"/>
+                </a:highlight>
                 <a:latin typeface="Arial"/>
                 <a:cs typeface="Arial"/>
               </a:rPr>
               <a:t>0,00</a:t>
             </a:r>
             <a:endParaRPr sz="1200">
+              <a:highlight>
+                <a:srgbClr val="000000"/>
+              </a:highlight>
               <a:latin typeface="Arial"/>
               <a:cs typeface="Arial"/>
             </a:endParaRPr>
@@ -3641,6 +4195,9 @@
             </a:pPr>
             <a:r>
               <a:rPr sz="1200" spc="-75" dirty="0">
+                <a:highlight>
+                  <a:srgbClr val="000000"/>
+                </a:highlight>
                 <a:latin typeface="Arial"/>
                 <a:cs typeface="Arial"/>
               </a:rPr>
@@ -3648,12 +4205,18 @@
             </a:r>
             <a:r>
               <a:rPr sz="1200" spc="-50" dirty="0">
+                <a:highlight>
+                  <a:srgbClr val="000000"/>
+                </a:highlight>
                 <a:latin typeface="Arial"/>
                 <a:cs typeface="Arial"/>
               </a:rPr>
               <a:t>0,00</a:t>
             </a:r>
             <a:endParaRPr sz="1200">
+              <a:highlight>
+                <a:srgbClr val="000000"/>
+              </a:highlight>
               <a:latin typeface="Arial"/>
               <a:cs typeface="Arial"/>
             </a:endParaRPr>
@@ -3666,12 +4229,18 @@
             </a:pPr>
             <a:r>
               <a:rPr sz="1200" spc="-50" dirty="0">
+                <a:highlight>
+                  <a:srgbClr val="000000"/>
+                </a:highlight>
                 <a:latin typeface="Arial"/>
                 <a:cs typeface="Arial"/>
               </a:rPr>
               <a:t>0,00</a:t>
             </a:r>
             <a:endParaRPr sz="1200">
+              <a:highlight>
+                <a:srgbClr val="000000"/>
+              </a:highlight>
               <a:latin typeface="Arial"/>
               <a:cs typeface="Arial"/>
             </a:endParaRPr>
@@ -3684,12 +4253,18 @@
             </a:pPr>
             <a:r>
               <a:rPr sz="1200" spc="-50" dirty="0">
+                <a:highlight>
+                  <a:srgbClr val="000000"/>
+                </a:highlight>
                 <a:latin typeface="Arial"/>
                 <a:cs typeface="Arial"/>
               </a:rPr>
               <a:t>0,00</a:t>
             </a:r>
             <a:endParaRPr sz="1200">
+              <a:highlight>
+                <a:srgbClr val="000000"/>
+              </a:highlight>
               <a:latin typeface="Arial"/>
               <a:cs typeface="Arial"/>
             </a:endParaRPr>
@@ -3705,6 +4280,9 @@
             </a:pPr>
             <a:r>
               <a:rPr sz="1200" spc="-75" dirty="0">
+                <a:highlight>
+                  <a:srgbClr val="000000"/>
+                </a:highlight>
                 <a:latin typeface="Arial"/>
                 <a:cs typeface="Arial"/>
               </a:rPr>
@@ -3712,12 +4290,18 @@
             </a:r>
             <a:r>
               <a:rPr sz="1200" spc="-50" dirty="0">
+                <a:highlight>
+                  <a:srgbClr val="000000"/>
+                </a:highlight>
                 <a:latin typeface="Arial"/>
                 <a:cs typeface="Arial"/>
               </a:rPr>
               <a:t>0,00</a:t>
             </a:r>
             <a:endParaRPr sz="1200">
+              <a:highlight>
+                <a:srgbClr val="000000"/>
+              </a:highlight>
               <a:latin typeface="Arial"/>
               <a:cs typeface="Arial"/>
             </a:endParaRPr>
@@ -3730,6 +4314,9 @@
             </a:pPr>
             <a:r>
               <a:rPr sz="1200" spc="-75" dirty="0">
+                <a:highlight>
+                  <a:srgbClr val="000000"/>
+                </a:highlight>
                 <a:latin typeface="Arial"/>
                 <a:cs typeface="Arial"/>
               </a:rPr>
@@ -3737,12 +4324,18 @@
             </a:r>
             <a:r>
               <a:rPr sz="1200" spc="-50" dirty="0">
+                <a:highlight>
+                  <a:srgbClr val="000000"/>
+                </a:highlight>
                 <a:latin typeface="Arial"/>
                 <a:cs typeface="Arial"/>
               </a:rPr>
               <a:t>0,00</a:t>
             </a:r>
             <a:endParaRPr sz="1200">
+              <a:highlight>
+                <a:srgbClr val="000000"/>
+              </a:highlight>
               <a:latin typeface="Arial"/>
               <a:cs typeface="Arial"/>
             </a:endParaRPr>
@@ -3789,7 +4382,11 @@
           <a:bodyPr wrap="square" lIns="0" tIns="0" rIns="0" bIns="0" rtlCol="0"/>
           <a:lstStyle/>
           <a:p>
-            <a:endParaRPr/>
+            <a:endParaRPr>
+              <a:highlight>
+                <a:srgbClr val="000000"/>
+              </a:highlight>
+            </a:endParaRPr>
           </a:p>
         </p:txBody>
       </p:sp>
@@ -3818,7 +4415,11 @@
           <a:bodyPr wrap="square" lIns="0" tIns="0" rIns="0" bIns="0" rtlCol="0"/>
           <a:lstStyle/>
           <a:p>
-            <a:endParaRPr/>
+            <a:endParaRPr>
+              <a:highlight>
+                <a:srgbClr val="000000"/>
+              </a:highlight>
+            </a:endParaRPr>
           </a:p>
         </p:txBody>
       </p:sp>
@@ -3860,6 +4461,9 @@
             </a:pPr>
             <a:r>
               <a:rPr sz="600" spc="-50" dirty="0">
+                <a:highlight>
+                  <a:srgbClr val="000000"/>
+                </a:highlight>
                 <a:latin typeface="Arial"/>
                 <a:cs typeface="Arial"/>
               </a:rPr>
@@ -3867,6 +4471,9 @@
             </a:r>
             <a:r>
               <a:rPr sz="600" spc="-70" dirty="0">
+                <a:highlight>
+                  <a:srgbClr val="000000"/>
+                </a:highlight>
                 <a:latin typeface="Arial"/>
                 <a:cs typeface="Arial"/>
               </a:rPr>
@@ -3874,6 +4481,9 @@
             </a:r>
             <a:r>
               <a:rPr sz="600" spc="-30" dirty="0">
+                <a:highlight>
+                  <a:srgbClr val="000000"/>
+                </a:highlight>
                 <a:latin typeface="Arial"/>
                 <a:cs typeface="Arial"/>
               </a:rPr>
@@ -3881,6 +4491,9 @@
             </a:r>
             <a:r>
               <a:rPr sz="600" spc="-40" dirty="0">
+                <a:highlight>
+                  <a:srgbClr val="000000"/>
+                </a:highlight>
                 <a:latin typeface="Arial"/>
                 <a:cs typeface="Arial"/>
               </a:rPr>
@@ -3888,12 +4501,18 @@
             </a:r>
             <a:r>
               <a:rPr sz="600" spc="-60" dirty="0">
+                <a:highlight>
+                  <a:srgbClr val="000000"/>
+                </a:highlight>
                 <a:latin typeface="Arial"/>
                 <a:cs typeface="Arial"/>
               </a:rPr>
               <a:t>Germany</a:t>
             </a:r>
             <a:endParaRPr sz="600">
+              <a:highlight>
+                <a:srgbClr val="000000"/>
+              </a:highlight>
               <a:latin typeface="Arial"/>
               <a:cs typeface="Arial"/>
             </a:endParaRPr>
@@ -3909,6 +4528,9 @@
             </a:pPr>
             <a:r>
               <a:rPr sz="600" spc="-40" dirty="0">
+                <a:highlight>
+                  <a:srgbClr val="000000"/>
+                </a:highlight>
                 <a:latin typeface="Arial"/>
                 <a:cs typeface="Arial"/>
               </a:rPr>
@@ -3916,6 +4538,9 @@
             </a:r>
             <a:r>
               <a:rPr sz="600" spc="-45" dirty="0">
+                <a:highlight>
+                  <a:srgbClr val="000000"/>
+                </a:highlight>
                 <a:latin typeface="Arial"/>
                 <a:cs typeface="Arial"/>
               </a:rPr>
@@ -3923,6 +4548,9 @@
             </a:r>
             <a:r>
               <a:rPr sz="600" spc="-30" dirty="0">
+                <a:highlight>
+                  <a:srgbClr val="000000"/>
+                </a:highlight>
                 <a:latin typeface="Arial"/>
                 <a:cs typeface="Arial"/>
               </a:rPr>
@@ -3930,6 +4558,9 @@
             </a:r>
             <a:r>
               <a:rPr sz="600" spc="-50" dirty="0">
+                <a:highlight>
+                  <a:srgbClr val="000000"/>
+                </a:highlight>
                 <a:latin typeface="Arial"/>
                 <a:cs typeface="Arial"/>
               </a:rPr>
@@ -3937,6 +4568,9 @@
             </a:r>
             <a:r>
               <a:rPr sz="600" spc="-40" dirty="0">
+                <a:highlight>
+                  <a:srgbClr val="000000"/>
+                </a:highlight>
                 <a:latin typeface="Arial"/>
                 <a:cs typeface="Arial"/>
               </a:rPr>
@@ -3944,6 +4578,9 @@
             </a:r>
             <a:r>
               <a:rPr sz="600" spc="-25" dirty="0">
+                <a:highlight>
+                  <a:srgbClr val="000000"/>
+                </a:highlight>
                 <a:latin typeface="Arial"/>
                 <a:cs typeface="Arial"/>
               </a:rPr>
@@ -3951,6 +4588,9 @@
             </a:r>
             <a:r>
               <a:rPr sz="600" spc="-45" dirty="0">
+                <a:highlight>
+                  <a:srgbClr val="000000"/>
+                </a:highlight>
                 <a:latin typeface="Arial"/>
                 <a:cs typeface="Arial"/>
               </a:rPr>
@@ -3958,6 +4598,9 @@
             </a:r>
             <a:r>
               <a:rPr sz="600" spc="-30" dirty="0">
+                <a:highlight>
+                  <a:srgbClr val="000000"/>
+                </a:highlight>
                 <a:latin typeface="Arial"/>
                 <a:cs typeface="Arial"/>
               </a:rPr>
@@ -3965,6 +4608,9 @@
             </a:r>
             <a:r>
               <a:rPr sz="600" spc="-40" dirty="0">
+                <a:highlight>
+                  <a:srgbClr val="000000"/>
+                </a:highlight>
                 <a:latin typeface="Arial"/>
                 <a:cs typeface="Arial"/>
               </a:rPr>
@@ -3972,6 +4618,9 @@
             </a:r>
             <a:r>
               <a:rPr sz="600" spc="-45" dirty="0">
+                <a:highlight>
+                  <a:srgbClr val="000000"/>
+                </a:highlight>
                 <a:latin typeface="Arial"/>
                 <a:cs typeface="Arial"/>
               </a:rPr>
@@ -3979,6 +4628,9 @@
             </a:r>
             <a:r>
               <a:rPr sz="600" spc="-35" dirty="0">
+                <a:highlight>
+                  <a:srgbClr val="000000"/>
+                </a:highlight>
                 <a:latin typeface="Arial"/>
                 <a:cs typeface="Arial"/>
               </a:rPr>
@@ -3986,6 +4638,9 @@
             </a:r>
             <a:r>
               <a:rPr sz="600" spc="-25" dirty="0">
+                <a:highlight>
+                  <a:srgbClr val="000000"/>
+                </a:highlight>
                 <a:latin typeface="Arial"/>
                 <a:cs typeface="Arial"/>
               </a:rPr>
@@ -3993,6 +4648,9 @@
             </a:r>
             <a:r>
               <a:rPr sz="600" spc="-40" dirty="0">
+                <a:highlight>
+                  <a:srgbClr val="000000"/>
+                </a:highlight>
                 <a:latin typeface="Arial"/>
                 <a:cs typeface="Arial"/>
               </a:rPr>
@@ -4000,6 +4658,9 @@
             </a:r>
             <a:r>
               <a:rPr sz="600" spc="-50" dirty="0">
+                <a:highlight>
+                  <a:srgbClr val="000000"/>
+                </a:highlight>
                 <a:latin typeface="Arial"/>
                 <a:cs typeface="Arial"/>
               </a:rPr>
@@ -4007,6 +4668,9 @@
             </a:r>
             <a:r>
               <a:rPr sz="600" spc="-30" dirty="0">
+                <a:highlight>
+                  <a:srgbClr val="000000"/>
+                </a:highlight>
                 <a:latin typeface="Arial"/>
                 <a:cs typeface="Arial"/>
               </a:rPr>
@@ -4014,6 +4678,9 @@
             </a:r>
             <a:r>
               <a:rPr sz="600" spc="-25" dirty="0">
+                <a:highlight>
+                  <a:srgbClr val="000000"/>
+                </a:highlight>
                 <a:latin typeface="Arial"/>
                 <a:cs typeface="Arial"/>
               </a:rPr>
@@ -4021,6 +4688,9 @@
             </a:r>
             <a:r>
               <a:rPr sz="600" spc="-30" dirty="0">
+                <a:highlight>
+                  <a:srgbClr val="000000"/>
+                </a:highlight>
                 <a:latin typeface="Arial"/>
                 <a:cs typeface="Arial"/>
               </a:rPr>
@@ -4028,6 +4698,9 @@
             </a:r>
             <a:r>
               <a:rPr sz="600" spc="-45" dirty="0">
+                <a:highlight>
+                  <a:srgbClr val="000000"/>
+                </a:highlight>
                 <a:latin typeface="Arial"/>
                 <a:cs typeface="Arial"/>
               </a:rPr>
@@ -4035,6 +4708,9 @@
             </a:r>
             <a:r>
               <a:rPr sz="600" spc="-50" dirty="0">
+                <a:highlight>
+                  <a:srgbClr val="000000"/>
+                </a:highlight>
                 <a:latin typeface="Arial"/>
                 <a:cs typeface="Arial"/>
               </a:rPr>
@@ -4042,6 +4718,9 @@
             </a:r>
             <a:r>
               <a:rPr sz="600" spc="-15" dirty="0">
+                <a:highlight>
+                  <a:srgbClr val="000000"/>
+                </a:highlight>
                 <a:latin typeface="Arial"/>
                 <a:cs typeface="Arial"/>
               </a:rPr>
@@ -4049,12 +4728,18 @@
             </a:r>
             <a:r>
               <a:rPr sz="600" spc="-40" dirty="0">
+                <a:highlight>
+                  <a:srgbClr val="000000"/>
+                </a:highlight>
                 <a:latin typeface="Arial"/>
                 <a:cs typeface="Arial"/>
               </a:rPr>
               <a:t>Pischetsrieder</a:t>
             </a:r>
             <a:endParaRPr sz="600">
+              <a:highlight>
+                <a:srgbClr val="000000"/>
+              </a:highlight>
               <a:latin typeface="Arial"/>
               <a:cs typeface="Arial"/>
             </a:endParaRPr>
@@ -4099,6 +4784,9 @@
             </a:pPr>
             <a:r>
               <a:rPr sz="600" spc="-50" dirty="0">
+                <a:highlight>
+                  <a:srgbClr val="000000"/>
+                </a:highlight>
                 <a:latin typeface="Arial"/>
                 <a:cs typeface="Arial"/>
               </a:rPr>
@@ -4106,6 +4794,9 @@
             </a:r>
             <a:r>
               <a:rPr sz="600" spc="-90" dirty="0">
+                <a:highlight>
+                  <a:srgbClr val="000000"/>
+                </a:highlight>
                 <a:latin typeface="Arial"/>
                 <a:cs typeface="Arial"/>
               </a:rPr>
@@ -4113,6 +4804,9 @@
             </a:r>
             <a:r>
               <a:rPr sz="600" spc="-25" dirty="0">
+                <a:highlight>
+                  <a:srgbClr val="000000"/>
+                </a:highlight>
                 <a:latin typeface="Arial"/>
                 <a:cs typeface="Arial"/>
               </a:rPr>
@@ -4120,12 +4814,18 @@
             </a:r>
             <a:r>
               <a:rPr sz="600" spc="-30" dirty="0">
+                <a:highlight>
+                  <a:srgbClr val="000000"/>
+                </a:highlight>
                 <a:latin typeface="Arial"/>
                 <a:cs typeface="Arial"/>
               </a:rPr>
               <a:t> Stuttgart</a:t>
             </a:r>
             <a:endParaRPr sz="600">
+              <a:highlight>
+                <a:srgbClr val="000000"/>
+              </a:highlight>
               <a:latin typeface="Arial"/>
               <a:cs typeface="Arial"/>
             </a:endParaRPr>
@@ -4138,6 +4838,9 @@
             </a:pPr>
             <a:r>
               <a:rPr sz="600" spc="-35" dirty="0">
+                <a:highlight>
+                  <a:srgbClr val="000000"/>
+                </a:highlight>
                 <a:latin typeface="Arial"/>
                 <a:cs typeface="Arial"/>
               </a:rPr>
@@ -4145,6 +4848,9 @@
             </a:r>
             <a:r>
               <a:rPr sz="600" spc="-30" dirty="0">
+                <a:highlight>
+                  <a:srgbClr val="000000"/>
+                </a:highlight>
                 <a:latin typeface="Arial"/>
                 <a:cs typeface="Arial"/>
               </a:rPr>
@@ -4152,6 +4858,9 @@
             </a:r>
             <a:r>
               <a:rPr sz="600" spc="-25" dirty="0">
+                <a:highlight>
+                  <a:srgbClr val="000000"/>
+                </a:highlight>
                 <a:latin typeface="Arial"/>
                 <a:cs typeface="Arial"/>
               </a:rPr>
@@ -4159,6 +4868,9 @@
             </a:r>
             <a:r>
               <a:rPr sz="600" spc="-30" dirty="0">
+                <a:highlight>
+                  <a:srgbClr val="000000"/>
+                </a:highlight>
                 <a:latin typeface="Arial"/>
                 <a:cs typeface="Arial"/>
               </a:rPr>
@@ -4166,12 +4878,18 @@
             </a:r>
             <a:r>
               <a:rPr sz="600" spc="-25" dirty="0">
+                <a:highlight>
+                  <a:srgbClr val="000000"/>
+                </a:highlight>
                 <a:latin typeface="Arial"/>
                 <a:cs typeface="Arial"/>
               </a:rPr>
               <a:t>17-0</a:t>
             </a:r>
             <a:endParaRPr sz="600">
+              <a:highlight>
+                <a:srgbClr val="000000"/>
+              </a:highlight>
               <a:latin typeface="Arial"/>
               <a:cs typeface="Arial"/>
             </a:endParaRPr>
@@ -4187,7 +4905,7 @@
         <p:spPr>
           <a:xfrm>
             <a:off x="889000" y="9846177"/>
-            <a:ext cx="5442585" cy="111760"/>
+            <a:ext cx="5442585" cy="98104"/>
           </a:xfrm>
           <a:prstGeom prst="rect">
             <a:avLst/>
@@ -4216,6 +4934,9 @@
             </a:pPr>
             <a:r>
               <a:rPr sz="600" spc="-30" dirty="0">
+                <a:highlight>
+                  <a:srgbClr val="000000"/>
+                </a:highlight>
                 <a:latin typeface="Arial"/>
                 <a:cs typeface="Arial"/>
               </a:rPr>
@@ -4223,6 +4944,9 @@
             </a:r>
             <a:r>
               <a:rPr sz="600" spc="-25" dirty="0">
+                <a:highlight>
+                  <a:srgbClr val="000000"/>
+                </a:highlight>
                 <a:latin typeface="Arial"/>
                 <a:cs typeface="Arial"/>
               </a:rPr>
@@ -4230,6 +4954,9 @@
             </a:r>
             <a:r>
               <a:rPr sz="600" spc="-45" dirty="0">
+                <a:highlight>
+                  <a:srgbClr val="000000"/>
+                </a:highlight>
                 <a:latin typeface="Arial"/>
                 <a:cs typeface="Arial"/>
               </a:rPr>
@@ -4237,6 +4964,9 @@
             </a:r>
             <a:r>
               <a:rPr sz="600" spc="-55" dirty="0">
+                <a:highlight>
+                  <a:srgbClr val="000000"/>
+                </a:highlight>
                 <a:latin typeface="Arial"/>
                 <a:cs typeface="Arial"/>
               </a:rPr>
@@ -4244,6 +4974,9 @@
             </a:r>
             <a:r>
               <a:rPr sz="600" spc="-45" dirty="0">
+                <a:highlight>
+                  <a:srgbClr val="000000"/>
+                </a:highlight>
                 <a:latin typeface="Arial"/>
                 <a:cs typeface="Arial"/>
               </a:rPr>
@@ -4251,6 +4984,9 @@
             </a:r>
             <a:r>
               <a:rPr sz="600" spc="-35" dirty="0">
+                <a:highlight>
+                  <a:srgbClr val="000000"/>
+                </a:highlight>
                 <a:latin typeface="Arial"/>
                 <a:cs typeface="Arial"/>
               </a:rPr>
@@ -4258,6 +4994,9 @@
             </a:r>
             <a:r>
               <a:rPr sz="600" spc="-65" dirty="0">
+                <a:highlight>
+                  <a:srgbClr val="000000"/>
+                </a:highlight>
                 <a:latin typeface="Arial"/>
                 <a:cs typeface="Arial"/>
               </a:rPr>
@@ -4265,6 +5004,9 @@
             </a:r>
             <a:r>
               <a:rPr sz="600" spc="-50" dirty="0">
+                <a:highlight>
+                  <a:srgbClr val="000000"/>
+                </a:highlight>
                 <a:latin typeface="Arial"/>
                 <a:cs typeface="Arial"/>
               </a:rPr>
@@ -4272,6 +5014,9 @@
             </a:r>
             <a:r>
               <a:rPr sz="600" spc="-55" dirty="0">
+                <a:highlight>
+                  <a:srgbClr val="000000"/>
+                </a:highlight>
                 <a:latin typeface="Arial"/>
                 <a:cs typeface="Arial"/>
               </a:rPr>
@@ -4279,6 +5024,9 @@
             </a:r>
             <a:r>
               <a:rPr sz="600" spc="-70" dirty="0">
+                <a:highlight>
+                  <a:srgbClr val="000000"/>
+                </a:highlight>
                 <a:latin typeface="Arial"/>
                 <a:cs typeface="Arial"/>
               </a:rPr>
@@ -4286,6 +5034,9 @@
             </a:r>
             <a:r>
               <a:rPr sz="600" spc="-50" dirty="0">
+                <a:highlight>
+                  <a:srgbClr val="000000"/>
+                </a:highlight>
                 <a:latin typeface="Arial"/>
                 <a:cs typeface="Arial"/>
               </a:rPr>
@@ -4293,6 +5044,9 @@
             </a:r>
             <a:r>
               <a:rPr sz="600" spc="-45" dirty="0">
+                <a:highlight>
+                  <a:srgbClr val="000000"/>
+                </a:highlight>
                 <a:latin typeface="Arial"/>
                 <a:cs typeface="Arial"/>
               </a:rPr>
@@ -4300,6 +5054,9 @@
             </a:r>
             <a:r>
               <a:rPr sz="600" spc="-40" dirty="0">
+                <a:highlight>
+                  <a:srgbClr val="000000"/>
+                </a:highlight>
                 <a:latin typeface="Arial"/>
                 <a:cs typeface="Arial"/>
               </a:rPr>
@@ -4307,6 +5064,9 @@
             </a:r>
             <a:r>
               <a:rPr sz="600" spc="-30" dirty="0">
+                <a:highlight>
+                  <a:srgbClr val="000000"/>
+                </a:highlight>
                 <a:latin typeface="Arial"/>
                 <a:cs typeface="Arial"/>
               </a:rPr>
@@ -4314,6 +5074,9 @@
             </a:r>
             <a:r>
               <a:rPr sz="600" spc="-25" dirty="0">
+                <a:highlight>
+                  <a:srgbClr val="000000"/>
+                </a:highlight>
                 <a:latin typeface="Arial"/>
                 <a:cs typeface="Arial"/>
               </a:rPr>
@@ -4321,6 +5084,9 @@
             </a:r>
             <a:r>
               <a:rPr sz="600" spc="90" dirty="0">
+                <a:highlight>
+                  <a:srgbClr val="000000"/>
+                </a:highlight>
                 <a:latin typeface="Arial"/>
                 <a:cs typeface="Arial"/>
               </a:rPr>
@@ -4328,12 +5094,18 @@
             </a:r>
             <a:r>
               <a:rPr sz="600" spc="-25" dirty="0">
+                <a:highlight>
+                  <a:srgbClr val="000000"/>
+                </a:highlight>
                 <a:latin typeface="Arial"/>
                 <a:cs typeface="Arial"/>
               </a:rPr>
               <a:t>44</a:t>
             </a:r>
             <a:endParaRPr sz="600">
+              <a:highlight>
+                <a:srgbClr val="000000"/>
+              </a:highlight>
               <a:latin typeface="Arial"/>
               <a:cs typeface="Arial"/>
             </a:endParaRPr>
@@ -4349,7 +5121,7 @@
         <p:spPr>
           <a:xfrm>
             <a:off x="889000" y="9932029"/>
-            <a:ext cx="1423035" cy="111760"/>
+            <a:ext cx="1423035" cy="98104"/>
           </a:xfrm>
           <a:prstGeom prst="rect">
             <a:avLst/>
@@ -4378,6 +5150,9 @@
             </a:pPr>
             <a:r>
               <a:rPr sz="600" spc="-30" dirty="0">
+                <a:highlight>
+                  <a:srgbClr val="000000"/>
+                </a:highlight>
                 <a:latin typeface="Arial"/>
                 <a:cs typeface="Arial"/>
               </a:rPr>
@@ -4385,6 +5160,9 @@
             </a:r>
             <a:r>
               <a:rPr sz="600" spc="-50" dirty="0">
+                <a:highlight>
+                  <a:srgbClr val="000000"/>
+                </a:highlight>
                 <a:latin typeface="Arial"/>
                 <a:cs typeface="Arial"/>
               </a:rPr>
@@ -4392,6 +5170,9 @@
             </a:r>
             <a:r>
               <a:rPr sz="600" spc="-45" dirty="0">
+                <a:highlight>
+                  <a:srgbClr val="000000"/>
+                </a:highlight>
                 <a:latin typeface="Arial"/>
                 <a:cs typeface="Arial"/>
               </a:rPr>
@@ -4399,6 +5180,9 @@
             </a:r>
             <a:r>
               <a:rPr sz="600" spc="-50" dirty="0">
+                <a:highlight>
+                  <a:srgbClr val="000000"/>
+                </a:highlight>
                 <a:latin typeface="Arial"/>
                 <a:cs typeface="Arial"/>
               </a:rPr>
@@ -4406,6 +5190,9 @@
             </a:r>
             <a:r>
               <a:rPr sz="600" spc="-45" dirty="0">
+                <a:highlight>
+                  <a:srgbClr val="000000"/>
+                </a:highlight>
                 <a:latin typeface="Arial"/>
                 <a:cs typeface="Arial"/>
               </a:rPr>
@@ -4413,6 +5200,9 @@
             </a:r>
             <a:r>
               <a:rPr sz="600" spc="-30" dirty="0">
+                <a:highlight>
+                  <a:srgbClr val="000000"/>
+                </a:highlight>
                 <a:latin typeface="Arial"/>
                 <a:cs typeface="Arial"/>
               </a:rPr>
@@ -4420,12 +5210,18 @@
             </a:r>
             <a:r>
               <a:rPr sz="600" spc="-50" dirty="0">
+                <a:highlight>
+                  <a:srgbClr val="000000"/>
+                </a:highlight>
                 <a:latin typeface="Arial"/>
                 <a:cs typeface="Arial"/>
               </a:rPr>
               <a:t>Wilhelm</a:t>
             </a:r>
             <a:endParaRPr sz="600">
+              <a:highlight>
+                <a:srgbClr val="000000"/>
+              </a:highlight>
               <a:latin typeface="Arial"/>
               <a:cs typeface="Arial"/>
             </a:endParaRPr>
@@ -4463,6 +5259,9 @@
             </a:pPr>
             <a:r>
               <a:rPr sz="600" spc="-50" dirty="0">
+                <a:highlight>
+                  <a:srgbClr val="000000"/>
+                </a:highlight>
                 <a:latin typeface="Arial"/>
                 <a:cs typeface="Arial"/>
                 <a:hlinkClick r:id="rId5"/>
@@ -4471,6 +5270,9 @@
             </a:r>
             <a:r>
               <a:rPr sz="600" spc="-50" dirty="0">
+                <a:highlight>
+                  <a:srgbClr val="000000"/>
+                </a:highlight>
                 <a:latin typeface="Arial"/>
                 <a:cs typeface="Arial"/>
               </a:rPr>
@@ -4478,6 +5280,9 @@
             </a:r>
             <a:r>
               <a:rPr sz="600" spc="-50" dirty="0">
+                <a:highlight>
+                  <a:srgbClr val="000000"/>
+                </a:highlight>
                 <a:latin typeface="Arial"/>
                 <a:cs typeface="Arial"/>
                 <a:hlinkClick r:id="rId6"/>
@@ -4485,6 +5290,9 @@
               <a:t>www.mercedes-benz.com</a:t>
             </a:r>
             <a:endParaRPr sz="600">
+              <a:highlight>
+                <a:srgbClr val="000000"/>
+              </a:highlight>
               <a:latin typeface="Arial"/>
               <a:cs typeface="Arial"/>
             </a:endParaRPr>
@@ -4500,7 +5308,7 @@
         <p:spPr>
           <a:xfrm>
             <a:off x="1041400" y="10185350"/>
-            <a:ext cx="4076700" cy="140335"/>
+            <a:ext cx="4076700" cy="126317"/>
           </a:xfrm>
           <a:prstGeom prst="rect">
             <a:avLst/>
@@ -4522,6 +5330,9 @@
             </a:pPr>
             <a:r>
               <a:rPr sz="800" spc="-55" dirty="0">
+                <a:highlight>
+                  <a:srgbClr val="000000"/>
+                </a:highlight>
                 <a:latin typeface="Arial"/>
                 <a:cs typeface="Arial"/>
               </a:rPr>
@@ -4529,6 +5340,9 @@
             </a:r>
             <a:r>
               <a:rPr sz="800" spc="-25" dirty="0">
+                <a:highlight>
+                  <a:srgbClr val="000000"/>
+                </a:highlight>
                 <a:latin typeface="Arial"/>
                 <a:cs typeface="Arial"/>
               </a:rPr>
@@ -4536,6 +5350,9 @@
             </a:r>
             <a:r>
               <a:rPr sz="800" spc="-65" dirty="0">
+                <a:highlight>
+                  <a:srgbClr val="000000"/>
+                </a:highlight>
                 <a:latin typeface="Arial"/>
                 <a:cs typeface="Arial"/>
               </a:rPr>
@@ -4543,6 +5360,9 @@
             </a:r>
             <a:r>
               <a:rPr sz="800" spc="-20" dirty="0">
+                <a:highlight>
+                  <a:srgbClr val="000000"/>
+                </a:highlight>
                 <a:latin typeface="Arial"/>
                 <a:cs typeface="Arial"/>
               </a:rPr>
@@ -4550,6 +5370,9 @@
             </a:r>
             <a:r>
               <a:rPr sz="800" spc="-45" dirty="0">
+                <a:highlight>
+                  <a:srgbClr val="000000"/>
+                </a:highlight>
                 <a:latin typeface="Arial"/>
                 <a:cs typeface="Arial"/>
               </a:rPr>
@@ -4557,6 +5380,9 @@
             </a:r>
             <a:r>
               <a:rPr sz="800" spc="-20" dirty="0">
+                <a:highlight>
+                  <a:srgbClr val="000000"/>
+                </a:highlight>
                 <a:latin typeface="Arial"/>
                 <a:cs typeface="Arial"/>
               </a:rPr>
@@ -4564,6 +5390,9 @@
             </a:r>
             <a:r>
               <a:rPr sz="800" spc="-50" dirty="0">
+                <a:highlight>
+                  <a:srgbClr val="000000"/>
+                </a:highlight>
                 <a:latin typeface="Arial"/>
                 <a:cs typeface="Arial"/>
               </a:rPr>
@@ -4571,6 +5400,9 @@
             </a:r>
             <a:r>
               <a:rPr sz="800" spc="-20" dirty="0">
+                <a:highlight>
+                  <a:srgbClr val="000000"/>
+                </a:highlight>
                 <a:latin typeface="Arial"/>
                 <a:cs typeface="Arial"/>
               </a:rPr>
@@ -4578,6 +5410,9 @@
             </a:r>
             <a:r>
               <a:rPr sz="800" spc="-55" dirty="0">
+                <a:highlight>
+                  <a:srgbClr val="000000"/>
+                </a:highlight>
                 <a:latin typeface="Arial"/>
                 <a:cs typeface="Arial"/>
               </a:rPr>
@@ -4585,6 +5420,9 @@
             </a:r>
             <a:r>
               <a:rPr sz="800" spc="-20" dirty="0">
+                <a:highlight>
+                  <a:srgbClr val="000000"/>
+                </a:highlight>
                 <a:latin typeface="Arial"/>
                 <a:cs typeface="Arial"/>
               </a:rPr>
@@ -4592,6 +5430,9 @@
             </a:r>
             <a:r>
               <a:rPr sz="800" spc="-55" dirty="0">
+                <a:highlight>
+                  <a:srgbClr val="000000"/>
+                </a:highlight>
                 <a:latin typeface="Arial"/>
                 <a:cs typeface="Arial"/>
               </a:rPr>
@@ -4599,6 +5440,9 @@
             </a:r>
             <a:r>
               <a:rPr sz="800" spc="-25" dirty="0">
+                <a:highlight>
+                  <a:srgbClr val="000000"/>
+                </a:highlight>
                 <a:latin typeface="Arial"/>
                 <a:cs typeface="Arial"/>
               </a:rPr>
@@ -4606,6 +5450,9 @@
             </a:r>
             <a:r>
               <a:rPr sz="800" spc="-50" dirty="0">
+                <a:highlight>
+                  <a:srgbClr val="000000"/>
+                </a:highlight>
                 <a:latin typeface="Arial"/>
                 <a:cs typeface="Arial"/>
               </a:rPr>
@@ -4613,6 +5460,9 @@
             </a:r>
             <a:r>
               <a:rPr sz="800" spc="-20" dirty="0">
+                <a:highlight>
+                  <a:srgbClr val="000000"/>
+                </a:highlight>
                 <a:latin typeface="Arial"/>
                 <a:cs typeface="Arial"/>
               </a:rPr>
@@ -4620,6 +5470,9 @@
             </a:r>
             <a:r>
               <a:rPr sz="800" spc="-65" dirty="0">
+                <a:highlight>
+                  <a:srgbClr val="000000"/>
+                </a:highlight>
                 <a:latin typeface="Arial"/>
                 <a:cs typeface="Arial"/>
               </a:rPr>
@@ -4627,6 +5480,9 @@
             </a:r>
             <a:r>
               <a:rPr sz="800" spc="-20" dirty="0">
+                <a:highlight>
+                  <a:srgbClr val="000000"/>
+                </a:highlight>
                 <a:latin typeface="Arial"/>
                 <a:cs typeface="Arial"/>
               </a:rPr>
@@ -4634,6 +5490,9 @@
             </a:r>
             <a:r>
               <a:rPr sz="800" spc="-70" dirty="0">
+                <a:highlight>
+                  <a:srgbClr val="000000"/>
+                </a:highlight>
                 <a:latin typeface="Arial"/>
                 <a:cs typeface="Arial"/>
               </a:rPr>
@@ -4641,6 +5500,9 @@
             </a:r>
             <a:r>
               <a:rPr sz="800" spc="-20" dirty="0">
+                <a:highlight>
+                  <a:srgbClr val="000000"/>
+                </a:highlight>
                 <a:latin typeface="Arial"/>
                 <a:cs typeface="Arial"/>
               </a:rPr>
@@ -4648,6 +5510,9 @@
             </a:r>
             <a:r>
               <a:rPr sz="800" spc="-90" dirty="0">
+                <a:highlight>
+                  <a:srgbClr val="000000"/>
+                </a:highlight>
                 <a:latin typeface="Arial"/>
                 <a:cs typeface="Arial"/>
               </a:rPr>
@@ -4655,6 +5520,9 @@
             </a:r>
             <a:r>
               <a:rPr sz="800" spc="-20" dirty="0">
+                <a:highlight>
+                  <a:srgbClr val="000000"/>
+                </a:highlight>
                 <a:latin typeface="Arial"/>
                 <a:cs typeface="Arial"/>
               </a:rPr>
@@ -4662,6 +5530,9 @@
             </a:r>
             <a:r>
               <a:rPr sz="800" spc="-35" dirty="0">
+                <a:highlight>
+                  <a:srgbClr val="000000"/>
+                </a:highlight>
                 <a:latin typeface="Arial"/>
                 <a:cs typeface="Arial"/>
               </a:rPr>
@@ -4669,6 +5540,9 @@
             </a:r>
             <a:r>
               <a:rPr sz="800" spc="-25" dirty="0">
+                <a:highlight>
+                  <a:srgbClr val="000000"/>
+                </a:highlight>
                 <a:latin typeface="Arial"/>
                 <a:cs typeface="Arial"/>
               </a:rPr>
@@ -4676,12 +5550,18 @@
             </a:r>
             <a:r>
               <a:rPr sz="800" spc="-55" dirty="0">
+                <a:highlight>
+                  <a:srgbClr val="000000"/>
+                </a:highlight>
                 <a:latin typeface="Arial"/>
                 <a:cs typeface="Arial"/>
               </a:rPr>
               <a:t>Deutschland</a:t>
             </a:r>
             <a:endParaRPr sz="800">
+              <a:highlight>
+                <a:srgbClr val="000000"/>
+              </a:highlight>
               <a:latin typeface="Arial"/>
               <a:cs typeface="Arial"/>
             </a:endParaRPr>
@@ -4699,6 +5579,10 @@
           </p:nvPr>
         </p:nvSpPr>
         <p:spPr>
+          <a:xfrm>
+            <a:off x="6210300" y="10411283"/>
+            <a:ext cx="553084" cy="126317"/>
+          </a:xfrm>
           <a:prstGeom prst="rect">
             <a:avLst/>
           </a:prstGeom>
@@ -4718,27 +5602,51 @@
               </a:spcBef>
             </a:pPr>
             <a:r>
-              <a:rPr spc="-45" dirty="0"/>
+              <a:rPr spc="-45" dirty="0">
+                <a:highlight>
+                  <a:srgbClr val="000000"/>
+                </a:highlight>
+              </a:rPr>
               <a:t>Seite </a:t>
             </a:r>
             <a:fld id="{81D60167-4931-47E6-BA6A-407CBD079E47}" type="slidenum">
-              <a:rPr spc="-30" dirty="0"/>
+              <a:rPr spc="-30" dirty="0">
+                <a:highlight>
+                  <a:srgbClr val="000000"/>
+                </a:highlight>
+              </a:rPr>
               <a:t>1</a:t>
             </a:fld>
             <a:r>
-              <a:rPr spc="-30" dirty="0"/>
+              <a:rPr spc="-30" dirty="0">
+                <a:highlight>
+                  <a:srgbClr val="000000"/>
+                </a:highlight>
+              </a:rPr>
               <a:t> </a:t>
             </a:r>
             <a:r>
-              <a:rPr spc="-60" dirty="0"/>
+              <a:rPr spc="-60" dirty="0">
+                <a:highlight>
+                  <a:srgbClr val="000000"/>
+                </a:highlight>
+              </a:rPr>
               <a:t>von</a:t>
             </a:r>
             <a:r>
-              <a:rPr spc="-80" dirty="0"/>
+              <a:rPr spc="-80" dirty="0">
+                <a:highlight>
+                  <a:srgbClr val="000000"/>
+                </a:highlight>
+              </a:rPr>
               <a:t> </a:t>
             </a:r>
             <a:r>
-              <a:rPr spc="-30" dirty="0"/>
+              <a:rPr spc="-30" dirty="0">
+                <a:highlight>
+                  <a:srgbClr val="000000"/>
+                </a:highlight>
+              </a:rPr>
               <a:t>8</a:t>
             </a:r>
           </a:p>
